--- a/主信實無變.pptx
+++ b/主信實無變.pptx
@@ -2,7 +2,7 @@
 <file path=ppt/presentation.xml><?xml version="1.0" encoding="utf-8"?>
 <p:presentation xmlns:a="http://schemas.openxmlformats.org/drawingml/2006/main" xmlns:r="http://schemas.openxmlformats.org/officeDocument/2006/relationships" xmlns:p="http://schemas.openxmlformats.org/presentationml/2006/main" saveSubsetFonts="1">
   <p:sldMasterIdLst>
-    <p:sldMasterId id="2147483672" r:id="rId1"/>
+    <p:sldMasterId id="2147483684" r:id="rId1"/>
   </p:sldMasterIdLst>
   <p:sldIdLst>
     <p:sldId id="256" r:id="rId2"/>
@@ -111,7 +111,7 @@
 </file>
 
 <file path=ppt/slideLayouts/slideLayout1.xml><?xml version="1.0" encoding="utf-8"?>
-<p:sldLayout xmlns:a="http://schemas.openxmlformats.org/drawingml/2006/main" xmlns:r="http://schemas.openxmlformats.org/officeDocument/2006/relationships" xmlns:p="http://schemas.openxmlformats.org/presentationml/2006/main" showMasterSp="0" type="title" preserve="1">
+<p:sldLayout xmlns:a="http://schemas.openxmlformats.org/drawingml/2006/main" xmlns:r="http://schemas.openxmlformats.org/officeDocument/2006/relationships" xmlns:p="http://schemas.openxmlformats.org/presentationml/2006/main" type="title" preserve="1">
   <p:cSld name="標題投影片">
     <p:spTree>
       <p:nvGrpSpPr>
@@ -129,57 +129,7 @@
       </p:grpSpPr>
       <p:sp>
         <p:nvSpPr>
-          <p:cNvPr id="7" name="直線接點 6"/>
-          <p:cNvSpPr>
-            <a:spLocks noChangeShapeType="1"/>
-          </p:cNvSpPr>
-          <p:nvPr/>
-        </p:nvSpPr>
-        <p:spPr bwMode="auto">
-          <a:xfrm>
-            <a:off x="514350" y="5349902"/>
-            <a:ext cx="8629650" cy="2381"/>
-          </a:xfrm>
-          <a:prstGeom prst="line">
-            <a:avLst/>
-          </a:prstGeom>
-          <a:noFill/>
-          <a:ln w="9525" cap="flat" cmpd="sng" algn="ctr">
-            <a:gradFill flip="none" rotWithShape="1">
-              <a:gsLst>
-                <a:gs pos="0">
-                  <a:schemeClr val="accent1">
-                    <a:alpha val="0"/>
-                  </a:schemeClr>
-                </a:gs>
-                <a:gs pos="17000">
-                  <a:schemeClr val="accent1"/>
-                </a:gs>
-                <a:gs pos="100000">
-                  <a:schemeClr val="accent1"/>
-                </a:gs>
-              </a:gsLst>
-              <a:lin ang="0" scaled="1"/>
-              <a:tileRect/>
-            </a:gradFill>
-            <a:prstDash val="solid"/>
-            <a:round/>
-            <a:headEnd type="none" w="med" len="med"/>
-            <a:tailEnd type="none" w="med" len="med"/>
-          </a:ln>
-          <a:effectLst/>
-        </p:spPr>
-        <p:txBody>
-          <a:bodyPr vert="horz" wrap="square" lIns="91440" tIns="45720" rIns="91440" bIns="45720" anchor="t" compatLnSpc="1"/>
-          <a:lstStyle/>
-          <a:p>
-            <a:endParaRPr kumimoji="0" lang="en-US"/>
-          </a:p>
-        </p:txBody>
-      </p:sp>
-      <p:sp>
-        <p:nvSpPr>
-          <p:cNvPr id="29" name="標題 28"/>
+          <p:cNvPr id="2" name="標題 1"/>
           <p:cNvSpPr>
             <a:spLocks noGrp="1"/>
           </p:cNvSpPr>
@@ -189,25 +139,25 @@
         </p:nvSpPr>
         <p:spPr>
           <a:xfrm>
-            <a:off x="381000" y="4853411"/>
-            <a:ext cx="8458200" cy="1222375"/>
+            <a:off x="685800" y="2130425"/>
+            <a:ext cx="7772400" cy="1470025"/>
           </a:xfrm>
         </p:spPr>
         <p:txBody>
-          <a:bodyPr anchor="t"/>
-          <a:lstStyle/>
-          <a:p>
-            <a:r>
-              <a:rPr kumimoji="0" lang="zh-TW" altLang="en-US" smtClean="0"/>
+          <a:bodyPr/>
+          <a:lstStyle/>
+          <a:p>
+            <a:r>
+              <a:rPr lang="zh-TW" altLang="en-US" smtClean="0"/>
               <a:t>按一下以編輯母片標題樣式</a:t>
             </a:r>
-            <a:endParaRPr kumimoji="0" lang="en-US"/>
-          </a:p>
-        </p:txBody>
-      </p:sp>
-      <p:sp>
-        <p:nvSpPr>
-          <p:cNvPr id="9" name="副標題 8"/>
+            <a:endParaRPr lang="zh-TW" altLang="en-US"/>
+          </a:p>
+        </p:txBody>
+      </p:sp>
+      <p:sp>
+        <p:nvSpPr>
+          <p:cNvPr id="3" name="副標題 2"/>
           <p:cNvSpPr>
             <a:spLocks noGrp="1"/>
           </p:cNvSpPr>
@@ -217,60 +167,116 @@
         </p:nvSpPr>
         <p:spPr>
           <a:xfrm>
-            <a:off x="381000" y="3886200"/>
-            <a:ext cx="8458200" cy="914400"/>
+            <a:off x="1371600" y="3886200"/>
+            <a:ext cx="6400800" cy="1752600"/>
           </a:xfrm>
         </p:spPr>
         <p:txBody>
-          <a:bodyPr anchor="b"/>
+          <a:bodyPr/>
           <a:lstStyle>
-            <a:lvl1pPr marL="0" indent="0" algn="l">
-              <a:buNone/>
-              <a:defRPr sz="2400">
-                <a:solidFill>
-                  <a:schemeClr val="tx2">
-                    <a:shade val="75000"/>
+            <a:lvl1pPr marL="0" indent="0" algn="ctr">
+              <a:buNone/>
+              <a:defRPr>
+                <a:solidFill>
+                  <a:schemeClr val="tx1">
+                    <a:tint val="75000"/>
                   </a:schemeClr>
                 </a:solidFill>
               </a:defRPr>
             </a:lvl1pPr>
             <a:lvl2pPr marL="457200" indent="0" algn="ctr">
               <a:buNone/>
+              <a:defRPr>
+                <a:solidFill>
+                  <a:schemeClr val="tx1">
+                    <a:tint val="75000"/>
+                  </a:schemeClr>
+                </a:solidFill>
+              </a:defRPr>
             </a:lvl2pPr>
             <a:lvl3pPr marL="914400" indent="0" algn="ctr">
               <a:buNone/>
+              <a:defRPr>
+                <a:solidFill>
+                  <a:schemeClr val="tx1">
+                    <a:tint val="75000"/>
+                  </a:schemeClr>
+                </a:solidFill>
+              </a:defRPr>
             </a:lvl3pPr>
             <a:lvl4pPr marL="1371600" indent="0" algn="ctr">
               <a:buNone/>
+              <a:defRPr>
+                <a:solidFill>
+                  <a:schemeClr val="tx1">
+                    <a:tint val="75000"/>
+                  </a:schemeClr>
+                </a:solidFill>
+              </a:defRPr>
             </a:lvl4pPr>
             <a:lvl5pPr marL="1828800" indent="0" algn="ctr">
               <a:buNone/>
+              <a:defRPr>
+                <a:solidFill>
+                  <a:schemeClr val="tx1">
+                    <a:tint val="75000"/>
+                  </a:schemeClr>
+                </a:solidFill>
+              </a:defRPr>
             </a:lvl5pPr>
             <a:lvl6pPr marL="2286000" indent="0" algn="ctr">
               <a:buNone/>
+              <a:defRPr>
+                <a:solidFill>
+                  <a:schemeClr val="tx1">
+                    <a:tint val="75000"/>
+                  </a:schemeClr>
+                </a:solidFill>
+              </a:defRPr>
             </a:lvl6pPr>
             <a:lvl7pPr marL="2743200" indent="0" algn="ctr">
               <a:buNone/>
+              <a:defRPr>
+                <a:solidFill>
+                  <a:schemeClr val="tx1">
+                    <a:tint val="75000"/>
+                  </a:schemeClr>
+                </a:solidFill>
+              </a:defRPr>
             </a:lvl7pPr>
             <a:lvl8pPr marL="3200400" indent="0" algn="ctr">
               <a:buNone/>
+              <a:defRPr>
+                <a:solidFill>
+                  <a:schemeClr val="tx1">
+                    <a:tint val="75000"/>
+                  </a:schemeClr>
+                </a:solidFill>
+              </a:defRPr>
             </a:lvl8pPr>
             <a:lvl9pPr marL="3657600" indent="0" algn="ctr">
               <a:buNone/>
+              <a:defRPr>
+                <a:solidFill>
+                  <a:schemeClr val="tx1">
+                    <a:tint val="75000"/>
+                  </a:schemeClr>
+                </a:solidFill>
+              </a:defRPr>
             </a:lvl9pPr>
           </a:lstStyle>
           <a:p>
             <a:r>
-              <a:rPr kumimoji="0" lang="zh-TW" altLang="en-US" smtClean="0"/>
+              <a:rPr lang="zh-TW" altLang="en-US" smtClean="0"/>
               <a:t>按一下以編輯母片副標題樣式</a:t>
             </a:r>
-            <a:endParaRPr kumimoji="0" lang="en-US"/>
-          </a:p>
-        </p:txBody>
-      </p:sp>
-      <p:sp>
-        <p:nvSpPr>
-          <p:cNvPr id="16" name="日期版面配置區 15"/>
+            <a:endParaRPr lang="zh-TW" altLang="en-US"/>
+          </a:p>
+        </p:txBody>
+      </p:sp>
+      <p:sp>
+        <p:nvSpPr>
+          <p:cNvPr id="4" name="日期版面配置區 3"/>
           <p:cNvSpPr>
             <a:spLocks noGrp="1"/>
           </p:cNvSpPr>
@@ -286,7 +292,7 @@
             <a:fld id="{13DFAA79-2AD9-49FF-9797-94AE20DEA5B5}" type="datetimeFigureOut">
               <a:rPr lang="zh-TW" altLang="en-US" smtClean="0"/>
               <a:pPr/>
-              <a:t>2014/12/31</a:t>
+              <a:t>2019/3/16</a:t>
             </a:fld>
             <a:endParaRPr lang="zh-TW" altLang="en-US"/>
           </a:p>
@@ -294,7 +300,7 @@
       </p:sp>
       <p:sp>
         <p:nvSpPr>
-          <p:cNvPr id="2" name="頁尾版面配置區 1"/>
+          <p:cNvPr id="5" name="頁尾版面配置區 4"/>
           <p:cNvSpPr>
             <a:spLocks noGrp="1"/>
           </p:cNvSpPr>
@@ -313,7 +319,7 @@
       </p:sp>
       <p:sp>
         <p:nvSpPr>
-          <p:cNvPr id="15" name="投影片編號版面配置區 14"/>
+          <p:cNvPr id="6" name="投影片編號版面配置區 5"/>
           <p:cNvSpPr>
             <a:spLocks noGrp="1"/>
           </p:cNvSpPr>
@@ -321,12 +327,7 @@
             <p:ph type="sldNum" sz="quarter" idx="12"/>
           </p:nvPr>
         </p:nvSpPr>
-        <p:spPr>
-          <a:xfrm>
-            <a:off x="8229600" y="6473952"/>
-            <a:ext cx="758952" cy="246888"/>
-          </a:xfrm>
-        </p:spPr>
+        <p:spPr/>
         <p:txBody>
           <a:bodyPr/>
           <a:lstStyle/>
@@ -381,10 +382,10 @@
           <a:lstStyle/>
           <a:p>
             <a:r>
-              <a:rPr kumimoji="0" lang="zh-TW" altLang="en-US" smtClean="0"/>
+              <a:rPr lang="zh-TW" altLang="en-US" smtClean="0"/>
               <a:t>按一下以編輯母片標題樣式</a:t>
             </a:r>
-            <a:endParaRPr kumimoji="0" lang="en-US"/>
+            <a:endParaRPr lang="zh-TW" altLang="en-US"/>
           </a:p>
         </p:txBody>
       </p:sp>
@@ -403,40 +404,40 @@
           <a:bodyPr vert="eaVert"/>
           <a:lstStyle/>
           <a:p>
-            <a:pPr lvl="0" eaLnBrk="1" latinLnBrk="0" hangingPunct="1"/>
+            <a:pPr lvl="0"/>
             <a:r>
               <a:rPr lang="zh-TW" altLang="en-US" smtClean="0"/>
               <a:t>按一下以編輯母片文字樣式</a:t>
             </a:r>
           </a:p>
           <a:p>
-            <a:pPr lvl="1" eaLnBrk="1" latinLnBrk="0" hangingPunct="1"/>
+            <a:pPr lvl="1"/>
             <a:r>
               <a:rPr lang="zh-TW" altLang="en-US" smtClean="0"/>
               <a:t>第二層</a:t>
             </a:r>
           </a:p>
           <a:p>
-            <a:pPr lvl="2" eaLnBrk="1" latinLnBrk="0" hangingPunct="1"/>
+            <a:pPr lvl="2"/>
             <a:r>
               <a:rPr lang="zh-TW" altLang="en-US" smtClean="0"/>
               <a:t>第三層</a:t>
             </a:r>
           </a:p>
           <a:p>
-            <a:pPr lvl="3" eaLnBrk="1" latinLnBrk="0" hangingPunct="1"/>
+            <a:pPr lvl="3"/>
             <a:r>
               <a:rPr lang="zh-TW" altLang="en-US" smtClean="0"/>
               <a:t>第四層</a:t>
             </a:r>
           </a:p>
           <a:p>
-            <a:pPr lvl="4" eaLnBrk="1" latinLnBrk="0" hangingPunct="1"/>
+            <a:pPr lvl="4"/>
             <a:r>
               <a:rPr lang="zh-TW" altLang="en-US" smtClean="0"/>
               <a:t>第五層</a:t>
             </a:r>
-            <a:endParaRPr kumimoji="0" lang="en-US"/>
+            <a:endParaRPr lang="zh-TW" altLang="en-US"/>
           </a:p>
         </p:txBody>
       </p:sp>
@@ -458,7 +459,7 @@
             <a:fld id="{13DFAA79-2AD9-49FF-9797-94AE20DEA5B5}" type="datetimeFigureOut">
               <a:rPr lang="zh-TW" altLang="en-US" smtClean="0"/>
               <a:pPr/>
-              <a:t>2014/12/31</a:t>
+              <a:t>2019/3/16</a:t>
             </a:fld>
             <a:endParaRPr lang="zh-TW" altLang="en-US"/>
           </a:p>
@@ -516,7 +517,7 @@
 </file>
 
 <file path=ppt/slideLayouts/slideLayout11.xml><?xml version="1.0" encoding="utf-8"?>
-<p:sldLayout xmlns:a="http://schemas.openxmlformats.org/drawingml/2006/main" xmlns:r="http://schemas.openxmlformats.org/officeDocument/2006/relationships" xmlns:p="http://schemas.openxmlformats.org/presentationml/2006/main" showMasterSp="0" type="vertTitleAndTx" preserve="1">
+<p:sldLayout xmlns:a="http://schemas.openxmlformats.org/drawingml/2006/main" xmlns:r="http://schemas.openxmlformats.org/officeDocument/2006/relationships" xmlns:p="http://schemas.openxmlformats.org/presentationml/2006/main" type="vertTitleAndTx" preserve="1">
   <p:cSld name="直排標題及文字">
     <p:spTree>
       <p:nvGrpSpPr>
@@ -544,8 +545,8 @@
         </p:nvSpPr>
         <p:spPr>
           <a:xfrm>
-            <a:off x="6858000" y="549276"/>
-            <a:ext cx="1828800" cy="5851525"/>
+            <a:off x="6629400" y="274638"/>
+            <a:ext cx="2057400" cy="5851525"/>
           </a:xfrm>
         </p:spPr>
         <p:txBody>
@@ -553,10 +554,10 @@
           <a:lstStyle/>
           <a:p>
             <a:r>
-              <a:rPr kumimoji="0" lang="zh-TW" altLang="en-US" smtClean="0"/>
+              <a:rPr lang="zh-TW" altLang="en-US" smtClean="0"/>
               <a:t>按一下以編輯母片標題樣式</a:t>
             </a:r>
-            <a:endParaRPr kumimoji="0" lang="en-US"/>
+            <a:endParaRPr lang="zh-TW" altLang="en-US"/>
           </a:p>
         </p:txBody>
       </p:sp>
@@ -572,48 +573,48 @@
         </p:nvSpPr>
         <p:spPr>
           <a:xfrm>
-            <a:off x="457200" y="549276"/>
-            <a:ext cx="6248400" cy="5851525"/>
+            <a:off x="457200" y="274638"/>
+            <a:ext cx="6019800" cy="5851525"/>
           </a:xfrm>
         </p:spPr>
         <p:txBody>
           <a:bodyPr vert="eaVert"/>
           <a:lstStyle/>
           <a:p>
-            <a:pPr lvl="0" eaLnBrk="1" latinLnBrk="0" hangingPunct="1"/>
+            <a:pPr lvl="0"/>
             <a:r>
               <a:rPr lang="zh-TW" altLang="en-US" smtClean="0"/>
               <a:t>按一下以編輯母片文字樣式</a:t>
             </a:r>
           </a:p>
           <a:p>
-            <a:pPr lvl="1" eaLnBrk="1" latinLnBrk="0" hangingPunct="1"/>
+            <a:pPr lvl="1"/>
             <a:r>
               <a:rPr lang="zh-TW" altLang="en-US" smtClean="0"/>
               <a:t>第二層</a:t>
             </a:r>
           </a:p>
           <a:p>
-            <a:pPr lvl="2" eaLnBrk="1" latinLnBrk="0" hangingPunct="1"/>
+            <a:pPr lvl="2"/>
             <a:r>
               <a:rPr lang="zh-TW" altLang="en-US" smtClean="0"/>
               <a:t>第三層</a:t>
             </a:r>
           </a:p>
           <a:p>
-            <a:pPr lvl="3" eaLnBrk="1" latinLnBrk="0" hangingPunct="1"/>
+            <a:pPr lvl="3"/>
             <a:r>
               <a:rPr lang="zh-TW" altLang="en-US" smtClean="0"/>
               <a:t>第四層</a:t>
             </a:r>
           </a:p>
           <a:p>
-            <a:pPr lvl="4" eaLnBrk="1" latinLnBrk="0" hangingPunct="1"/>
+            <a:pPr lvl="4"/>
             <a:r>
               <a:rPr lang="zh-TW" altLang="en-US" smtClean="0"/>
               <a:t>第五層</a:t>
             </a:r>
-            <a:endParaRPr kumimoji="0" lang="en-US"/>
+            <a:endParaRPr lang="zh-TW" altLang="en-US"/>
           </a:p>
         </p:txBody>
       </p:sp>
@@ -635,7 +636,7 @@
             <a:fld id="{13DFAA79-2AD9-49FF-9797-94AE20DEA5B5}" type="datetimeFigureOut">
               <a:rPr lang="zh-TW" altLang="en-US" smtClean="0"/>
               <a:pPr/>
-              <a:t>2014/12/31</a:t>
+              <a:t>2019/3/16</a:t>
             </a:fld>
             <a:endParaRPr lang="zh-TW" altLang="en-US"/>
           </a:p>
@@ -711,7 +712,7 @@
       </p:grpSpPr>
       <p:sp>
         <p:nvSpPr>
-          <p:cNvPr id="22" name="標題 21"/>
+          <p:cNvPr id="2" name="標題 1"/>
           <p:cNvSpPr>
             <a:spLocks noGrp="1"/>
           </p:cNvSpPr>
@@ -725,16 +726,16 @@
           <a:lstStyle/>
           <a:p>
             <a:r>
-              <a:rPr kumimoji="0" lang="zh-TW" altLang="en-US" smtClean="0"/>
+              <a:rPr lang="zh-TW" altLang="en-US" smtClean="0"/>
               <a:t>按一下以編輯母片標題樣式</a:t>
             </a:r>
-            <a:endParaRPr kumimoji="0" lang="en-US"/>
-          </a:p>
-        </p:txBody>
-      </p:sp>
-      <p:sp>
-        <p:nvSpPr>
-          <p:cNvPr id="27" name="內容版面配置區 26"/>
+            <a:endParaRPr lang="zh-TW" altLang="en-US"/>
+          </a:p>
+        </p:txBody>
+      </p:sp>
+      <p:sp>
+        <p:nvSpPr>
+          <p:cNvPr id="3" name="內容版面配置區 2"/>
           <p:cNvSpPr>
             <a:spLocks noGrp="1"/>
           </p:cNvSpPr>
@@ -747,46 +748,46 @@
           <a:bodyPr/>
           <a:lstStyle/>
           <a:p>
-            <a:pPr lvl="0" eaLnBrk="1" latinLnBrk="0" hangingPunct="1"/>
+            <a:pPr lvl="0"/>
             <a:r>
               <a:rPr lang="zh-TW" altLang="en-US" smtClean="0"/>
               <a:t>按一下以編輯母片文字樣式</a:t>
             </a:r>
           </a:p>
           <a:p>
-            <a:pPr lvl="1" eaLnBrk="1" latinLnBrk="0" hangingPunct="1"/>
+            <a:pPr lvl="1"/>
             <a:r>
               <a:rPr lang="zh-TW" altLang="en-US" smtClean="0"/>
               <a:t>第二層</a:t>
             </a:r>
           </a:p>
           <a:p>
-            <a:pPr lvl="2" eaLnBrk="1" latinLnBrk="0" hangingPunct="1"/>
+            <a:pPr lvl="2"/>
             <a:r>
               <a:rPr lang="zh-TW" altLang="en-US" smtClean="0"/>
               <a:t>第三層</a:t>
             </a:r>
           </a:p>
           <a:p>
-            <a:pPr lvl="3" eaLnBrk="1" latinLnBrk="0" hangingPunct="1"/>
+            <a:pPr lvl="3"/>
             <a:r>
               <a:rPr lang="zh-TW" altLang="en-US" smtClean="0"/>
               <a:t>第四層</a:t>
             </a:r>
           </a:p>
           <a:p>
-            <a:pPr lvl="4" eaLnBrk="1" latinLnBrk="0" hangingPunct="1"/>
+            <a:pPr lvl="4"/>
             <a:r>
               <a:rPr lang="zh-TW" altLang="en-US" smtClean="0"/>
               <a:t>第五層</a:t>
             </a:r>
-            <a:endParaRPr kumimoji="0" lang="en-US"/>
-          </a:p>
-        </p:txBody>
-      </p:sp>
-      <p:sp>
-        <p:nvSpPr>
-          <p:cNvPr id="25" name="日期版面配置區 24"/>
+            <a:endParaRPr lang="zh-TW" altLang="en-US"/>
+          </a:p>
+        </p:txBody>
+      </p:sp>
+      <p:sp>
+        <p:nvSpPr>
+          <p:cNvPr id="4" name="日期版面配置區 3"/>
           <p:cNvSpPr>
             <a:spLocks noGrp="1"/>
           </p:cNvSpPr>
@@ -802,7 +803,7 @@
             <a:fld id="{13DFAA79-2AD9-49FF-9797-94AE20DEA5B5}" type="datetimeFigureOut">
               <a:rPr lang="zh-TW" altLang="en-US" smtClean="0"/>
               <a:pPr/>
-              <a:t>2014/12/31</a:t>
+              <a:t>2019/3/16</a:t>
             </a:fld>
             <a:endParaRPr lang="zh-TW" altLang="en-US"/>
           </a:p>
@@ -810,7 +811,7 @@
       </p:sp>
       <p:sp>
         <p:nvSpPr>
-          <p:cNvPr id="19" name="頁尾版面配置區 18"/>
+          <p:cNvPr id="5" name="頁尾版面配置區 4"/>
           <p:cNvSpPr>
             <a:spLocks noGrp="1"/>
           </p:cNvSpPr>
@@ -818,23 +819,18 @@
             <p:ph type="ftr" sz="quarter" idx="11"/>
           </p:nvPr>
         </p:nvSpPr>
-        <p:spPr>
-          <a:xfrm>
-            <a:off x="3581400" y="76200"/>
-            <a:ext cx="2895600" cy="288925"/>
-          </a:xfrm>
-        </p:spPr>
-        <p:txBody>
-          <a:bodyPr/>
-          <a:lstStyle/>
-          <a:p>
-            <a:endParaRPr lang="zh-TW" altLang="en-US"/>
-          </a:p>
-        </p:txBody>
-      </p:sp>
-      <p:sp>
-        <p:nvSpPr>
-          <p:cNvPr id="16" name="投影片編號版面配置區 15"/>
+        <p:spPr/>
+        <p:txBody>
+          <a:bodyPr/>
+          <a:lstStyle/>
+          <a:p>
+            <a:endParaRPr lang="zh-TW" altLang="en-US"/>
+          </a:p>
+        </p:txBody>
+      </p:sp>
+      <p:sp>
+        <p:nvSpPr>
+          <p:cNvPr id="6" name="投影片編號版面配置區 5"/>
           <p:cNvSpPr>
             <a:spLocks noGrp="1"/>
           </p:cNvSpPr>
@@ -842,12 +838,7 @@
             <p:ph type="sldNum" sz="quarter" idx="12"/>
           </p:nvPr>
         </p:nvSpPr>
-        <p:spPr>
-          <a:xfrm>
-            <a:off x="8229600" y="6473952"/>
-            <a:ext cx="758952" cy="246888"/>
-          </a:xfrm>
-        </p:spPr>
+        <p:spPr/>
         <p:txBody>
           <a:bodyPr/>
           <a:lstStyle/>
@@ -870,13 +861,8 @@
 </file>
 
 <file path=ppt/slideLayouts/slideLayout3.xml><?xml version="1.0" encoding="utf-8"?>
-<p:sldLayout xmlns:a="http://schemas.openxmlformats.org/drawingml/2006/main" xmlns:r="http://schemas.openxmlformats.org/officeDocument/2006/relationships" xmlns:p="http://schemas.openxmlformats.org/presentationml/2006/main" showMasterSp="0" type="secHead" preserve="1">
+<p:sldLayout xmlns:a="http://schemas.openxmlformats.org/drawingml/2006/main" xmlns:r="http://schemas.openxmlformats.org/officeDocument/2006/relationships" xmlns:p="http://schemas.openxmlformats.org/presentationml/2006/main" type="secHead" preserve="1">
   <p:cSld name="區段標題">
-    <p:bg>
-      <p:bgRef idx="1003">
-        <a:schemeClr val="bg2"/>
-      </p:bgRef>
-    </p:bg>
     <p:spTree>
       <p:nvGrpSpPr>
         <p:cNvPr id="1" name=""/>
@@ -893,114 +879,86 @@
       </p:grpSpPr>
       <p:sp>
         <p:nvSpPr>
-          <p:cNvPr id="7" name="直線接點 6"/>
-          <p:cNvSpPr>
-            <a:spLocks noChangeShapeType="1"/>
-          </p:cNvSpPr>
-          <p:nvPr/>
-        </p:nvSpPr>
-        <p:spPr bwMode="auto">
-          <a:xfrm>
-            <a:off x="514350" y="3444902"/>
-            <a:ext cx="8629650" cy="2381"/>
-          </a:xfrm>
-          <a:prstGeom prst="line">
-            <a:avLst/>
-          </a:prstGeom>
-          <a:noFill/>
-          <a:ln w="9525" cap="flat" cmpd="sng" algn="ctr">
-            <a:gradFill flip="none" rotWithShape="1">
-              <a:gsLst>
-                <a:gs pos="0">
-                  <a:schemeClr val="accent1">
-                    <a:alpha val="0"/>
-                  </a:schemeClr>
-                </a:gs>
-                <a:gs pos="17000">
-                  <a:schemeClr val="accent1"/>
-                </a:gs>
-                <a:gs pos="100000">
-                  <a:schemeClr val="accent1"/>
-                </a:gs>
-              </a:gsLst>
-              <a:lin ang="0" scaled="1"/>
-              <a:tileRect/>
-            </a:gradFill>
-            <a:prstDash val="solid"/>
-            <a:round/>
-            <a:headEnd type="none" w="med" len="med"/>
-            <a:tailEnd type="none" w="med" len="med"/>
-          </a:ln>
-          <a:effectLst/>
-        </p:spPr>
-        <p:txBody>
-          <a:bodyPr vert="horz" wrap="square" lIns="91440" tIns="45720" rIns="91440" bIns="45720" anchor="t" compatLnSpc="1"/>
-          <a:lstStyle/>
-          <a:p>
-            <a:endParaRPr kumimoji="0" lang="en-US"/>
-          </a:p>
-        </p:txBody>
-      </p:sp>
-      <p:sp>
-        <p:nvSpPr>
-          <p:cNvPr id="6" name="文字版面配置區 5"/>
-          <p:cNvSpPr>
-            <a:spLocks noGrp="1"/>
-          </p:cNvSpPr>
-          <p:nvPr>
-            <p:ph type="body" idx="1"/>
+          <p:cNvPr id="2" name="標題 1"/>
+          <p:cNvSpPr>
+            <a:spLocks noGrp="1"/>
+          </p:cNvSpPr>
+          <p:nvPr>
+            <p:ph type="title"/>
           </p:nvPr>
         </p:nvSpPr>
         <p:spPr>
           <a:xfrm>
-            <a:off x="381000" y="1676400"/>
-            <a:ext cx="8458200" cy="1219200"/>
+            <a:off x="722313" y="4406900"/>
+            <a:ext cx="7772400" cy="1362075"/>
           </a:xfrm>
         </p:spPr>
         <p:txBody>
+          <a:bodyPr anchor="t"/>
+          <a:lstStyle>
+            <a:lvl1pPr algn="l">
+              <a:defRPr sz="4000" b="1" cap="all"/>
+            </a:lvl1pPr>
+          </a:lstStyle>
+          <a:p>
+            <a:r>
+              <a:rPr lang="zh-TW" altLang="en-US" smtClean="0"/>
+              <a:t>按一下以編輯母片標題樣式</a:t>
+            </a:r>
+            <a:endParaRPr lang="zh-TW" altLang="en-US"/>
+          </a:p>
+        </p:txBody>
+      </p:sp>
+      <p:sp>
+        <p:nvSpPr>
+          <p:cNvPr id="3" name="文字版面配置區 2"/>
+          <p:cNvSpPr>
+            <a:spLocks noGrp="1"/>
+          </p:cNvSpPr>
+          <p:nvPr>
+            <p:ph type="body" idx="1"/>
+          </p:nvPr>
+        </p:nvSpPr>
+        <p:spPr>
+          <a:xfrm>
+            <a:off x="722313" y="2906713"/>
+            <a:ext cx="7772400" cy="1500187"/>
+          </a:xfrm>
+        </p:spPr>
+        <p:txBody>
           <a:bodyPr anchor="b"/>
           <a:lstStyle>
-            <a:lvl1pPr marL="0" indent="0" algn="r">
+            <a:lvl1pPr marL="0" indent="0">
               <a:buNone/>
               <a:defRPr sz="2000">
-                <a:solidFill>
-                  <a:schemeClr val="tx2">
-                    <a:shade val="75000"/>
-                  </a:schemeClr>
-                </a:solidFill>
-              </a:defRPr>
-            </a:lvl1pPr>
-            <a:lvl2pPr>
-              <a:buNone/>
-              <a:defRPr sz="1800">
                 <a:solidFill>
                   <a:schemeClr val="tx1">
                     <a:tint val="75000"/>
                   </a:schemeClr>
                 </a:solidFill>
               </a:defRPr>
-            </a:lvl2pPr>
-            <a:lvl3pPr>
-              <a:buNone/>
-              <a:defRPr sz="1600">
+            </a:lvl1pPr>
+            <a:lvl2pPr marL="457200" indent="0">
+              <a:buNone/>
+              <a:defRPr sz="1800">
                 <a:solidFill>
                   <a:schemeClr val="tx1">
                     <a:tint val="75000"/>
                   </a:schemeClr>
                 </a:solidFill>
               </a:defRPr>
-            </a:lvl3pPr>
-            <a:lvl4pPr>
-              <a:buNone/>
-              <a:defRPr sz="1400">
+            </a:lvl2pPr>
+            <a:lvl3pPr marL="914400" indent="0">
+              <a:buNone/>
+              <a:defRPr sz="1600">
                 <a:solidFill>
                   <a:schemeClr val="tx1">
                     <a:tint val="75000"/>
                   </a:schemeClr>
                 </a:solidFill>
               </a:defRPr>
-            </a:lvl4pPr>
-            <a:lvl5pPr>
+            </a:lvl3pPr>
+            <a:lvl4pPr marL="1371600" indent="0">
               <a:buNone/>
               <a:defRPr sz="1400">
                 <a:solidFill>
@@ -1009,12 +967,62 @@
                   </a:schemeClr>
                 </a:solidFill>
               </a:defRPr>
+            </a:lvl4pPr>
+            <a:lvl5pPr marL="1828800" indent="0">
+              <a:buNone/>
+              <a:defRPr sz="1400">
+                <a:solidFill>
+                  <a:schemeClr val="tx1">
+                    <a:tint val="75000"/>
+                  </a:schemeClr>
+                </a:solidFill>
+              </a:defRPr>
             </a:lvl5pPr>
+            <a:lvl6pPr marL="2286000" indent="0">
+              <a:buNone/>
+              <a:defRPr sz="1400">
+                <a:solidFill>
+                  <a:schemeClr val="tx1">
+                    <a:tint val="75000"/>
+                  </a:schemeClr>
+                </a:solidFill>
+              </a:defRPr>
+            </a:lvl6pPr>
+            <a:lvl7pPr marL="2743200" indent="0">
+              <a:buNone/>
+              <a:defRPr sz="1400">
+                <a:solidFill>
+                  <a:schemeClr val="tx1">
+                    <a:tint val="75000"/>
+                  </a:schemeClr>
+                </a:solidFill>
+              </a:defRPr>
+            </a:lvl7pPr>
+            <a:lvl8pPr marL="3200400" indent="0">
+              <a:buNone/>
+              <a:defRPr sz="1400">
+                <a:solidFill>
+                  <a:schemeClr val="tx1">
+                    <a:tint val="75000"/>
+                  </a:schemeClr>
+                </a:solidFill>
+              </a:defRPr>
+            </a:lvl8pPr>
+            <a:lvl9pPr marL="3657600" indent="0">
+              <a:buNone/>
+              <a:defRPr sz="1400">
+                <a:solidFill>
+                  <a:schemeClr val="tx1">
+                    <a:tint val="75000"/>
+                  </a:schemeClr>
+                </a:solidFill>
+              </a:defRPr>
+            </a:lvl9pPr>
           </a:lstStyle>
           <a:p>
-            <a:pPr lvl="0" eaLnBrk="1" latinLnBrk="0" hangingPunct="1"/>
-            <a:r>
-              <a:rPr kumimoji="0" lang="zh-TW" altLang="en-US" smtClean="0"/>
+            <a:pPr lvl="0"/>
+            <a:r>
+              <a:rPr lang="zh-TW" altLang="en-US" smtClean="0"/>
               <a:t>按一下以編輯母片文字樣式</a:t>
             </a:r>
           </a:p>
@@ -1022,7 +1030,7 @@
       </p:sp>
       <p:sp>
         <p:nvSpPr>
-          <p:cNvPr id="19" name="日期版面配置區 18"/>
+          <p:cNvPr id="4" name="日期版面配置區 3"/>
           <p:cNvSpPr>
             <a:spLocks noGrp="1"/>
           </p:cNvSpPr>
@@ -1038,7 +1046,7 @@
             <a:fld id="{13DFAA79-2AD9-49FF-9797-94AE20DEA5B5}" type="datetimeFigureOut">
               <a:rPr lang="zh-TW" altLang="en-US" smtClean="0"/>
               <a:pPr/>
-              <a:t>2014/12/31</a:t>
+              <a:t>2019/3/16</a:t>
             </a:fld>
             <a:endParaRPr lang="zh-TW" altLang="en-US"/>
           </a:p>
@@ -1046,7 +1054,7 @@
       </p:sp>
       <p:sp>
         <p:nvSpPr>
-          <p:cNvPr id="11" name="頁尾版面配置區 10"/>
+          <p:cNvPr id="5" name="頁尾版面配置區 4"/>
           <p:cNvSpPr>
             <a:spLocks noGrp="1"/>
           </p:cNvSpPr>
@@ -1065,7 +1073,7 @@
       </p:sp>
       <p:sp>
         <p:nvSpPr>
-          <p:cNvPr id="16" name="投影片編號版面配置區 15"/>
+          <p:cNvPr id="6" name="投影片編號版面配置區 5"/>
           <p:cNvSpPr>
             <a:spLocks noGrp="1"/>
           </p:cNvSpPr>
@@ -1087,42 +1095,10 @@
           </a:p>
         </p:txBody>
       </p:sp>
-      <p:sp>
-        <p:nvSpPr>
-          <p:cNvPr id="8" name="標題 7"/>
-          <p:cNvSpPr>
-            <a:spLocks noGrp="1"/>
-          </p:cNvSpPr>
-          <p:nvPr>
-            <p:ph type="title"/>
-          </p:nvPr>
-        </p:nvSpPr>
-        <p:spPr>
-          <a:xfrm>
-            <a:off x="180475" y="2947085"/>
-            <a:ext cx="8686800" cy="1184825"/>
-          </a:xfrm>
-        </p:spPr>
-        <p:txBody>
-          <a:bodyPr rtlCol="0" anchor="t"/>
-          <a:lstStyle>
-            <a:lvl1pPr algn="r">
-              <a:defRPr/>
-            </a:lvl1pPr>
-          </a:lstStyle>
-          <a:p>
-            <a:r>
-              <a:rPr kumimoji="0" lang="zh-TW" altLang="en-US" smtClean="0"/>
-              <a:t>按一下以編輯母片標題樣式</a:t>
-            </a:r>
-            <a:endParaRPr kumimoji="0" lang="en-US"/>
-          </a:p>
-        </p:txBody>
-      </p:sp>
     </p:spTree>
   </p:cSld>
   <p:clrMapOvr>
-    <a:overrideClrMapping bg1="dk1" tx1="lt1" bg2="dk2" tx2="lt2" accent1="accent1" accent2="accent2" accent3="accent3" accent4="accent4" accent5="accent5" accent6="accent6" hlink="hlink" folHlink="folHlink"/>
+    <a:masterClrMapping/>
   </p:clrMapOvr>
 </p:sldLayout>
 </file>
@@ -1146,46 +1122,41 @@
       </p:grpSpPr>
       <p:sp>
         <p:nvSpPr>
-          <p:cNvPr id="20" name="標題 19"/>
+          <p:cNvPr id="2" name="標題 1"/>
           <p:cNvSpPr>
             <a:spLocks noGrp="1"/>
           </p:cNvSpPr>
           <p:nvPr>
             <p:ph type="title"/>
+          </p:nvPr>
+        </p:nvSpPr>
+        <p:spPr/>
+        <p:txBody>
+          <a:bodyPr/>
+          <a:lstStyle/>
+          <a:p>
+            <a:r>
+              <a:rPr lang="zh-TW" altLang="en-US" smtClean="0"/>
+              <a:t>按一下以編輯母片標題樣式</a:t>
+            </a:r>
+            <a:endParaRPr lang="zh-TW" altLang="en-US"/>
+          </a:p>
+        </p:txBody>
+      </p:sp>
+      <p:sp>
+        <p:nvSpPr>
+          <p:cNvPr id="3" name="內容版面配置區 2"/>
+          <p:cNvSpPr>
+            <a:spLocks noGrp="1"/>
+          </p:cNvSpPr>
+          <p:nvPr>
+            <p:ph sz="half" idx="1"/>
           </p:nvPr>
         </p:nvSpPr>
         <p:spPr>
           <a:xfrm>
-            <a:off x="301752" y="457200"/>
-            <a:ext cx="8686800" cy="841248"/>
-          </a:xfrm>
-        </p:spPr>
-        <p:txBody>
-          <a:bodyPr/>
-          <a:lstStyle/>
-          <a:p>
-            <a:r>
-              <a:rPr kumimoji="0" lang="zh-TW" altLang="en-US" smtClean="0"/>
-              <a:t>按一下以編輯母片標題樣式</a:t>
-            </a:r>
-            <a:endParaRPr kumimoji="0" lang="en-US"/>
-          </a:p>
-        </p:txBody>
-      </p:sp>
-      <p:sp>
-        <p:nvSpPr>
-          <p:cNvPr id="14" name="內容版面配置區 13"/>
-          <p:cNvSpPr>
-            <a:spLocks noGrp="1"/>
-          </p:cNvSpPr>
-          <p:nvPr>
-            <p:ph sz="half" idx="1"/>
-          </p:nvPr>
-        </p:nvSpPr>
-        <p:spPr>
-          <a:xfrm>
-            <a:off x="304800" y="1600200"/>
-            <a:ext cx="4191000" cy="4724400"/>
+            <a:off x="457200" y="1600200"/>
+            <a:ext cx="4038600" cy="4525963"/>
           </a:xfrm>
         </p:spPr>
         <p:txBody>
@@ -1206,48 +1177,60 @@
             <a:lvl5pPr>
               <a:defRPr sz="1800"/>
             </a:lvl5pPr>
+            <a:lvl6pPr>
+              <a:defRPr sz="1800"/>
+            </a:lvl6pPr>
+            <a:lvl7pPr>
+              <a:defRPr sz="1800"/>
+            </a:lvl7pPr>
+            <a:lvl8pPr>
+              <a:defRPr sz="1800"/>
+            </a:lvl8pPr>
+            <a:lvl9pPr>
+              <a:defRPr sz="1800"/>
+            </a:lvl9pPr>
           </a:lstStyle>
           <a:p>
-            <a:pPr lvl="0" eaLnBrk="1" latinLnBrk="0" hangingPunct="1"/>
+            <a:pPr lvl="0"/>
             <a:r>
               <a:rPr lang="zh-TW" altLang="en-US" smtClean="0"/>
               <a:t>按一下以編輯母片文字樣式</a:t>
             </a:r>
           </a:p>
           <a:p>
-            <a:pPr lvl="1" eaLnBrk="1" latinLnBrk="0" hangingPunct="1"/>
+            <a:pPr lvl="1"/>
             <a:r>
               <a:rPr lang="zh-TW" altLang="en-US" smtClean="0"/>
               <a:t>第二層</a:t>
             </a:r>
           </a:p>
           <a:p>
-            <a:pPr lvl="2" eaLnBrk="1" latinLnBrk="0" hangingPunct="1"/>
+            <a:pPr lvl="2"/>
             <a:r>
               <a:rPr lang="zh-TW" altLang="en-US" smtClean="0"/>
               <a:t>第三層</a:t>
             </a:r>
           </a:p>
           <a:p>
-            <a:pPr lvl="3" eaLnBrk="1" latinLnBrk="0" hangingPunct="1"/>
+            <a:pPr lvl="3"/>
             <a:r>
               <a:rPr lang="zh-TW" altLang="en-US" smtClean="0"/>
               <a:t>第四層</a:t>
             </a:r>
           </a:p>
           <a:p>
-            <a:pPr lvl="4" eaLnBrk="1" latinLnBrk="0" hangingPunct="1"/>
+            <a:pPr lvl="4"/>
             <a:r>
               <a:rPr lang="zh-TW" altLang="en-US" smtClean="0"/>
               <a:t>第五層</a:t>
             </a:r>
-            <a:endParaRPr kumimoji="0" lang="en-US"/>
-          </a:p>
-        </p:txBody>
-      </p:sp>
-      <p:sp>
-        <p:nvSpPr>
-          <p:cNvPr id="13" name="內容版面配置區 12"/>
+            <a:endParaRPr lang="zh-TW" altLang="en-US"/>
+          </a:p>
+        </p:txBody>
+      </p:sp>
+      <p:sp>
+        <p:nvSpPr>
+          <p:cNvPr id="4" name="內容版面配置區 3"/>
           <p:cNvSpPr>
             <a:spLocks noGrp="1"/>
           </p:cNvSpPr>
@@ -1258,7 +1241,7 @@
         <p:spPr>
           <a:xfrm>
             <a:off x="4648200" y="1600200"/>
-            <a:ext cx="4343400" cy="4724400"/>
+            <a:ext cx="4038600" cy="4525963"/>
           </a:xfrm>
         </p:spPr>
         <p:txBody>
@@ -1279,48 +1262,60 @@
             <a:lvl5pPr>
               <a:defRPr sz="1800"/>
             </a:lvl5pPr>
+            <a:lvl6pPr>
+              <a:defRPr sz="1800"/>
+            </a:lvl6pPr>
+            <a:lvl7pPr>
+              <a:defRPr sz="1800"/>
+            </a:lvl7pPr>
+            <a:lvl8pPr>
+              <a:defRPr sz="1800"/>
+            </a:lvl8pPr>
+            <a:lvl9pPr>
+              <a:defRPr sz="1800"/>
+            </a:lvl9pPr>
           </a:lstStyle>
           <a:p>
-            <a:pPr lvl="0" eaLnBrk="1" latinLnBrk="0" hangingPunct="1"/>
+            <a:pPr lvl="0"/>
             <a:r>
               <a:rPr lang="zh-TW" altLang="en-US" smtClean="0"/>
               <a:t>按一下以編輯母片文字樣式</a:t>
             </a:r>
           </a:p>
           <a:p>
-            <a:pPr lvl="1" eaLnBrk="1" latinLnBrk="0" hangingPunct="1"/>
+            <a:pPr lvl="1"/>
             <a:r>
               <a:rPr lang="zh-TW" altLang="en-US" smtClean="0"/>
               <a:t>第二層</a:t>
             </a:r>
           </a:p>
           <a:p>
-            <a:pPr lvl="2" eaLnBrk="1" latinLnBrk="0" hangingPunct="1"/>
+            <a:pPr lvl="2"/>
             <a:r>
               <a:rPr lang="zh-TW" altLang="en-US" smtClean="0"/>
               <a:t>第三層</a:t>
             </a:r>
           </a:p>
           <a:p>
-            <a:pPr lvl="3" eaLnBrk="1" latinLnBrk="0" hangingPunct="1"/>
+            <a:pPr lvl="3"/>
             <a:r>
               <a:rPr lang="zh-TW" altLang="en-US" smtClean="0"/>
               <a:t>第四層</a:t>
             </a:r>
           </a:p>
           <a:p>
-            <a:pPr lvl="4" eaLnBrk="1" latinLnBrk="0" hangingPunct="1"/>
+            <a:pPr lvl="4"/>
             <a:r>
               <a:rPr lang="zh-TW" altLang="en-US" smtClean="0"/>
               <a:t>第五層</a:t>
             </a:r>
-            <a:endParaRPr kumimoji="0" lang="en-US"/>
-          </a:p>
-        </p:txBody>
-      </p:sp>
-      <p:sp>
-        <p:nvSpPr>
-          <p:cNvPr id="21" name="日期版面配置區 20"/>
+            <a:endParaRPr lang="zh-TW" altLang="en-US"/>
+          </a:p>
+        </p:txBody>
+      </p:sp>
+      <p:sp>
+        <p:nvSpPr>
+          <p:cNvPr id="5" name="日期版面配置區 4"/>
           <p:cNvSpPr>
             <a:spLocks noGrp="1"/>
           </p:cNvSpPr>
@@ -1336,7 +1331,7 @@
             <a:fld id="{13DFAA79-2AD9-49FF-9797-94AE20DEA5B5}" type="datetimeFigureOut">
               <a:rPr lang="zh-TW" altLang="en-US" smtClean="0"/>
               <a:pPr/>
-              <a:t>2014/12/31</a:t>
+              <a:t>2019/3/16</a:t>
             </a:fld>
             <a:endParaRPr lang="zh-TW" altLang="en-US"/>
           </a:p>
@@ -1344,7 +1339,7 @@
       </p:sp>
       <p:sp>
         <p:nvSpPr>
-          <p:cNvPr id="10" name="頁尾版面配置區 9"/>
+          <p:cNvPr id="6" name="頁尾版面配置區 5"/>
           <p:cNvSpPr>
             <a:spLocks noGrp="1"/>
           </p:cNvSpPr>
@@ -1363,7 +1358,7 @@
       </p:sp>
       <p:sp>
         <p:nvSpPr>
-          <p:cNvPr id="31" name="投影片編號版面配置區 30"/>
+          <p:cNvPr id="7" name="投影片編號版面配置區 6"/>
           <p:cNvSpPr>
             <a:spLocks noGrp="1"/>
           </p:cNvSpPr>
@@ -1394,7 +1389,7 @@
 </file>
 
 <file path=ppt/slideLayouts/slideLayout5.xml><?xml version="1.0" encoding="utf-8"?>
-<p:sldLayout xmlns:a="http://schemas.openxmlformats.org/drawingml/2006/main" xmlns:r="http://schemas.openxmlformats.org/officeDocument/2006/relationships" xmlns:p="http://schemas.openxmlformats.org/presentationml/2006/main" showMasterSp="0" type="twoTxTwoObj" preserve="1">
+<p:sldLayout xmlns:a="http://schemas.openxmlformats.org/drawingml/2006/main" xmlns:r="http://schemas.openxmlformats.org/officeDocument/2006/relationships" xmlns:p="http://schemas.openxmlformats.org/presentationml/2006/main" type="twoTxTwoObj" preserve="1">
   <p:cSld name="比對">
     <p:spTree>
       <p:nvGrpSpPr>
@@ -1412,7 +1407,7 @@
       </p:grpSpPr>
       <p:sp>
         <p:nvSpPr>
-          <p:cNvPr id="29" name="標題 28"/>
+          <p:cNvPr id="2" name="標題 1"/>
           <p:cNvSpPr>
             <a:spLocks noGrp="1"/>
           </p:cNvSpPr>
@@ -1420,14 +1415,9 @@
             <p:ph type="title"/>
           </p:nvPr>
         </p:nvSpPr>
-        <p:spPr>
-          <a:xfrm>
-            <a:off x="304800" y="5410200"/>
-            <a:ext cx="8610600" cy="882650"/>
-          </a:xfrm>
-        </p:spPr>
-        <p:txBody>
-          <a:bodyPr anchor="ctr"/>
+        <p:spPr/>
+        <p:txBody>
+          <a:bodyPr/>
           <a:lstStyle>
             <a:lvl1pPr>
               <a:defRPr/>
@@ -1435,16 +1425,16 @@
           </a:lstStyle>
           <a:p>
             <a:r>
-              <a:rPr kumimoji="0" lang="zh-TW" altLang="en-US" smtClean="0"/>
+              <a:rPr lang="zh-TW" altLang="en-US" smtClean="0"/>
               <a:t>按一下以編輯母片標題樣式</a:t>
             </a:r>
-            <a:endParaRPr kumimoji="0" lang="en-US"/>
-          </a:p>
-        </p:txBody>
-      </p:sp>
-      <p:sp>
-        <p:nvSpPr>
-          <p:cNvPr id="13" name="文字版面配置區 12"/>
+            <a:endParaRPr lang="zh-TW" altLang="en-US"/>
+          </a:p>
+        </p:txBody>
+      </p:sp>
+      <p:sp>
+        <p:nvSpPr>
+          <p:cNvPr id="3" name="文字版面配置區 2"/>
           <p:cNvSpPr>
             <a:spLocks noGrp="1"/>
           </p:cNvSpPr>
@@ -1454,47 +1444,54 @@
         </p:nvSpPr>
         <p:spPr>
           <a:xfrm>
-            <a:off x="281444" y="666750"/>
-            <a:ext cx="4290556" cy="639762"/>
+            <a:off x="457200" y="1535113"/>
+            <a:ext cx="4040188" cy="639762"/>
           </a:xfrm>
         </p:spPr>
         <p:txBody>
-          <a:bodyPr anchor="ctr"/>
+          <a:bodyPr anchor="b"/>
           <a:lstStyle>
             <a:lvl1pPr marL="0" indent="0">
               <a:buNone/>
-              <a:defRPr sz="1800" b="0" cap="all" baseline="0">
-                <a:solidFill>
-                  <a:schemeClr val="accent1">
-                    <a:shade val="50000"/>
-                  </a:schemeClr>
-                </a:solidFill>
-                <a:latin typeface="+mj-lt"/>
-                <a:ea typeface="+mj-ea"/>
-                <a:cs typeface="+mj-cs"/>
-              </a:defRPr>
+              <a:defRPr sz="2400" b="1"/>
             </a:lvl1pPr>
-            <a:lvl2pPr>
+            <a:lvl2pPr marL="457200" indent="0">
               <a:buNone/>
               <a:defRPr sz="2000" b="1"/>
             </a:lvl2pPr>
-            <a:lvl3pPr>
+            <a:lvl3pPr marL="914400" indent="0">
               <a:buNone/>
               <a:defRPr sz="1800" b="1"/>
             </a:lvl3pPr>
-            <a:lvl4pPr>
+            <a:lvl4pPr marL="1371600" indent="0">
               <a:buNone/>
               <a:defRPr sz="1600" b="1"/>
             </a:lvl4pPr>
-            <a:lvl5pPr>
+            <a:lvl5pPr marL="1828800" indent="0">
               <a:buNone/>
               <a:defRPr sz="1600" b="1"/>
             </a:lvl5pPr>
+            <a:lvl6pPr marL="2286000" indent="0">
+              <a:buNone/>
+              <a:defRPr sz="1600" b="1"/>
+            </a:lvl6pPr>
+            <a:lvl7pPr marL="2743200" indent="0">
+              <a:buNone/>
+              <a:defRPr sz="1600" b="1"/>
+            </a:lvl7pPr>
+            <a:lvl8pPr marL="3200400" indent="0">
+              <a:buNone/>
+              <a:defRPr sz="1600" b="1"/>
+            </a:lvl8pPr>
+            <a:lvl9pPr marL="3657600" indent="0">
+              <a:buNone/>
+              <a:defRPr sz="1600" b="1"/>
+            </a:lvl9pPr>
           </a:lstStyle>
           <a:p>
-            <a:pPr lvl="0" eaLnBrk="1" latinLnBrk="0" hangingPunct="1"/>
-            <a:r>
-              <a:rPr kumimoji="0" lang="zh-TW" altLang="en-US" smtClean="0"/>
+            <a:pPr lvl="0"/>
+            <a:r>
+              <a:rPr lang="zh-TW" altLang="en-US" smtClean="0"/>
               <a:t>按一下以編輯母片文字樣式</a:t>
             </a:r>
           </a:p>
@@ -1502,76 +1499,18 @@
       </p:sp>
       <p:sp>
         <p:nvSpPr>
-          <p:cNvPr id="25" name="文字版面配置區 24"/>
-          <p:cNvSpPr>
-            <a:spLocks noGrp="1"/>
-          </p:cNvSpPr>
-          <p:nvPr>
-            <p:ph type="body" sz="half" idx="3"/>
+          <p:cNvPr id="4" name="內容版面配置區 3"/>
+          <p:cNvSpPr>
+            <a:spLocks noGrp="1"/>
+          </p:cNvSpPr>
+          <p:nvPr>
+            <p:ph sz="half" idx="2"/>
           </p:nvPr>
         </p:nvSpPr>
         <p:spPr>
           <a:xfrm>
-            <a:off x="4645025" y="666750"/>
-            <a:ext cx="4292241" cy="639762"/>
-          </a:xfrm>
-        </p:spPr>
-        <p:txBody>
-          <a:bodyPr anchor="ctr"/>
-          <a:lstStyle>
-            <a:lvl1pPr marL="0" indent="0">
-              <a:buNone/>
-              <a:defRPr sz="1800" b="0" cap="all" baseline="0">
-                <a:solidFill>
-                  <a:schemeClr val="accent1">
-                    <a:shade val="50000"/>
-                  </a:schemeClr>
-                </a:solidFill>
-                <a:latin typeface="+mj-lt"/>
-                <a:ea typeface="+mj-ea"/>
-                <a:cs typeface="+mj-cs"/>
-              </a:defRPr>
-            </a:lvl1pPr>
-            <a:lvl2pPr>
-              <a:buNone/>
-              <a:defRPr sz="2000" b="1"/>
-            </a:lvl2pPr>
-            <a:lvl3pPr>
-              <a:buNone/>
-              <a:defRPr sz="1800" b="1"/>
-            </a:lvl3pPr>
-            <a:lvl4pPr>
-              <a:buNone/>
-              <a:defRPr sz="1600" b="1"/>
-            </a:lvl4pPr>
-            <a:lvl5pPr>
-              <a:buNone/>
-              <a:defRPr sz="1600" b="1"/>
-            </a:lvl5pPr>
-          </a:lstStyle>
-          <a:p>
-            <a:pPr lvl="0" eaLnBrk="1" latinLnBrk="0" hangingPunct="1"/>
-            <a:r>
-              <a:rPr kumimoji="0" lang="zh-TW" altLang="en-US" smtClean="0"/>
-              <a:t>按一下以編輯母片文字樣式</a:t>
-            </a:r>
-          </a:p>
-        </p:txBody>
-      </p:sp>
-      <p:sp>
-        <p:nvSpPr>
-          <p:cNvPr id="4" name="內容版面配置區 3"/>
-          <p:cNvSpPr>
-            <a:spLocks noGrp="1"/>
-          </p:cNvSpPr>
-          <p:nvPr>
-            <p:ph sz="quarter" idx="2"/>
-          </p:nvPr>
-        </p:nvSpPr>
-        <p:spPr>
-          <a:xfrm>
-            <a:off x="281444" y="1316037"/>
-            <a:ext cx="4290556" cy="3941763"/>
+            <a:off x="457200" y="2174875"/>
+            <a:ext cx="4040188" cy="3951288"/>
           </a:xfrm>
         </p:spPr>
         <p:txBody>
@@ -1592,59 +1531,136 @@
             <a:lvl5pPr>
               <a:defRPr sz="1600"/>
             </a:lvl5pPr>
+            <a:lvl6pPr>
+              <a:defRPr sz="1600"/>
+            </a:lvl6pPr>
+            <a:lvl7pPr>
+              <a:defRPr sz="1600"/>
+            </a:lvl7pPr>
+            <a:lvl8pPr>
+              <a:defRPr sz="1600"/>
+            </a:lvl8pPr>
+            <a:lvl9pPr>
+              <a:defRPr sz="1600"/>
+            </a:lvl9pPr>
           </a:lstStyle>
           <a:p>
-            <a:pPr lvl="0" eaLnBrk="1" latinLnBrk="0" hangingPunct="1"/>
+            <a:pPr lvl="0"/>
             <a:r>
               <a:rPr lang="zh-TW" altLang="en-US" smtClean="0"/>
               <a:t>按一下以編輯母片文字樣式</a:t>
             </a:r>
           </a:p>
           <a:p>
-            <a:pPr lvl="1" eaLnBrk="1" latinLnBrk="0" hangingPunct="1"/>
+            <a:pPr lvl="1"/>
             <a:r>
               <a:rPr lang="zh-TW" altLang="en-US" smtClean="0"/>
               <a:t>第二層</a:t>
             </a:r>
           </a:p>
           <a:p>
-            <a:pPr lvl="2" eaLnBrk="1" latinLnBrk="0" hangingPunct="1"/>
+            <a:pPr lvl="2"/>
             <a:r>
               <a:rPr lang="zh-TW" altLang="en-US" smtClean="0"/>
               <a:t>第三層</a:t>
             </a:r>
           </a:p>
           <a:p>
-            <a:pPr lvl="3" eaLnBrk="1" latinLnBrk="0" hangingPunct="1"/>
+            <a:pPr lvl="3"/>
             <a:r>
               <a:rPr lang="zh-TW" altLang="en-US" smtClean="0"/>
               <a:t>第四層</a:t>
             </a:r>
           </a:p>
           <a:p>
-            <a:pPr lvl="4" eaLnBrk="1" latinLnBrk="0" hangingPunct="1"/>
+            <a:pPr lvl="4"/>
             <a:r>
               <a:rPr lang="zh-TW" altLang="en-US" smtClean="0"/>
               <a:t>第五層</a:t>
             </a:r>
-            <a:endParaRPr kumimoji="0" lang="en-US"/>
-          </a:p>
-        </p:txBody>
-      </p:sp>
-      <p:sp>
-        <p:nvSpPr>
-          <p:cNvPr id="28" name="內容版面配置區 27"/>
-          <p:cNvSpPr>
-            <a:spLocks noGrp="1"/>
-          </p:cNvSpPr>
-          <p:nvPr>
-            <p:ph sz="quarter" idx="4"/>
+            <a:endParaRPr lang="zh-TW" altLang="en-US"/>
+          </a:p>
+        </p:txBody>
+      </p:sp>
+      <p:sp>
+        <p:nvSpPr>
+          <p:cNvPr id="5" name="文字版面配置區 4"/>
+          <p:cNvSpPr>
+            <a:spLocks noGrp="1"/>
+          </p:cNvSpPr>
+          <p:nvPr>
+            <p:ph type="body" sz="quarter" idx="3"/>
           </p:nvPr>
         </p:nvSpPr>
         <p:spPr>
           <a:xfrm>
-            <a:off x="4648730" y="1316037"/>
-            <a:ext cx="4288536" cy="3941763"/>
+            <a:off x="4645025" y="1535113"/>
+            <a:ext cx="4041775" cy="639762"/>
+          </a:xfrm>
+        </p:spPr>
+        <p:txBody>
+          <a:bodyPr anchor="b"/>
+          <a:lstStyle>
+            <a:lvl1pPr marL="0" indent="0">
+              <a:buNone/>
+              <a:defRPr sz="2400" b="1"/>
+            </a:lvl1pPr>
+            <a:lvl2pPr marL="457200" indent="0">
+              <a:buNone/>
+              <a:defRPr sz="2000" b="1"/>
+            </a:lvl2pPr>
+            <a:lvl3pPr marL="914400" indent="0">
+              <a:buNone/>
+              <a:defRPr sz="1800" b="1"/>
+            </a:lvl3pPr>
+            <a:lvl4pPr marL="1371600" indent="0">
+              <a:buNone/>
+              <a:defRPr sz="1600" b="1"/>
+            </a:lvl4pPr>
+            <a:lvl5pPr marL="1828800" indent="0">
+              <a:buNone/>
+              <a:defRPr sz="1600" b="1"/>
+            </a:lvl5pPr>
+            <a:lvl6pPr marL="2286000" indent="0">
+              <a:buNone/>
+              <a:defRPr sz="1600" b="1"/>
+            </a:lvl6pPr>
+            <a:lvl7pPr marL="2743200" indent="0">
+              <a:buNone/>
+              <a:defRPr sz="1600" b="1"/>
+            </a:lvl7pPr>
+            <a:lvl8pPr marL="3200400" indent="0">
+              <a:buNone/>
+              <a:defRPr sz="1600" b="1"/>
+            </a:lvl8pPr>
+            <a:lvl9pPr marL="3657600" indent="0">
+              <a:buNone/>
+              <a:defRPr sz="1600" b="1"/>
+            </a:lvl9pPr>
+          </a:lstStyle>
+          <a:p>
+            <a:pPr lvl="0"/>
+            <a:r>
+              <a:rPr lang="zh-TW" altLang="en-US" smtClean="0"/>
+              <a:t>按一下以編輯母片文字樣式</a:t>
+            </a:r>
+          </a:p>
+        </p:txBody>
+      </p:sp>
+      <p:sp>
+        <p:nvSpPr>
+          <p:cNvPr id="6" name="內容版面配置區 5"/>
+          <p:cNvSpPr>
+            <a:spLocks noGrp="1"/>
+          </p:cNvSpPr>
+          <p:nvPr>
+            <p:ph sz="quarter" idx="4"/>
+          </p:nvPr>
+        </p:nvSpPr>
+        <p:spPr>
+          <a:xfrm>
+            <a:off x="4645025" y="2174875"/>
+            <a:ext cx="4041775" cy="3951288"/>
           </a:xfrm>
         </p:spPr>
         <p:txBody>
@@ -1665,48 +1681,60 @@
             <a:lvl5pPr>
               <a:defRPr sz="1600"/>
             </a:lvl5pPr>
+            <a:lvl6pPr>
+              <a:defRPr sz="1600"/>
+            </a:lvl6pPr>
+            <a:lvl7pPr>
+              <a:defRPr sz="1600"/>
+            </a:lvl7pPr>
+            <a:lvl8pPr>
+              <a:defRPr sz="1600"/>
+            </a:lvl8pPr>
+            <a:lvl9pPr>
+              <a:defRPr sz="1600"/>
+            </a:lvl9pPr>
           </a:lstStyle>
           <a:p>
-            <a:pPr lvl="0" eaLnBrk="1" latinLnBrk="0" hangingPunct="1"/>
+            <a:pPr lvl="0"/>
             <a:r>
               <a:rPr lang="zh-TW" altLang="en-US" smtClean="0"/>
               <a:t>按一下以編輯母片文字樣式</a:t>
             </a:r>
           </a:p>
           <a:p>
-            <a:pPr lvl="1" eaLnBrk="1" latinLnBrk="0" hangingPunct="1"/>
+            <a:pPr lvl="1"/>
             <a:r>
               <a:rPr lang="zh-TW" altLang="en-US" smtClean="0"/>
               <a:t>第二層</a:t>
             </a:r>
           </a:p>
           <a:p>
-            <a:pPr lvl="2" eaLnBrk="1" latinLnBrk="0" hangingPunct="1"/>
+            <a:pPr lvl="2"/>
             <a:r>
               <a:rPr lang="zh-TW" altLang="en-US" smtClean="0"/>
               <a:t>第三層</a:t>
             </a:r>
           </a:p>
           <a:p>
-            <a:pPr lvl="3" eaLnBrk="1" latinLnBrk="0" hangingPunct="1"/>
+            <a:pPr lvl="3"/>
             <a:r>
               <a:rPr lang="zh-TW" altLang="en-US" smtClean="0"/>
               <a:t>第四層</a:t>
             </a:r>
           </a:p>
           <a:p>
-            <a:pPr lvl="4" eaLnBrk="1" latinLnBrk="0" hangingPunct="1"/>
+            <a:pPr lvl="4"/>
             <a:r>
               <a:rPr lang="zh-TW" altLang="en-US" smtClean="0"/>
               <a:t>第五層</a:t>
             </a:r>
-            <a:endParaRPr kumimoji="0" lang="en-US"/>
-          </a:p>
-        </p:txBody>
-      </p:sp>
-      <p:sp>
-        <p:nvSpPr>
-          <p:cNvPr id="10" name="日期版面配置區 9"/>
+            <a:endParaRPr lang="zh-TW" altLang="en-US"/>
+          </a:p>
+        </p:txBody>
+      </p:sp>
+      <p:sp>
+        <p:nvSpPr>
+          <p:cNvPr id="7" name="日期版面配置區 6"/>
           <p:cNvSpPr>
             <a:spLocks noGrp="1"/>
           </p:cNvSpPr>
@@ -1722,7 +1750,7 @@
             <a:fld id="{13DFAA79-2AD9-49FF-9797-94AE20DEA5B5}" type="datetimeFigureOut">
               <a:rPr lang="zh-TW" altLang="en-US" smtClean="0"/>
               <a:pPr/>
-              <a:t>2014/12/31</a:t>
+              <a:t>2019/3/16</a:t>
             </a:fld>
             <a:endParaRPr lang="zh-TW" altLang="en-US"/>
           </a:p>
@@ -1730,7 +1758,7 @@
       </p:sp>
       <p:sp>
         <p:nvSpPr>
-          <p:cNvPr id="6" name="頁尾版面配置區 5"/>
+          <p:cNvPr id="8" name="頁尾版面配置區 7"/>
           <p:cNvSpPr>
             <a:spLocks noGrp="1"/>
           </p:cNvSpPr>
@@ -1749,7 +1777,7 @@
       </p:sp>
       <p:sp>
         <p:nvSpPr>
-          <p:cNvPr id="7" name="投影片編號版面配置區 6"/>
+          <p:cNvPr id="9" name="投影片編號版面配置區 8"/>
           <p:cNvSpPr>
             <a:spLocks noGrp="1"/>
           </p:cNvSpPr>
@@ -1757,12 +1785,7 @@
             <p:ph type="sldNum" sz="quarter" idx="12"/>
           </p:nvPr>
         </p:nvSpPr>
-        <p:spPr>
-          <a:xfrm>
-            <a:off x="8229600" y="6477000"/>
-            <a:ext cx="762000" cy="246888"/>
-          </a:xfrm>
-        </p:spPr>
+        <p:spPr/>
         <p:txBody>
           <a:bodyPr/>
           <a:lstStyle/>
@@ -1773,56 +1796,6 @@
               <a:t>‹#›</a:t>
             </a:fld>
             <a:endParaRPr lang="zh-TW" altLang="en-US"/>
-          </a:p>
-        </p:txBody>
-      </p:sp>
-      <p:sp>
-        <p:nvSpPr>
-          <p:cNvPr id="11" name="直線接點 10"/>
-          <p:cNvSpPr>
-            <a:spLocks noChangeShapeType="1"/>
-          </p:cNvSpPr>
-          <p:nvPr/>
-        </p:nvSpPr>
-        <p:spPr bwMode="auto">
-          <a:xfrm>
-            <a:off x="514350" y="6019800"/>
-            <a:ext cx="8629650" cy="2381"/>
-          </a:xfrm>
-          <a:prstGeom prst="line">
-            <a:avLst/>
-          </a:prstGeom>
-          <a:noFill/>
-          <a:ln w="9525" cap="flat" cmpd="sng" algn="ctr">
-            <a:gradFill flip="none" rotWithShape="1">
-              <a:gsLst>
-                <a:gs pos="0">
-                  <a:schemeClr val="accent1">
-                    <a:alpha val="0"/>
-                  </a:schemeClr>
-                </a:gs>
-                <a:gs pos="17000">
-                  <a:schemeClr val="accent1"/>
-                </a:gs>
-                <a:gs pos="100000">
-                  <a:schemeClr val="accent1"/>
-                </a:gs>
-              </a:gsLst>
-              <a:lin ang="0" scaled="1"/>
-              <a:tileRect/>
-            </a:gradFill>
-            <a:prstDash val="solid"/>
-            <a:round/>
-            <a:headEnd type="none" w="med" len="med"/>
-            <a:tailEnd type="none" w="med" len="med"/>
-          </a:ln>
-          <a:effectLst/>
-        </p:spPr>
-        <p:txBody>
-          <a:bodyPr vert="horz" wrap="square" lIns="91440" tIns="45720" rIns="91440" bIns="45720" anchor="t" compatLnSpc="1"/>
-          <a:lstStyle/>
-          <a:p>
-            <a:endParaRPr kumimoji="0" lang="en-US"/>
           </a:p>
         </p:txBody>
       </p:sp>
@@ -1853,7 +1826,7 @@
       </p:grpSpPr>
       <p:sp>
         <p:nvSpPr>
-          <p:cNvPr id="30" name="標題 29"/>
+          <p:cNvPr id="2" name="標題 1"/>
           <p:cNvSpPr>
             <a:spLocks noGrp="1"/>
           </p:cNvSpPr>
@@ -1861,27 +1834,22 @@
             <p:ph type="title"/>
           </p:nvPr>
         </p:nvSpPr>
-        <p:spPr>
-          <a:xfrm>
-            <a:off x="301752" y="457200"/>
-            <a:ext cx="8686800" cy="841248"/>
-          </a:xfrm>
-        </p:spPr>
-        <p:txBody>
-          <a:bodyPr/>
-          <a:lstStyle/>
-          <a:p>
-            <a:r>
-              <a:rPr kumimoji="0" lang="zh-TW" altLang="en-US" smtClean="0"/>
+        <p:spPr/>
+        <p:txBody>
+          <a:bodyPr/>
+          <a:lstStyle/>
+          <a:p>
+            <a:r>
+              <a:rPr lang="zh-TW" altLang="en-US" smtClean="0"/>
               <a:t>按一下以編輯母片標題樣式</a:t>
             </a:r>
-            <a:endParaRPr kumimoji="0" lang="en-US"/>
-          </a:p>
-        </p:txBody>
-      </p:sp>
-      <p:sp>
-        <p:nvSpPr>
-          <p:cNvPr id="12" name="日期版面配置區 11"/>
+            <a:endParaRPr lang="zh-TW" altLang="en-US"/>
+          </a:p>
+        </p:txBody>
+      </p:sp>
+      <p:sp>
+        <p:nvSpPr>
+          <p:cNvPr id="3" name="日期版面配置區 2"/>
           <p:cNvSpPr>
             <a:spLocks noGrp="1"/>
           </p:cNvSpPr>
@@ -1897,7 +1865,7 @@
             <a:fld id="{13DFAA79-2AD9-49FF-9797-94AE20DEA5B5}" type="datetimeFigureOut">
               <a:rPr lang="zh-TW" altLang="en-US" smtClean="0"/>
               <a:pPr/>
-              <a:t>2014/12/31</a:t>
+              <a:t>2019/3/16</a:t>
             </a:fld>
             <a:endParaRPr lang="zh-TW" altLang="en-US"/>
           </a:p>
@@ -1905,7 +1873,7 @@
       </p:sp>
       <p:sp>
         <p:nvSpPr>
-          <p:cNvPr id="21" name="頁尾版面配置區 20"/>
+          <p:cNvPr id="4" name="頁尾版面配置區 3"/>
           <p:cNvSpPr>
             <a:spLocks noGrp="1"/>
           </p:cNvSpPr>
@@ -1924,7 +1892,7 @@
       </p:sp>
       <p:sp>
         <p:nvSpPr>
-          <p:cNvPr id="6" name="投影片編號版面配置區 5"/>
+          <p:cNvPr id="5" name="投影片編號版面配置區 4"/>
           <p:cNvSpPr>
             <a:spLocks noGrp="1"/>
           </p:cNvSpPr>
@@ -1955,7 +1923,7 @@
 </file>
 
 <file path=ppt/slideLayouts/slideLayout7.xml><?xml version="1.0" encoding="utf-8"?>
-<p:sldLayout xmlns:a="http://schemas.openxmlformats.org/drawingml/2006/main" xmlns:r="http://schemas.openxmlformats.org/officeDocument/2006/relationships" xmlns:p="http://schemas.openxmlformats.org/presentationml/2006/main" showMasterSp="0" type="blank" preserve="1">
+<p:sldLayout xmlns:a="http://schemas.openxmlformats.org/drawingml/2006/main" xmlns:r="http://schemas.openxmlformats.org/officeDocument/2006/relationships" xmlns:p="http://schemas.openxmlformats.org/presentationml/2006/main" type="blank" preserve="1">
   <p:cSld name="空白">
     <p:spTree>
       <p:nvGrpSpPr>
@@ -1973,7 +1941,7 @@
       </p:grpSpPr>
       <p:sp>
         <p:nvSpPr>
-          <p:cNvPr id="3" name="日期版面配置區 2"/>
+          <p:cNvPr id="2" name="日期版面配置區 1"/>
           <p:cNvSpPr>
             <a:spLocks noGrp="1"/>
           </p:cNvSpPr>
@@ -1989,7 +1957,7 @@
             <a:fld id="{13DFAA79-2AD9-49FF-9797-94AE20DEA5B5}" type="datetimeFigureOut">
               <a:rPr lang="zh-TW" altLang="en-US" smtClean="0"/>
               <a:pPr/>
-              <a:t>2014/12/31</a:t>
+              <a:t>2019/3/16</a:t>
             </a:fld>
             <a:endParaRPr lang="zh-TW" altLang="en-US"/>
           </a:p>
@@ -1997,7 +1965,7 @@
       </p:sp>
       <p:sp>
         <p:nvSpPr>
-          <p:cNvPr id="24" name="頁尾版面配置區 23"/>
+          <p:cNvPr id="3" name="頁尾版面配置區 2"/>
           <p:cNvSpPr>
             <a:spLocks noGrp="1"/>
           </p:cNvSpPr>
@@ -2016,7 +1984,7 @@
       </p:sp>
       <p:sp>
         <p:nvSpPr>
-          <p:cNvPr id="7" name="投影片編號版面配置區 6"/>
+          <p:cNvPr id="4" name="投影片編號版面配置區 3"/>
           <p:cNvSpPr>
             <a:spLocks noGrp="1"/>
           </p:cNvSpPr>
@@ -2047,7 +2015,7 @@
 </file>
 
 <file path=ppt/slideLayouts/slideLayout8.xml><?xml version="1.0" encoding="utf-8"?>
-<p:sldLayout xmlns:a="http://schemas.openxmlformats.org/drawingml/2006/main" xmlns:r="http://schemas.openxmlformats.org/officeDocument/2006/relationships" xmlns:p="http://schemas.openxmlformats.org/presentationml/2006/main" showMasterSp="0" type="objTx" preserve="1">
+<p:sldLayout xmlns:a="http://schemas.openxmlformats.org/drawingml/2006/main" xmlns:r="http://schemas.openxmlformats.org/officeDocument/2006/relationships" xmlns:p="http://schemas.openxmlformats.org/presentationml/2006/main" type="objTx" preserve="1">
   <p:cSld name="含標題的內容">
     <p:spTree>
       <p:nvGrpSpPr>
@@ -2065,57 +2033,7 @@
       </p:grpSpPr>
       <p:sp>
         <p:nvSpPr>
-          <p:cNvPr id="8" name="直線接點 7"/>
-          <p:cNvSpPr>
-            <a:spLocks noChangeShapeType="1"/>
-          </p:cNvSpPr>
-          <p:nvPr/>
-        </p:nvSpPr>
-        <p:spPr bwMode="auto">
-          <a:xfrm>
-            <a:off x="514350" y="5849117"/>
-            <a:ext cx="8629650" cy="2381"/>
-          </a:xfrm>
-          <a:prstGeom prst="line">
-            <a:avLst/>
-          </a:prstGeom>
-          <a:noFill/>
-          <a:ln w="9525" cap="flat" cmpd="sng" algn="ctr">
-            <a:gradFill flip="none" rotWithShape="1">
-              <a:gsLst>
-                <a:gs pos="0">
-                  <a:schemeClr val="accent1">
-                    <a:alpha val="0"/>
-                  </a:schemeClr>
-                </a:gs>
-                <a:gs pos="17000">
-                  <a:schemeClr val="accent1"/>
-                </a:gs>
-                <a:gs pos="100000">
-                  <a:schemeClr val="accent1"/>
-                </a:gs>
-              </a:gsLst>
-              <a:lin ang="0" scaled="1"/>
-              <a:tileRect/>
-            </a:gradFill>
-            <a:prstDash val="solid"/>
-            <a:round/>
-            <a:headEnd type="none" w="med" len="med"/>
-            <a:tailEnd type="none" w="med" len="med"/>
-          </a:ln>
-          <a:effectLst/>
-        </p:spPr>
-        <p:txBody>
-          <a:bodyPr vert="horz" wrap="square" lIns="91440" tIns="45720" rIns="91440" bIns="45720" anchor="t" compatLnSpc="1"/>
-          <a:lstStyle/>
-          <a:p>
-            <a:endParaRPr kumimoji="0" lang="en-US"/>
-          </a:p>
-        </p:txBody>
-      </p:sp>
-      <p:sp>
-        <p:nvSpPr>
-          <p:cNvPr id="12" name="標題 11"/>
+          <p:cNvPr id="2" name="標題 1"/>
           <p:cNvSpPr>
             <a:spLocks noGrp="1"/>
           </p:cNvSpPr>
@@ -2125,90 +2043,40 @@
         </p:nvSpPr>
         <p:spPr>
           <a:xfrm>
-            <a:off x="457200" y="5486400"/>
-            <a:ext cx="8458200" cy="520700"/>
+            <a:off x="457200" y="273050"/>
+            <a:ext cx="3008313" cy="1162050"/>
           </a:xfrm>
         </p:spPr>
         <p:txBody>
-          <a:bodyPr anchor="ctr"/>
+          <a:bodyPr anchor="b"/>
           <a:lstStyle>
             <a:lvl1pPr algn="l">
-              <a:buNone/>
               <a:defRPr sz="2000" b="1"/>
             </a:lvl1pPr>
           </a:lstStyle>
           <a:p>
             <a:r>
-              <a:rPr kumimoji="0" lang="zh-TW" altLang="en-US" smtClean="0"/>
+              <a:rPr lang="zh-TW" altLang="en-US" smtClean="0"/>
               <a:t>按一下以編輯母片標題樣式</a:t>
             </a:r>
-            <a:endParaRPr kumimoji="0" lang="en-US"/>
-          </a:p>
-        </p:txBody>
-      </p:sp>
-      <p:sp>
-        <p:nvSpPr>
-          <p:cNvPr id="26" name="文字版面配置區 25"/>
-          <p:cNvSpPr>
-            <a:spLocks noGrp="1"/>
-          </p:cNvSpPr>
-          <p:nvPr>
-            <p:ph type="body" idx="2"/>
+            <a:endParaRPr lang="zh-TW" altLang="en-US"/>
+          </a:p>
+        </p:txBody>
+      </p:sp>
+      <p:sp>
+        <p:nvSpPr>
+          <p:cNvPr id="3" name="內容版面配置區 2"/>
+          <p:cNvSpPr>
+            <a:spLocks noGrp="1"/>
+          </p:cNvSpPr>
+          <p:nvPr>
+            <p:ph idx="1"/>
           </p:nvPr>
         </p:nvSpPr>
         <p:spPr>
           <a:xfrm>
-            <a:off x="457200" y="609600"/>
-            <a:ext cx="3008313" cy="4800600"/>
-          </a:xfrm>
-        </p:spPr>
-        <p:txBody>
-          <a:bodyPr/>
-          <a:lstStyle>
-            <a:lvl1pPr marL="0" indent="0">
-              <a:buNone/>
-              <a:defRPr sz="1400"/>
-            </a:lvl1pPr>
-            <a:lvl2pPr>
-              <a:buNone/>
-              <a:defRPr sz="1200"/>
-            </a:lvl2pPr>
-            <a:lvl3pPr>
-              <a:buNone/>
-              <a:defRPr sz="1000"/>
-            </a:lvl3pPr>
-            <a:lvl4pPr>
-              <a:buNone/>
-              <a:defRPr sz="900"/>
-            </a:lvl4pPr>
-            <a:lvl5pPr>
-              <a:buNone/>
-              <a:defRPr sz="900"/>
-            </a:lvl5pPr>
-          </a:lstStyle>
-          <a:p>
-            <a:pPr lvl="0" eaLnBrk="1" latinLnBrk="0" hangingPunct="1"/>
-            <a:r>
-              <a:rPr kumimoji="0" lang="zh-TW" altLang="en-US" smtClean="0"/>
-              <a:t>按一下以編輯母片文字樣式</a:t>
-            </a:r>
-          </a:p>
-        </p:txBody>
-      </p:sp>
-      <p:sp>
-        <p:nvSpPr>
-          <p:cNvPr id="14" name="內容版面配置區 13"/>
-          <p:cNvSpPr>
-            <a:spLocks noGrp="1"/>
-          </p:cNvSpPr>
-          <p:nvPr>
-            <p:ph sz="half" idx="1"/>
-          </p:nvPr>
-        </p:nvSpPr>
-        <p:spPr>
-          <a:xfrm>
-            <a:off x="3575050" y="609600"/>
-            <a:ext cx="5340350" cy="4800600"/>
+            <a:off x="3575050" y="273050"/>
+            <a:ext cx="5111750" cy="5853113"/>
           </a:xfrm>
         </p:spPr>
         <p:txBody>
@@ -2229,48 +2097,125 @@
             <a:lvl5pPr>
               <a:defRPr sz="2000"/>
             </a:lvl5pPr>
+            <a:lvl6pPr>
+              <a:defRPr sz="2000"/>
+            </a:lvl6pPr>
+            <a:lvl7pPr>
+              <a:defRPr sz="2000"/>
+            </a:lvl7pPr>
+            <a:lvl8pPr>
+              <a:defRPr sz="2000"/>
+            </a:lvl8pPr>
+            <a:lvl9pPr>
+              <a:defRPr sz="2000"/>
+            </a:lvl9pPr>
           </a:lstStyle>
           <a:p>
-            <a:pPr lvl="0" eaLnBrk="1" latinLnBrk="0" hangingPunct="1"/>
+            <a:pPr lvl="0"/>
             <a:r>
               <a:rPr lang="zh-TW" altLang="en-US" smtClean="0"/>
               <a:t>按一下以編輯母片文字樣式</a:t>
             </a:r>
           </a:p>
           <a:p>
-            <a:pPr lvl="1" eaLnBrk="1" latinLnBrk="0" hangingPunct="1"/>
+            <a:pPr lvl="1"/>
             <a:r>
               <a:rPr lang="zh-TW" altLang="en-US" smtClean="0"/>
               <a:t>第二層</a:t>
             </a:r>
           </a:p>
           <a:p>
-            <a:pPr lvl="2" eaLnBrk="1" latinLnBrk="0" hangingPunct="1"/>
+            <a:pPr lvl="2"/>
             <a:r>
               <a:rPr lang="zh-TW" altLang="en-US" smtClean="0"/>
               <a:t>第三層</a:t>
             </a:r>
           </a:p>
           <a:p>
-            <a:pPr lvl="3" eaLnBrk="1" latinLnBrk="0" hangingPunct="1"/>
+            <a:pPr lvl="3"/>
             <a:r>
               <a:rPr lang="zh-TW" altLang="en-US" smtClean="0"/>
               <a:t>第四層</a:t>
             </a:r>
           </a:p>
           <a:p>
-            <a:pPr lvl="4" eaLnBrk="1" latinLnBrk="0" hangingPunct="1"/>
+            <a:pPr lvl="4"/>
             <a:r>
               <a:rPr lang="zh-TW" altLang="en-US" smtClean="0"/>
               <a:t>第五層</a:t>
             </a:r>
-            <a:endParaRPr kumimoji="0" lang="en-US"/>
-          </a:p>
-        </p:txBody>
-      </p:sp>
-      <p:sp>
-        <p:nvSpPr>
-          <p:cNvPr id="25" name="日期版面配置區 24"/>
+            <a:endParaRPr lang="zh-TW" altLang="en-US"/>
+          </a:p>
+        </p:txBody>
+      </p:sp>
+      <p:sp>
+        <p:nvSpPr>
+          <p:cNvPr id="4" name="文字版面配置區 3"/>
+          <p:cNvSpPr>
+            <a:spLocks noGrp="1"/>
+          </p:cNvSpPr>
+          <p:nvPr>
+            <p:ph type="body" sz="half" idx="2"/>
+          </p:nvPr>
+        </p:nvSpPr>
+        <p:spPr>
+          <a:xfrm>
+            <a:off x="457200" y="1435100"/>
+            <a:ext cx="3008313" cy="4691063"/>
+          </a:xfrm>
+        </p:spPr>
+        <p:txBody>
+          <a:bodyPr/>
+          <a:lstStyle>
+            <a:lvl1pPr marL="0" indent="0">
+              <a:buNone/>
+              <a:defRPr sz="1400"/>
+            </a:lvl1pPr>
+            <a:lvl2pPr marL="457200" indent="0">
+              <a:buNone/>
+              <a:defRPr sz="1200"/>
+            </a:lvl2pPr>
+            <a:lvl3pPr marL="914400" indent="0">
+              <a:buNone/>
+              <a:defRPr sz="1000"/>
+            </a:lvl3pPr>
+            <a:lvl4pPr marL="1371600" indent="0">
+              <a:buNone/>
+              <a:defRPr sz="900"/>
+            </a:lvl4pPr>
+            <a:lvl5pPr marL="1828800" indent="0">
+              <a:buNone/>
+              <a:defRPr sz="900"/>
+            </a:lvl5pPr>
+            <a:lvl6pPr marL="2286000" indent="0">
+              <a:buNone/>
+              <a:defRPr sz="900"/>
+            </a:lvl6pPr>
+            <a:lvl7pPr marL="2743200" indent="0">
+              <a:buNone/>
+              <a:defRPr sz="900"/>
+            </a:lvl7pPr>
+            <a:lvl8pPr marL="3200400" indent="0">
+              <a:buNone/>
+              <a:defRPr sz="900"/>
+            </a:lvl8pPr>
+            <a:lvl9pPr marL="3657600" indent="0">
+              <a:buNone/>
+              <a:defRPr sz="900"/>
+            </a:lvl9pPr>
+          </a:lstStyle>
+          <a:p>
+            <a:pPr lvl="0"/>
+            <a:r>
+              <a:rPr lang="zh-TW" altLang="en-US" smtClean="0"/>
+              <a:t>按一下以編輯母片文字樣式</a:t>
+            </a:r>
+          </a:p>
+        </p:txBody>
+      </p:sp>
+      <p:sp>
+        <p:nvSpPr>
+          <p:cNvPr id="5" name="日期版面配置區 4"/>
           <p:cNvSpPr>
             <a:spLocks noGrp="1"/>
           </p:cNvSpPr>
@@ -2286,7 +2231,7 @@
             <a:fld id="{13DFAA79-2AD9-49FF-9797-94AE20DEA5B5}" type="datetimeFigureOut">
               <a:rPr lang="zh-TW" altLang="en-US" smtClean="0"/>
               <a:pPr/>
-              <a:t>2014/12/31</a:t>
+              <a:t>2019/3/16</a:t>
             </a:fld>
             <a:endParaRPr lang="zh-TW" altLang="en-US"/>
           </a:p>
@@ -2294,7 +2239,7 @@
       </p:sp>
       <p:sp>
         <p:nvSpPr>
-          <p:cNvPr id="29" name="頁尾版面配置區 28"/>
+          <p:cNvPr id="6" name="頁尾版面配置區 5"/>
           <p:cNvSpPr>
             <a:spLocks noGrp="1"/>
           </p:cNvSpPr>
@@ -2344,7 +2289,7 @@
 </file>
 
 <file path=ppt/slideLayouts/slideLayout9.xml><?xml version="1.0" encoding="utf-8"?>
-<p:sldLayout xmlns:a="http://schemas.openxmlformats.org/drawingml/2006/main" xmlns:r="http://schemas.openxmlformats.org/officeDocument/2006/relationships" xmlns:p="http://schemas.openxmlformats.org/presentationml/2006/main" showMasterSp="0" type="picTx" preserve="1">
+<p:sldLayout xmlns:a="http://schemas.openxmlformats.org/drawingml/2006/main" xmlns:r="http://schemas.openxmlformats.org/officeDocument/2006/relationships" xmlns:p="http://schemas.openxmlformats.org/presentationml/2006/main" type="picTx" preserve="1">
   <p:cSld name="含標題的圖片">
     <p:spTree>
       <p:nvGrpSpPr>
@@ -2362,30 +2307,51 @@
       </p:grpSpPr>
       <p:sp>
         <p:nvSpPr>
-          <p:cNvPr id="13" name="圖片版面配置區 12"/>
-          <p:cNvSpPr>
-            <a:spLocks noGrp="1"/>
-          </p:cNvSpPr>
-          <p:nvPr>
-            <p:ph type="pic" idx="1"/>
+          <p:cNvPr id="2" name="標題 1"/>
+          <p:cNvSpPr>
+            <a:spLocks noGrp="1"/>
+          </p:cNvSpPr>
+          <p:nvPr>
+            <p:ph type="title"/>
           </p:nvPr>
         </p:nvSpPr>
         <p:spPr>
           <a:xfrm>
-            <a:off x="3505200" y="616634"/>
-            <a:ext cx="5029200" cy="3657600"/>
+            <a:off x="1792288" y="4800600"/>
+            <a:ext cx="5486400" cy="566738"/>
           </a:xfrm>
-          <a:solidFill>
-            <a:schemeClr val="bg1"/>
-          </a:solidFill>
-          <a:ln w="6350">
-            <a:solidFill>
-              <a:schemeClr val="accent1"/>
-            </a:solidFill>
-          </a:ln>
-          <a:effectLst>
-            <a:reflection blurRad="1000" stA="49000" endA="500" endPos="10000" dist="900" dir="5400000" sy="-90000" algn="bl" rotWithShape="0"/>
-          </a:effectLst>
+        </p:spPr>
+        <p:txBody>
+          <a:bodyPr anchor="b"/>
+          <a:lstStyle>
+            <a:lvl1pPr algn="l">
+              <a:defRPr sz="2000" b="1"/>
+            </a:lvl1pPr>
+          </a:lstStyle>
+          <a:p>
+            <a:r>
+              <a:rPr lang="zh-TW" altLang="en-US" smtClean="0"/>
+              <a:t>按一下以編輯母片標題樣式</a:t>
+            </a:r>
+            <a:endParaRPr lang="zh-TW" altLang="en-US"/>
+          </a:p>
+        </p:txBody>
+      </p:sp>
+      <p:sp>
+        <p:nvSpPr>
+          <p:cNvPr id="3" name="圖片版面配置區 2"/>
+          <p:cNvSpPr>
+            <a:spLocks noGrp="1"/>
+          </p:cNvSpPr>
+          <p:nvPr>
+            <p:ph type="pic" idx="1"/>
+          </p:nvPr>
+        </p:nvSpPr>
+        <p:spPr>
+          <a:xfrm>
+            <a:off x="1792288" y="612775"/>
+            <a:ext cx="5486400" cy="4114800"/>
+          </a:xfrm>
         </p:spPr>
         <p:txBody>
           <a:bodyPr/>
@@ -2394,19 +2360,116 @@
               <a:buNone/>
               <a:defRPr sz="3200"/>
             </a:lvl1pPr>
+            <a:lvl2pPr marL="457200" indent="0">
+              <a:buNone/>
+              <a:defRPr sz="2800"/>
+            </a:lvl2pPr>
+            <a:lvl3pPr marL="914400" indent="0">
+              <a:buNone/>
+              <a:defRPr sz="2400"/>
+            </a:lvl3pPr>
+            <a:lvl4pPr marL="1371600" indent="0">
+              <a:buNone/>
+              <a:defRPr sz="2000"/>
+            </a:lvl4pPr>
+            <a:lvl5pPr marL="1828800" indent="0">
+              <a:buNone/>
+              <a:defRPr sz="2000"/>
+            </a:lvl5pPr>
+            <a:lvl6pPr marL="2286000" indent="0">
+              <a:buNone/>
+              <a:defRPr sz="2000"/>
+            </a:lvl6pPr>
+            <a:lvl7pPr marL="2743200" indent="0">
+              <a:buNone/>
+              <a:defRPr sz="2000"/>
+            </a:lvl7pPr>
+            <a:lvl8pPr marL="3200400" indent="0">
+              <a:buNone/>
+              <a:defRPr sz="2000"/>
+            </a:lvl8pPr>
+            <a:lvl9pPr marL="3657600" indent="0">
+              <a:buNone/>
+              <a:defRPr sz="2000"/>
+            </a:lvl9pPr>
           </a:lstStyle>
           <a:p>
             <a:r>
-              <a:rPr kumimoji="0" lang="zh-TW" altLang="en-US" smtClean="0"/>
+              <a:rPr lang="zh-TW" altLang="en-US" smtClean="0"/>
               <a:t>按一下圖示以新增圖片</a:t>
             </a:r>
-            <a:endParaRPr kumimoji="0" lang="en-US" dirty="0"/>
-          </a:p>
-        </p:txBody>
-      </p:sp>
-      <p:sp>
-        <p:nvSpPr>
-          <p:cNvPr id="7" name="日期版面配置區 6"/>
+            <a:endParaRPr lang="zh-TW" altLang="en-US"/>
+          </a:p>
+        </p:txBody>
+      </p:sp>
+      <p:sp>
+        <p:nvSpPr>
+          <p:cNvPr id="4" name="文字版面配置區 3"/>
+          <p:cNvSpPr>
+            <a:spLocks noGrp="1"/>
+          </p:cNvSpPr>
+          <p:nvPr>
+            <p:ph type="body" sz="half" idx="2"/>
+          </p:nvPr>
+        </p:nvSpPr>
+        <p:spPr>
+          <a:xfrm>
+            <a:off x="1792288" y="5367338"/>
+            <a:ext cx="5486400" cy="804862"/>
+          </a:xfrm>
+        </p:spPr>
+        <p:txBody>
+          <a:bodyPr/>
+          <a:lstStyle>
+            <a:lvl1pPr marL="0" indent="0">
+              <a:buNone/>
+              <a:defRPr sz="1400"/>
+            </a:lvl1pPr>
+            <a:lvl2pPr marL="457200" indent="0">
+              <a:buNone/>
+              <a:defRPr sz="1200"/>
+            </a:lvl2pPr>
+            <a:lvl3pPr marL="914400" indent="0">
+              <a:buNone/>
+              <a:defRPr sz="1000"/>
+            </a:lvl3pPr>
+            <a:lvl4pPr marL="1371600" indent="0">
+              <a:buNone/>
+              <a:defRPr sz="900"/>
+            </a:lvl4pPr>
+            <a:lvl5pPr marL="1828800" indent="0">
+              <a:buNone/>
+              <a:defRPr sz="900"/>
+            </a:lvl5pPr>
+            <a:lvl6pPr marL="2286000" indent="0">
+              <a:buNone/>
+              <a:defRPr sz="900"/>
+            </a:lvl6pPr>
+            <a:lvl7pPr marL="2743200" indent="0">
+              <a:buNone/>
+              <a:defRPr sz="900"/>
+            </a:lvl7pPr>
+            <a:lvl8pPr marL="3200400" indent="0">
+              <a:buNone/>
+              <a:defRPr sz="900"/>
+            </a:lvl8pPr>
+            <a:lvl9pPr marL="3657600" indent="0">
+              <a:buNone/>
+              <a:defRPr sz="900"/>
+            </a:lvl9pPr>
+          </a:lstStyle>
+          <a:p>
+            <a:pPr lvl="0"/>
+            <a:r>
+              <a:rPr lang="zh-TW" altLang="en-US" smtClean="0"/>
+              <a:t>按一下以編輯母片文字樣式</a:t>
+            </a:r>
+          </a:p>
+        </p:txBody>
+      </p:sp>
+      <p:sp>
+        <p:nvSpPr>
+          <p:cNvPr id="5" name="日期版面配置區 4"/>
           <p:cNvSpPr>
             <a:spLocks noGrp="1"/>
           </p:cNvSpPr>
@@ -2422,7 +2485,7 @@
             <a:fld id="{13DFAA79-2AD9-49FF-9797-94AE20DEA5B5}" type="datetimeFigureOut">
               <a:rPr lang="zh-TW" altLang="en-US" smtClean="0"/>
               <a:pPr/>
-              <a:t>2014/12/31</a:t>
+              <a:t>2019/3/16</a:t>
             </a:fld>
             <a:endParaRPr lang="zh-TW" altLang="en-US"/>
           </a:p>
@@ -2430,7 +2493,7 @@
       </p:sp>
       <p:sp>
         <p:nvSpPr>
-          <p:cNvPr id="5" name="頁尾版面配置區 4"/>
+          <p:cNvPr id="6" name="頁尾版面配置區 5"/>
           <p:cNvSpPr>
             <a:spLocks noGrp="1"/>
           </p:cNvSpPr>
@@ -2449,7 +2512,7 @@
       </p:sp>
       <p:sp>
         <p:nvSpPr>
-          <p:cNvPr id="31" name="投影片編號版面配置區 30"/>
+          <p:cNvPr id="7" name="投影片編號版面配置區 6"/>
           <p:cNvSpPr>
             <a:spLocks noGrp="1"/>
           </p:cNvSpPr>
@@ -2468,84 +2531,6 @@
               <a:t>‹#›</a:t>
             </a:fld>
             <a:endParaRPr lang="zh-TW" altLang="en-US"/>
-          </a:p>
-        </p:txBody>
-      </p:sp>
-      <p:sp>
-        <p:nvSpPr>
-          <p:cNvPr id="17" name="標題 16"/>
-          <p:cNvSpPr>
-            <a:spLocks noGrp="1"/>
-          </p:cNvSpPr>
-          <p:nvPr>
-            <p:ph type="title"/>
-          </p:nvPr>
-        </p:nvSpPr>
-        <p:spPr>
-          <a:xfrm>
-            <a:off x="381000" y="4993760"/>
-            <a:ext cx="5867400" cy="522288"/>
-          </a:xfrm>
-        </p:spPr>
-        <p:txBody>
-          <a:bodyPr anchor="ctr"/>
-          <a:lstStyle>
-            <a:lvl1pPr algn="l">
-              <a:buNone/>
-              <a:defRPr sz="2000" b="1"/>
-            </a:lvl1pPr>
-          </a:lstStyle>
-          <a:p>
-            <a:r>
-              <a:rPr kumimoji="0" lang="zh-TW" altLang="en-US" smtClean="0"/>
-              <a:t>按一下以編輯母片標題樣式</a:t>
-            </a:r>
-            <a:endParaRPr kumimoji="0" lang="en-US"/>
-          </a:p>
-        </p:txBody>
-      </p:sp>
-      <p:sp>
-        <p:nvSpPr>
-          <p:cNvPr id="26" name="文字版面配置區 25"/>
-          <p:cNvSpPr>
-            <a:spLocks noGrp="1"/>
-          </p:cNvSpPr>
-          <p:nvPr>
-            <p:ph type="body" sz="half" idx="2"/>
-          </p:nvPr>
-        </p:nvSpPr>
-        <p:spPr>
-          <a:xfrm>
-            <a:off x="381000" y="5533218"/>
-            <a:ext cx="5867400" cy="768350"/>
-          </a:xfrm>
-        </p:spPr>
-        <p:txBody>
-          <a:bodyPr lIns="109728" tIns="0"/>
-          <a:lstStyle>
-            <a:lvl1pPr marL="0" indent="0">
-              <a:buNone/>
-              <a:defRPr sz="1400"/>
-            </a:lvl1pPr>
-            <a:lvl2pPr>
-              <a:defRPr sz="1200"/>
-            </a:lvl2pPr>
-            <a:lvl3pPr>
-              <a:defRPr sz="1000"/>
-            </a:lvl3pPr>
-            <a:lvl4pPr>
-              <a:defRPr sz="900"/>
-            </a:lvl4pPr>
-            <a:lvl5pPr>
-              <a:defRPr sz="900"/>
-            </a:lvl5pPr>
-          </a:lstStyle>
-          <a:p>
-            <a:pPr lvl="0" eaLnBrk="1" latinLnBrk="0" hangingPunct="1"/>
-            <a:r>
-              <a:rPr kumimoji="0" lang="zh-TW" altLang="en-US" smtClean="0"/>
-              <a:t>按一下以編輯母片文字樣式</a:t>
-            </a:r>
           </a:p>
         </p:txBody>
       </p:sp>
@@ -2561,9 +2546,14 @@
 <p:sldMaster xmlns:a="http://schemas.openxmlformats.org/drawingml/2006/main" xmlns:r="http://schemas.openxmlformats.org/officeDocument/2006/relationships" xmlns:p="http://schemas.openxmlformats.org/presentationml/2006/main">
   <p:cSld>
     <p:bg>
-      <p:bgRef idx="1003">
-        <a:schemeClr val="bg2"/>
-      </p:bgRef>
+      <p:bgPr>
+        <a:blipFill dpi="0" rotWithShape="1">
+          <a:blip r:embed="rId13"/>
+          <a:srcRect/>
+          <a:tile tx="0" ty="0" sx="100000" sy="100000" flip="none" algn="tl"/>
+        </a:blipFill>
+        <a:effectLst/>
+      </p:bgPr>
     </p:bg>
     <p:spTree>
       <p:nvGrpSpPr>
@@ -2581,367 +2571,217 @@
       </p:grpSpPr>
       <p:sp>
         <p:nvSpPr>
-          <p:cNvPr id="7" name="直線接點 6"/>
-          <p:cNvSpPr>
-            <a:spLocks noChangeShapeType="1"/>
-          </p:cNvSpPr>
-          <p:nvPr/>
-        </p:nvSpPr>
-        <p:spPr bwMode="auto">
-          <a:xfrm>
-            <a:off x="514350" y="1050898"/>
-            <a:ext cx="8629650" cy="2381"/>
-          </a:xfrm>
-          <a:prstGeom prst="line">
-            <a:avLst/>
-          </a:prstGeom>
-          <a:noFill/>
-          <a:ln w="9525" cap="flat" cmpd="sng" algn="ctr">
-            <a:gradFill flip="none" rotWithShape="1">
-              <a:gsLst>
-                <a:gs pos="0">
-                  <a:schemeClr val="accent1">
-                    <a:alpha val="0"/>
-                  </a:schemeClr>
-                </a:gs>
-                <a:gs pos="17000">
-                  <a:schemeClr val="accent1"/>
-                </a:gs>
-                <a:gs pos="100000">
-                  <a:schemeClr val="accent1"/>
-                </a:gs>
-              </a:gsLst>
-              <a:lin ang="0" scaled="1"/>
-              <a:tileRect/>
-            </a:gradFill>
-            <a:prstDash val="solid"/>
-            <a:round/>
-            <a:headEnd type="none" w="med" len="med"/>
-            <a:tailEnd type="none" w="med" len="med"/>
-          </a:ln>
-          <a:effectLst/>
-        </p:spPr>
-        <p:txBody>
-          <a:bodyPr vert="horz" wrap="square" lIns="91440" tIns="45720" rIns="91440" bIns="45720" anchor="t" compatLnSpc="1"/>
-          <a:lstStyle/>
-          <a:p>
-            <a:endParaRPr kumimoji="0" lang="en-US"/>
-          </a:p>
-        </p:txBody>
-      </p:sp>
-      <p:sp>
-        <p:nvSpPr>
-          <p:cNvPr id="8" name="文字版面配置區 7"/>
-          <p:cNvSpPr>
-            <a:spLocks noGrp="1"/>
-          </p:cNvSpPr>
-          <p:nvPr>
-            <p:ph type="body" idx="1"/>
+          <p:cNvPr id="2" name="標題版面配置區 1"/>
+          <p:cNvSpPr>
+            <a:spLocks noGrp="1"/>
+          </p:cNvSpPr>
+          <p:nvPr>
+            <p:ph type="title"/>
           </p:nvPr>
         </p:nvSpPr>
         <p:spPr>
           <a:xfrm>
-            <a:off x="304800" y="1554162"/>
-            <a:ext cx="8686800" cy="4525963"/>
+            <a:off x="457200" y="274638"/>
+            <a:ext cx="8229600" cy="1143000"/>
           </a:xfrm>
           <a:prstGeom prst="rect">
             <a:avLst/>
           </a:prstGeom>
         </p:spPr>
         <p:txBody>
-          <a:bodyPr vert="horz">
+          <a:bodyPr vert="horz" lIns="91440" tIns="45720" rIns="91440" bIns="45720" rtlCol="0" anchor="ctr">
             <a:normAutofit/>
           </a:bodyPr>
           <a:lstStyle/>
           <a:p>
-            <a:pPr lvl="0" eaLnBrk="1" latinLnBrk="0" hangingPunct="1"/>
-            <a:r>
-              <a:rPr kumimoji="0" lang="zh-TW" altLang="en-US" smtClean="0"/>
-              <a:t>按一下以編輯母片文字樣式</a:t>
-            </a:r>
-          </a:p>
-          <a:p>
-            <a:pPr lvl="1" eaLnBrk="1" latinLnBrk="0" hangingPunct="1"/>
-            <a:r>
-              <a:rPr kumimoji="0" lang="zh-TW" altLang="en-US" smtClean="0"/>
-              <a:t>第二層</a:t>
-            </a:r>
-          </a:p>
-          <a:p>
-            <a:pPr lvl="2" eaLnBrk="1" latinLnBrk="0" hangingPunct="1"/>
-            <a:r>
-              <a:rPr kumimoji="0" lang="zh-TW" altLang="en-US" smtClean="0"/>
-              <a:t>第三層</a:t>
-            </a:r>
-          </a:p>
-          <a:p>
-            <a:pPr lvl="3" eaLnBrk="1" latinLnBrk="0" hangingPunct="1"/>
-            <a:r>
-              <a:rPr kumimoji="0" lang="zh-TW" altLang="en-US" smtClean="0"/>
-              <a:t>第四層</a:t>
-            </a:r>
-          </a:p>
-          <a:p>
-            <a:pPr lvl="4" eaLnBrk="1" latinLnBrk="0" hangingPunct="1"/>
-            <a:r>
-              <a:rPr kumimoji="0" lang="zh-TW" altLang="en-US" smtClean="0"/>
-              <a:t>第五層</a:t>
-            </a:r>
-            <a:endParaRPr kumimoji="0" lang="en-US"/>
-          </a:p>
-        </p:txBody>
-      </p:sp>
-      <p:sp>
-        <p:nvSpPr>
-          <p:cNvPr id="11" name="日期版面配置區 10"/>
-          <p:cNvSpPr>
-            <a:spLocks noGrp="1"/>
-          </p:cNvSpPr>
-          <p:nvPr>
-            <p:ph type="dt" sz="half" idx="2"/>
+            <a:r>
+              <a:rPr lang="zh-TW" altLang="en-US" smtClean="0"/>
+              <a:t>按一下以編輯母片標題樣式</a:t>
+            </a:r>
+            <a:endParaRPr lang="zh-TW" altLang="en-US"/>
+          </a:p>
+        </p:txBody>
+      </p:sp>
+      <p:sp>
+        <p:nvSpPr>
+          <p:cNvPr id="3" name="文字版面配置區 2"/>
+          <p:cNvSpPr>
+            <a:spLocks noGrp="1"/>
+          </p:cNvSpPr>
+          <p:nvPr>
+            <p:ph type="body" idx="1"/>
           </p:nvPr>
         </p:nvSpPr>
         <p:spPr>
           <a:xfrm>
-            <a:off x="6477000" y="76200"/>
-            <a:ext cx="2514600" cy="288925"/>
+            <a:off x="457200" y="1600200"/>
+            <a:ext cx="8229600" cy="4525963"/>
           </a:xfrm>
           <a:prstGeom prst="rect">
             <a:avLst/>
           </a:prstGeom>
         </p:spPr>
         <p:txBody>
-          <a:bodyPr vert="horz"/>
-          <a:lstStyle>
-            <a:lvl1pPr algn="l" eaLnBrk="1" latinLnBrk="0" hangingPunct="1">
-              <a:defRPr kumimoji="0" sz="1200">
-                <a:solidFill>
-                  <a:schemeClr val="accent1">
-                    <a:shade val="75000"/>
-                  </a:schemeClr>
-                </a:solidFill>
-              </a:defRPr>
-            </a:lvl1pPr>
-          </a:lstStyle>
-          <a:p>
-            <a:fld id="{13DFAA79-2AD9-49FF-9797-94AE20DEA5B5}" type="datetimeFigureOut">
-              <a:rPr lang="zh-TW" altLang="en-US" smtClean="0"/>
-              <a:pPr/>
-              <a:t>2014/12/31</a:t>
-            </a:fld>
-            <a:endParaRPr lang="zh-TW" altLang="en-US"/>
-          </a:p>
-        </p:txBody>
-      </p:sp>
-      <p:sp>
-        <p:nvSpPr>
-          <p:cNvPr id="28" name="頁尾版面配置區 27"/>
-          <p:cNvSpPr>
-            <a:spLocks noGrp="1"/>
-          </p:cNvSpPr>
-          <p:nvPr>
-            <p:ph type="ftr" sz="quarter" idx="3"/>
+          <a:bodyPr vert="horz" lIns="91440" tIns="45720" rIns="91440" bIns="45720" rtlCol="0">
+            <a:normAutofit/>
+          </a:bodyPr>
+          <a:lstStyle/>
+          <a:p>
+            <a:pPr lvl="0"/>
+            <a:r>
+              <a:rPr lang="zh-TW" altLang="en-US" smtClean="0"/>
+              <a:t>按一下以編輯母片文字樣式</a:t>
+            </a:r>
+          </a:p>
+          <a:p>
+            <a:pPr lvl="1"/>
+            <a:r>
+              <a:rPr lang="zh-TW" altLang="en-US" smtClean="0"/>
+              <a:t>第二層</a:t>
+            </a:r>
+          </a:p>
+          <a:p>
+            <a:pPr lvl="2"/>
+            <a:r>
+              <a:rPr lang="zh-TW" altLang="en-US" smtClean="0"/>
+              <a:t>第三層</a:t>
+            </a:r>
+          </a:p>
+          <a:p>
+            <a:pPr lvl="3"/>
+            <a:r>
+              <a:rPr lang="zh-TW" altLang="en-US" smtClean="0"/>
+              <a:t>第四層</a:t>
+            </a:r>
+          </a:p>
+          <a:p>
+            <a:pPr lvl="4"/>
+            <a:r>
+              <a:rPr lang="zh-TW" altLang="en-US" smtClean="0"/>
+              <a:t>第五層</a:t>
+            </a:r>
+            <a:endParaRPr lang="zh-TW" altLang="en-US"/>
+          </a:p>
+        </p:txBody>
+      </p:sp>
+      <p:sp>
+        <p:nvSpPr>
+          <p:cNvPr id="4" name="日期版面配置區 3"/>
+          <p:cNvSpPr>
+            <a:spLocks noGrp="1"/>
+          </p:cNvSpPr>
+          <p:nvPr>
+            <p:ph type="dt" sz="half" idx="2"/>
           </p:nvPr>
         </p:nvSpPr>
         <p:spPr>
           <a:xfrm>
-            <a:off x="3124200" y="76200"/>
-            <a:ext cx="3352800" cy="288925"/>
+            <a:off x="457200" y="6356350"/>
+            <a:ext cx="2133600" cy="365125"/>
           </a:xfrm>
           <a:prstGeom prst="rect">
             <a:avLst/>
           </a:prstGeom>
         </p:spPr>
         <p:txBody>
-          <a:bodyPr vert="horz"/>
+          <a:bodyPr vert="horz" lIns="91440" tIns="45720" rIns="91440" bIns="45720" rtlCol="0" anchor="ctr"/>
           <a:lstStyle>
-            <a:lvl1pPr algn="r" eaLnBrk="1" latinLnBrk="0" hangingPunct="1">
-              <a:defRPr kumimoji="0" sz="1200">
-                <a:solidFill>
-                  <a:schemeClr val="accent1">
-                    <a:shade val="75000"/>
+            <a:lvl1pPr algn="l">
+              <a:defRPr sz="1200">
+                <a:solidFill>
+                  <a:schemeClr val="tx1">
+                    <a:tint val="75000"/>
                   </a:schemeClr>
                 </a:solidFill>
               </a:defRPr>
             </a:lvl1pPr>
           </a:lstStyle>
           <a:p>
-            <a:endParaRPr lang="zh-TW" altLang="en-US"/>
-          </a:p>
-        </p:txBody>
-      </p:sp>
-      <p:sp>
-        <p:nvSpPr>
-          <p:cNvPr id="5" name="投影片編號版面配置區 4"/>
-          <p:cNvSpPr>
-            <a:spLocks noGrp="1"/>
-          </p:cNvSpPr>
-          <p:nvPr>
-            <p:ph type="sldNum" sz="quarter" idx="4"/>
+            <a:fld id="{13DFAA79-2AD9-49FF-9797-94AE20DEA5B5}" type="datetimeFigureOut">
+              <a:rPr lang="zh-TW" altLang="en-US" smtClean="0"/>
+              <a:pPr/>
+              <a:t>2019/3/16</a:t>
+            </a:fld>
+            <a:endParaRPr lang="zh-TW" altLang="en-US"/>
+          </a:p>
+        </p:txBody>
+      </p:sp>
+      <p:sp>
+        <p:nvSpPr>
+          <p:cNvPr id="5" name="頁尾版面配置區 4"/>
+          <p:cNvSpPr>
+            <a:spLocks noGrp="1"/>
+          </p:cNvSpPr>
+          <p:nvPr>
+            <p:ph type="ftr" sz="quarter" idx="3"/>
           </p:nvPr>
         </p:nvSpPr>
         <p:spPr>
           <a:xfrm>
-            <a:off x="8229600" y="6477000"/>
-            <a:ext cx="762000" cy="244475"/>
+            <a:off x="3124200" y="6356350"/>
+            <a:ext cx="2895600" cy="365125"/>
           </a:xfrm>
           <a:prstGeom prst="rect">
             <a:avLst/>
           </a:prstGeom>
         </p:spPr>
         <p:txBody>
-          <a:bodyPr vert="horz"/>
+          <a:bodyPr vert="horz" lIns="91440" tIns="45720" rIns="91440" bIns="45720" rtlCol="0" anchor="ctr"/>
           <a:lstStyle>
-            <a:lvl1pPr algn="r" eaLnBrk="1" latinLnBrk="0" hangingPunct="1">
-              <a:defRPr kumimoji="0" sz="1200">
-                <a:solidFill>
-                  <a:schemeClr val="accent1">
-                    <a:shade val="75000"/>
+            <a:lvl1pPr algn="ctr">
+              <a:defRPr sz="1200">
+                <a:solidFill>
+                  <a:schemeClr val="tx1">
+                    <a:tint val="75000"/>
                   </a:schemeClr>
                 </a:solidFill>
               </a:defRPr>
             </a:lvl1pPr>
           </a:lstStyle>
           <a:p>
-            <a:fld id="{E768D9A2-D92F-41ED-B28B-EB07EBE986A2}" type="slidenum">
-              <a:rPr lang="zh-TW" altLang="en-US" smtClean="0"/>
-              <a:pPr/>
-              <a:t>‹#›</a:t>
-            </a:fld>
-            <a:endParaRPr lang="zh-TW" altLang="en-US"/>
-          </a:p>
-        </p:txBody>
-      </p:sp>
-      <p:sp>
-        <p:nvSpPr>
-          <p:cNvPr id="10" name="標題版面配置區 9"/>
-          <p:cNvSpPr>
-            <a:spLocks noGrp="1"/>
-          </p:cNvSpPr>
-          <p:nvPr>
-            <p:ph type="title"/>
+            <a:endParaRPr lang="zh-TW" altLang="en-US"/>
+          </a:p>
+        </p:txBody>
+      </p:sp>
+      <p:sp>
+        <p:nvSpPr>
+          <p:cNvPr id="6" name="投影片編號版面配置區 5"/>
+          <p:cNvSpPr>
+            <a:spLocks noGrp="1"/>
+          </p:cNvSpPr>
+          <p:nvPr>
+            <p:ph type="sldNum" sz="quarter" idx="4"/>
           </p:nvPr>
         </p:nvSpPr>
         <p:spPr>
           <a:xfrm>
-            <a:off x="304800" y="457200"/>
-            <a:ext cx="8686800" cy="838200"/>
+            <a:off x="6553200" y="6356350"/>
+            <a:ext cx="2133600" cy="365125"/>
           </a:xfrm>
           <a:prstGeom prst="rect">
             <a:avLst/>
           </a:prstGeom>
         </p:spPr>
         <p:txBody>
-          <a:bodyPr vert="horz" anchor="ctr">
-            <a:normAutofit/>
-          </a:bodyPr>
-          <a:lstStyle/>
-          <a:p>
-            <a:r>
-              <a:rPr kumimoji="0" lang="zh-TW" altLang="en-US" smtClean="0"/>
-              <a:t>按一下以編輯母片標題樣式</a:t>
-            </a:r>
-            <a:endParaRPr kumimoji="0" lang="en-US"/>
-          </a:p>
-        </p:txBody>
-      </p:sp>
-      <p:sp>
-        <p:nvSpPr>
-          <p:cNvPr id="9" name="直線接點 8"/>
-          <p:cNvSpPr>
-            <a:spLocks noChangeShapeType="1"/>
-          </p:cNvSpPr>
-          <p:nvPr/>
-        </p:nvSpPr>
-        <p:spPr bwMode="auto">
-          <a:xfrm>
-            <a:off x="514350" y="1050898"/>
-            <a:ext cx="8629650" cy="2381"/>
-          </a:xfrm>
-          <a:prstGeom prst="line">
-            <a:avLst/>
-          </a:prstGeom>
-          <a:noFill/>
-          <a:ln w="9525" cap="flat" cmpd="sng" algn="ctr">
-            <a:gradFill flip="none" rotWithShape="1">
-              <a:gsLst>
-                <a:gs pos="0">
-                  <a:schemeClr val="accent1">
-                    <a:alpha val="0"/>
+          <a:bodyPr vert="horz" lIns="91440" tIns="45720" rIns="91440" bIns="45720" rtlCol="0" anchor="ctr"/>
+          <a:lstStyle>
+            <a:lvl1pPr algn="r">
+              <a:defRPr sz="1200">
+                <a:solidFill>
+                  <a:schemeClr val="tx1">
+                    <a:tint val="75000"/>
                   </a:schemeClr>
-                </a:gs>
-                <a:gs pos="17000">
-                  <a:schemeClr val="accent1"/>
-                </a:gs>
-                <a:gs pos="100000">
-                  <a:schemeClr val="accent1"/>
-                </a:gs>
-              </a:gsLst>
-              <a:lin ang="0" scaled="1"/>
-              <a:tileRect/>
-            </a:gradFill>
-            <a:prstDash val="solid"/>
-            <a:round/>
-            <a:headEnd type="none" w="med" len="med"/>
-            <a:tailEnd type="none" w="med" len="med"/>
-          </a:ln>
-          <a:effectLst/>
-        </p:spPr>
-        <p:txBody>
-          <a:bodyPr vert="horz" wrap="square" lIns="91440" tIns="45720" rIns="91440" bIns="45720" anchor="t" compatLnSpc="1"/>
-          <a:lstStyle/>
-          <a:p>
-            <a:endParaRPr kumimoji="0" lang="en-US"/>
-          </a:p>
-        </p:txBody>
-      </p:sp>
-      <p:sp>
-        <p:nvSpPr>
-          <p:cNvPr id="12" name="直線接點 11"/>
-          <p:cNvSpPr>
-            <a:spLocks noChangeShapeType="1"/>
-          </p:cNvSpPr>
-          <p:nvPr/>
-        </p:nvSpPr>
-        <p:spPr bwMode="auto">
-          <a:xfrm>
-            <a:off x="514350" y="1057986"/>
-            <a:ext cx="8629650" cy="2381"/>
-          </a:xfrm>
-          <a:prstGeom prst="line">
-            <a:avLst/>
-          </a:prstGeom>
-          <a:noFill/>
-          <a:ln w="9525" cap="flat" cmpd="sng" algn="ctr">
-            <a:gradFill flip="none" rotWithShape="1">
-              <a:gsLst>
-                <a:gs pos="0">
-                  <a:schemeClr val="accent1">
-                    <a:alpha val="0"/>
-                  </a:schemeClr>
-                </a:gs>
-                <a:gs pos="17000">
-                  <a:schemeClr val="accent1"/>
-                </a:gs>
-                <a:gs pos="100000">
-                  <a:schemeClr val="accent1"/>
-                </a:gs>
-              </a:gsLst>
-              <a:lin ang="0" scaled="1"/>
-              <a:tileRect/>
-            </a:gradFill>
-            <a:prstDash val="solid"/>
-            <a:round/>
-            <a:headEnd type="none" w="med" len="med"/>
-            <a:tailEnd type="none" w="med" len="med"/>
-          </a:ln>
-          <a:effectLst/>
-        </p:spPr>
-        <p:txBody>
-          <a:bodyPr vert="horz" wrap="square" lIns="91440" tIns="45720" rIns="91440" bIns="45720" anchor="t" compatLnSpc="1"/>
-          <a:lstStyle/>
-          <a:p>
-            <a:endParaRPr kumimoji="0" lang="en-US"/>
+                </a:solidFill>
+              </a:defRPr>
+            </a:lvl1pPr>
+          </a:lstStyle>
+          <a:p>
+            <a:fld id="{E768D9A2-D92F-41ED-B28B-EB07EBE986A2}" type="slidenum">
+              <a:rPr lang="zh-TW" altLang="en-US" smtClean="0"/>
+              <a:pPr/>
+              <a:t>‹#›</a:t>
+            </a:fld>
+            <a:endParaRPr lang="zh-TW" altLang="en-US"/>
           </a:p>
         </p:txBody>
       </p:sp>
@@ -2949,32 +2789,29 @@
   </p:cSld>
   <p:clrMap bg1="lt1" tx1="dk1" bg2="lt2" tx2="dk2" accent1="accent1" accent2="accent2" accent3="accent3" accent4="accent4" accent5="accent5" accent6="accent6" hlink="hlink" folHlink="folHlink"/>
   <p:sldLayoutIdLst>
-    <p:sldLayoutId id="2147483673" r:id="rId1"/>
-    <p:sldLayoutId id="2147483674" r:id="rId2"/>
-    <p:sldLayoutId id="2147483675" r:id="rId3"/>
-    <p:sldLayoutId id="2147483676" r:id="rId4"/>
-    <p:sldLayoutId id="2147483677" r:id="rId5"/>
-    <p:sldLayoutId id="2147483678" r:id="rId6"/>
-    <p:sldLayoutId id="2147483679" r:id="rId7"/>
-    <p:sldLayoutId id="2147483680" r:id="rId8"/>
-    <p:sldLayoutId id="2147483681" r:id="rId9"/>
-    <p:sldLayoutId id="2147483682" r:id="rId10"/>
-    <p:sldLayoutId id="2147483683" r:id="rId11"/>
+    <p:sldLayoutId id="2147483685" r:id="rId1"/>
+    <p:sldLayoutId id="2147483686" r:id="rId2"/>
+    <p:sldLayoutId id="2147483687" r:id="rId3"/>
+    <p:sldLayoutId id="2147483688" r:id="rId4"/>
+    <p:sldLayoutId id="2147483689" r:id="rId5"/>
+    <p:sldLayoutId id="2147483690" r:id="rId6"/>
+    <p:sldLayoutId id="2147483691" r:id="rId7"/>
+    <p:sldLayoutId id="2147483692" r:id="rId8"/>
+    <p:sldLayoutId id="2147483693" r:id="rId9"/>
+    <p:sldLayoutId id="2147483694" r:id="rId10"/>
+    <p:sldLayoutId id="2147483695" r:id="rId11"/>
   </p:sldLayoutIdLst>
   <p:txStyles>
     <p:titleStyle>
-      <a:lvl1pPr algn="l" rtl="0" eaLnBrk="1" latinLnBrk="0" hangingPunct="1">
+      <a:lvl1pPr algn="ctr" defTabSz="914400" rtl="0" eaLnBrk="1" latinLnBrk="0" hangingPunct="1">
         <a:spcBef>
           <a:spcPct val="0"/>
         </a:spcBef>
         <a:buNone/>
-        <a:defRPr kumimoji="0" sz="3600" kern="1200" cap="all" baseline="0">
+        <a:defRPr sz="4400" kern="1200">
           <a:solidFill>
-            <a:schemeClr val="tx2"/>
+            <a:schemeClr val="tx1"/>
           </a:solidFill>
-          <a:effectLst>
-            <a:reflection blurRad="12700" stA="48000" endA="300" endPos="55000" dir="5400000" sy="-90000" algn="bl" rotWithShape="0"/>
-          </a:effectLst>
           <a:latin typeface="+mj-lt"/>
           <a:ea typeface="+mj-ea"/>
           <a:cs typeface="+mj-cs"/>
@@ -2982,171 +2819,135 @@
       </a:lvl1pPr>
     </p:titleStyle>
     <p:bodyStyle>
-      <a:lvl1pPr marL="342900" indent="-342900" algn="l" rtl="0" eaLnBrk="1" latinLnBrk="0" hangingPunct="1">
+      <a:lvl1pPr marL="342900" indent="-342900" algn="l" defTabSz="914400" rtl="0" eaLnBrk="1" latinLnBrk="0" hangingPunct="1">
         <a:spcBef>
           <a:spcPct val="20000"/>
         </a:spcBef>
-        <a:buClr>
-          <a:schemeClr val="accent1"/>
-        </a:buClr>
-        <a:buSzPct val="70000"/>
-        <a:buFont typeface="Wingdings 2"/>
-        <a:buChar char=""/>
-        <a:defRPr kumimoji="0" sz="3200" kern="1200">
+        <a:buFont typeface="Arial" pitchFamily="34" charset="0"/>
+        <a:buChar char="•"/>
+        <a:defRPr sz="3200" kern="1200">
           <a:solidFill>
-            <a:schemeClr val="tx2"/>
+            <a:schemeClr val="tx1"/>
           </a:solidFill>
           <a:latin typeface="+mn-lt"/>
           <a:ea typeface="+mn-ea"/>
           <a:cs typeface="+mn-cs"/>
         </a:defRPr>
       </a:lvl1pPr>
-      <a:lvl2pPr marL="742950" indent="-285750" algn="l" rtl="0" eaLnBrk="1" latinLnBrk="0" hangingPunct="1">
+      <a:lvl2pPr marL="742950" indent="-285750" algn="l" defTabSz="914400" rtl="0" eaLnBrk="1" latinLnBrk="0" hangingPunct="1">
         <a:spcBef>
           <a:spcPct val="20000"/>
         </a:spcBef>
-        <a:buClr>
-          <a:schemeClr val="accent1"/>
-        </a:buClr>
-        <a:buSzPct val="70000"/>
-        <a:buFont typeface="Wingdings 2"/>
-        <a:buChar char=""/>
-        <a:defRPr kumimoji="0" sz="2800" kern="1200">
+        <a:buFont typeface="Arial" pitchFamily="34" charset="0"/>
+        <a:buChar char="–"/>
+        <a:defRPr sz="2800" kern="1200">
           <a:solidFill>
-            <a:schemeClr val="tx2"/>
+            <a:schemeClr val="tx1"/>
           </a:solidFill>
           <a:latin typeface="+mn-lt"/>
           <a:ea typeface="+mn-ea"/>
           <a:cs typeface="+mn-cs"/>
         </a:defRPr>
       </a:lvl2pPr>
-      <a:lvl3pPr marL="1143000" indent="-228600" algn="l" rtl="0" eaLnBrk="1" latinLnBrk="0" hangingPunct="1">
+      <a:lvl3pPr marL="1143000" indent="-228600" algn="l" defTabSz="914400" rtl="0" eaLnBrk="1" latinLnBrk="0" hangingPunct="1">
         <a:spcBef>
           <a:spcPct val="20000"/>
         </a:spcBef>
-        <a:buClr>
-          <a:schemeClr val="accent1"/>
-        </a:buClr>
-        <a:buSzPct val="70000"/>
-        <a:buFont typeface="Wingdings 2"/>
-        <a:buChar char=""/>
-        <a:defRPr kumimoji="0" sz="2400" kern="1200">
+        <a:buFont typeface="Arial" pitchFamily="34" charset="0"/>
+        <a:buChar char="•"/>
+        <a:defRPr sz="2400" kern="1200">
           <a:solidFill>
-            <a:schemeClr val="tx2"/>
+            <a:schemeClr val="tx1"/>
           </a:solidFill>
           <a:latin typeface="+mn-lt"/>
           <a:ea typeface="+mn-ea"/>
           <a:cs typeface="+mn-cs"/>
         </a:defRPr>
       </a:lvl3pPr>
-      <a:lvl4pPr marL="1600200" indent="-228600" algn="l" rtl="0" eaLnBrk="1" latinLnBrk="0" hangingPunct="1">
+      <a:lvl4pPr marL="1600200" indent="-228600" algn="l" defTabSz="914400" rtl="0" eaLnBrk="1" latinLnBrk="0" hangingPunct="1">
         <a:spcBef>
           <a:spcPct val="20000"/>
         </a:spcBef>
-        <a:buClr>
-          <a:schemeClr val="accent1"/>
-        </a:buClr>
-        <a:buSzPct val="70000"/>
-        <a:buFont typeface="Wingdings 2"/>
-        <a:buChar char=""/>
-        <a:defRPr kumimoji="0" sz="2000" kern="1200">
+        <a:buFont typeface="Arial" pitchFamily="34" charset="0"/>
+        <a:buChar char="–"/>
+        <a:defRPr sz="2000" kern="1200">
           <a:solidFill>
-            <a:schemeClr val="tx2"/>
+            <a:schemeClr val="tx1"/>
           </a:solidFill>
           <a:latin typeface="+mn-lt"/>
           <a:ea typeface="+mn-ea"/>
           <a:cs typeface="+mn-cs"/>
         </a:defRPr>
       </a:lvl4pPr>
-      <a:lvl5pPr marL="2057400" indent="-228600" algn="l" rtl="0" eaLnBrk="1" latinLnBrk="0" hangingPunct="1">
+      <a:lvl5pPr marL="2057400" indent="-228600" algn="l" defTabSz="914400" rtl="0" eaLnBrk="1" latinLnBrk="0" hangingPunct="1">
         <a:spcBef>
           <a:spcPct val="20000"/>
         </a:spcBef>
-        <a:buClr>
-          <a:schemeClr val="accent1"/>
-        </a:buClr>
-        <a:buSzPct val="60000"/>
-        <a:buFont typeface="Wingdings 2"/>
-        <a:buChar char=""/>
-        <a:defRPr kumimoji="0" sz="1800" kern="1200">
+        <a:buFont typeface="Arial" pitchFamily="34" charset="0"/>
+        <a:buChar char="»"/>
+        <a:defRPr sz="2000" kern="1200">
           <a:solidFill>
-            <a:schemeClr val="tx2"/>
+            <a:schemeClr val="tx1"/>
           </a:solidFill>
           <a:latin typeface="+mn-lt"/>
           <a:ea typeface="+mn-ea"/>
           <a:cs typeface="+mn-cs"/>
         </a:defRPr>
       </a:lvl5pPr>
-      <a:lvl6pPr marL="2514600" indent="-228600" algn="l" rtl="0" eaLnBrk="1" latinLnBrk="0" hangingPunct="1">
+      <a:lvl6pPr marL="2514600" indent="-228600" algn="l" defTabSz="914400" rtl="0" eaLnBrk="1" latinLnBrk="0" hangingPunct="1">
         <a:spcBef>
           <a:spcPct val="20000"/>
         </a:spcBef>
-        <a:buClr>
-          <a:schemeClr val="accent1"/>
-        </a:buClr>
-        <a:buSzPct val="60000"/>
-        <a:buFont typeface="Wingdings 2"/>
-        <a:buChar char=""/>
-        <a:defRPr kumimoji="0" sz="1800" kern="1200">
+        <a:buFont typeface="Arial" pitchFamily="34" charset="0"/>
+        <a:buChar char="•"/>
+        <a:defRPr sz="2000" kern="1200">
           <a:solidFill>
-            <a:schemeClr val="tx2"/>
+            <a:schemeClr val="tx1"/>
           </a:solidFill>
           <a:latin typeface="+mn-lt"/>
           <a:ea typeface="+mn-ea"/>
           <a:cs typeface="+mn-cs"/>
         </a:defRPr>
       </a:lvl6pPr>
-      <a:lvl7pPr marL="2971800" indent="-228600" algn="l" rtl="0" eaLnBrk="1" latinLnBrk="0" hangingPunct="1">
+      <a:lvl7pPr marL="2971800" indent="-228600" algn="l" defTabSz="914400" rtl="0" eaLnBrk="1" latinLnBrk="0" hangingPunct="1">
         <a:spcBef>
           <a:spcPct val="20000"/>
         </a:spcBef>
-        <a:buClr>
-          <a:schemeClr val="accent1"/>
-        </a:buClr>
-        <a:buSzPct val="60000"/>
-        <a:buFont typeface="Wingdings 2"/>
-        <a:buChar char=""/>
-        <a:defRPr kumimoji="0" sz="1600" kern="1200">
+        <a:buFont typeface="Arial" pitchFamily="34" charset="0"/>
+        <a:buChar char="•"/>
+        <a:defRPr sz="2000" kern="1200">
           <a:solidFill>
-            <a:schemeClr val="tx2"/>
+            <a:schemeClr val="tx1"/>
           </a:solidFill>
           <a:latin typeface="+mn-lt"/>
           <a:ea typeface="+mn-ea"/>
           <a:cs typeface="+mn-cs"/>
         </a:defRPr>
       </a:lvl7pPr>
-      <a:lvl8pPr marL="3429000" indent="-228600" algn="l" rtl="0" eaLnBrk="1" latinLnBrk="0" hangingPunct="1">
+      <a:lvl8pPr marL="3429000" indent="-228600" algn="l" defTabSz="914400" rtl="0" eaLnBrk="1" latinLnBrk="0" hangingPunct="1">
         <a:spcBef>
           <a:spcPct val="20000"/>
         </a:spcBef>
-        <a:buClr>
-          <a:schemeClr val="accent1"/>
-        </a:buClr>
-        <a:buSzPct val="60000"/>
-        <a:buFont typeface="Wingdings 2"/>
-        <a:buChar char=""/>
-        <a:defRPr kumimoji="0" sz="1600" kern="1200" baseline="0">
+        <a:buFont typeface="Arial" pitchFamily="34" charset="0"/>
+        <a:buChar char="•"/>
+        <a:defRPr sz="2000" kern="1200">
           <a:solidFill>
-            <a:schemeClr val="tx2"/>
+            <a:schemeClr val="tx1"/>
           </a:solidFill>
           <a:latin typeface="+mn-lt"/>
           <a:ea typeface="+mn-ea"/>
           <a:cs typeface="+mn-cs"/>
         </a:defRPr>
       </a:lvl8pPr>
-      <a:lvl9pPr marL="3886200" indent="-228600" algn="l" rtl="0" eaLnBrk="1" latinLnBrk="0" hangingPunct="1">
+      <a:lvl9pPr marL="3886200" indent="-228600" algn="l" defTabSz="914400" rtl="0" eaLnBrk="1" latinLnBrk="0" hangingPunct="1">
         <a:spcBef>
           <a:spcPct val="20000"/>
         </a:spcBef>
-        <a:buClr>
-          <a:schemeClr val="accent1"/>
-        </a:buClr>
-        <a:buSzPct val="60000"/>
-        <a:buFont typeface="Wingdings 2"/>
-        <a:buChar char=""/>
-        <a:defRPr kumimoji="0" sz="1400" kern="1200" baseline="0">
+        <a:buFont typeface="Arial" pitchFamily="34" charset="0"/>
+        <a:buChar char="•"/>
+        <a:defRPr sz="2000" kern="1200">
           <a:solidFill>
-            <a:schemeClr val="tx2"/>
+            <a:schemeClr val="tx1"/>
           </a:solidFill>
           <a:latin typeface="+mn-lt"/>
           <a:ea typeface="+mn-ea"/>
@@ -3155,8 +2956,11 @@
       </a:lvl9pPr>
     </p:bodyStyle>
     <p:otherStyle>
-      <a:lvl1pPr marL="0" algn="l" rtl="0" eaLnBrk="1" latinLnBrk="0" hangingPunct="1">
-        <a:defRPr kumimoji="0" kern="1200">
+      <a:defPPr>
+        <a:defRPr lang="zh-TW"/>
+      </a:defPPr>
+      <a:lvl1pPr marL="0" algn="l" defTabSz="914400" rtl="0" eaLnBrk="1" latinLnBrk="0" hangingPunct="1">
+        <a:defRPr sz="1800" kern="1200">
           <a:solidFill>
             <a:schemeClr val="tx1"/>
           </a:solidFill>
@@ -3165,8 +2969,8 @@
           <a:cs typeface="+mn-cs"/>
         </a:defRPr>
       </a:lvl1pPr>
-      <a:lvl2pPr marL="457200" algn="l" rtl="0" eaLnBrk="1" latinLnBrk="0" hangingPunct="1">
-        <a:defRPr kumimoji="0" kern="1200">
+      <a:lvl2pPr marL="457200" algn="l" defTabSz="914400" rtl="0" eaLnBrk="1" latinLnBrk="0" hangingPunct="1">
+        <a:defRPr sz="1800" kern="1200">
           <a:solidFill>
             <a:schemeClr val="tx1"/>
           </a:solidFill>
@@ -3175,8 +2979,8 @@
           <a:cs typeface="+mn-cs"/>
         </a:defRPr>
       </a:lvl2pPr>
-      <a:lvl3pPr marL="914400" algn="l" rtl="0" eaLnBrk="1" latinLnBrk="0" hangingPunct="1">
-        <a:defRPr kumimoji="0" kern="1200">
+      <a:lvl3pPr marL="914400" algn="l" defTabSz="914400" rtl="0" eaLnBrk="1" latinLnBrk="0" hangingPunct="1">
+        <a:defRPr sz="1800" kern="1200">
           <a:solidFill>
             <a:schemeClr val="tx1"/>
           </a:solidFill>
@@ -3185,8 +2989,8 @@
           <a:cs typeface="+mn-cs"/>
         </a:defRPr>
       </a:lvl3pPr>
-      <a:lvl4pPr marL="1371600" algn="l" rtl="0" eaLnBrk="1" latinLnBrk="0" hangingPunct="1">
-        <a:defRPr kumimoji="0" kern="1200">
+      <a:lvl4pPr marL="1371600" algn="l" defTabSz="914400" rtl="0" eaLnBrk="1" latinLnBrk="0" hangingPunct="1">
+        <a:defRPr sz="1800" kern="1200">
           <a:solidFill>
             <a:schemeClr val="tx1"/>
           </a:solidFill>
@@ -3195,8 +2999,8 @@
           <a:cs typeface="+mn-cs"/>
         </a:defRPr>
       </a:lvl4pPr>
-      <a:lvl5pPr marL="1828800" algn="l" rtl="0" eaLnBrk="1" latinLnBrk="0" hangingPunct="1">
-        <a:defRPr kumimoji="0" kern="1200">
+      <a:lvl5pPr marL="1828800" algn="l" defTabSz="914400" rtl="0" eaLnBrk="1" latinLnBrk="0" hangingPunct="1">
+        <a:defRPr sz="1800" kern="1200">
           <a:solidFill>
             <a:schemeClr val="tx1"/>
           </a:solidFill>
@@ -3205,8 +3009,8 @@
           <a:cs typeface="+mn-cs"/>
         </a:defRPr>
       </a:lvl5pPr>
-      <a:lvl6pPr marL="2286000" algn="l" rtl="0" eaLnBrk="1" latinLnBrk="0" hangingPunct="1">
-        <a:defRPr kumimoji="0" kern="1200">
+      <a:lvl6pPr marL="2286000" algn="l" defTabSz="914400" rtl="0" eaLnBrk="1" latinLnBrk="0" hangingPunct="1">
+        <a:defRPr sz="1800" kern="1200">
           <a:solidFill>
             <a:schemeClr val="tx1"/>
           </a:solidFill>
@@ -3215,8 +3019,8 @@
           <a:cs typeface="+mn-cs"/>
         </a:defRPr>
       </a:lvl6pPr>
-      <a:lvl7pPr marL="2743200" algn="l" rtl="0" eaLnBrk="1" latinLnBrk="0" hangingPunct="1">
-        <a:defRPr kumimoji="0" kern="1200">
+      <a:lvl7pPr marL="2743200" algn="l" defTabSz="914400" rtl="0" eaLnBrk="1" latinLnBrk="0" hangingPunct="1">
+        <a:defRPr sz="1800" kern="1200">
           <a:solidFill>
             <a:schemeClr val="tx1"/>
           </a:solidFill>
@@ -3225,8 +3029,8 @@
           <a:cs typeface="+mn-cs"/>
         </a:defRPr>
       </a:lvl7pPr>
-      <a:lvl8pPr marL="3200400" algn="l" rtl="0" eaLnBrk="1" latinLnBrk="0" hangingPunct="1">
-        <a:defRPr kumimoji="0" kern="1200">
+      <a:lvl8pPr marL="3200400" algn="l" defTabSz="914400" rtl="0" eaLnBrk="1" latinLnBrk="0" hangingPunct="1">
+        <a:defRPr sz="1800" kern="1200">
           <a:solidFill>
             <a:schemeClr val="tx1"/>
           </a:solidFill>
@@ -3235,8 +3039,8 @@
           <a:cs typeface="+mn-cs"/>
         </a:defRPr>
       </a:lvl8pPr>
-      <a:lvl9pPr marL="3657600" algn="l" rtl="0" eaLnBrk="1" latinLnBrk="0" hangingPunct="1">
-        <a:defRPr kumimoji="0" kern="1200">
+      <a:lvl9pPr marL="3657600" algn="l" defTabSz="914400" rtl="0" eaLnBrk="1" latinLnBrk="0" hangingPunct="1">
+        <a:defRPr sz="1800" kern="1200">
           <a:solidFill>
             <a:schemeClr val="tx1"/>
           </a:solidFill>
@@ -3285,14 +3089,32 @@
           <a:lstStyle/>
           <a:p>
             <a:r>
-              <a:rPr lang="zh-TW" altLang="en-US" dirty="0"/>
+              <a:rPr lang="zh-TW" altLang="en-US" b="1" dirty="0">
+                <a:solidFill>
+                  <a:srgbClr val="000066"/>
+                </a:solidFill>
+                <a:latin typeface="微軟正黑體" pitchFamily="34" charset="-120"/>
+                <a:ea typeface="微軟正黑體" pitchFamily="34" charset="-120"/>
+              </a:rPr>
               <a:t>主信實無</a:t>
             </a:r>
             <a:r>
-              <a:rPr lang="zh-TW" altLang="en-US" dirty="0" smtClean="0"/>
+              <a:rPr lang="zh-TW" altLang="en-US" b="1" dirty="0" smtClean="0">
+                <a:solidFill>
+                  <a:srgbClr val="000066"/>
+                </a:solidFill>
+                <a:latin typeface="微軟正黑體" pitchFamily="34" charset="-120"/>
+                <a:ea typeface="微軟正黑體" pitchFamily="34" charset="-120"/>
+              </a:rPr>
               <a:t>變</a:t>
             </a:r>
-            <a:endParaRPr lang="zh-TW" altLang="en-US" dirty="0"/>
+            <a:endParaRPr lang="zh-TW" altLang="en-US" b="1" dirty="0">
+              <a:solidFill>
+                <a:srgbClr val="000066"/>
+              </a:solidFill>
+              <a:latin typeface="微軟正黑體" pitchFamily="34" charset="-120"/>
+              <a:ea typeface="微軟正黑體" pitchFamily="34" charset="-120"/>
+            </a:endParaRPr>
           </a:p>
         </p:txBody>
       </p:sp>
@@ -3317,17 +3139,35 @@
               <a:buNone/>
             </a:pPr>
             <a:r>
-              <a:rPr lang="zh-TW" altLang="en-US" sz="5400" dirty="0" smtClean="0"/>
+              <a:rPr lang="zh-TW" altLang="en-US" sz="5400" b="1" dirty="0" smtClean="0">
+                <a:solidFill>
+                  <a:srgbClr val="000066"/>
+                </a:solidFill>
+                <a:latin typeface="微軟正黑體" pitchFamily="34" charset="-120"/>
+                <a:ea typeface="微軟正黑體" pitchFamily="34" charset="-120"/>
+              </a:rPr>
               <a:t>慈愛主信實無變</a:t>
             </a:r>
-            <a:endParaRPr lang="en-US" altLang="zh-TW" sz="5400" dirty="0" smtClean="0"/>
+            <a:endParaRPr lang="en-US" altLang="zh-TW" sz="5400" b="1" dirty="0" smtClean="0">
+              <a:solidFill>
+                <a:srgbClr val="000066"/>
+              </a:solidFill>
+              <a:latin typeface="微軟正黑體" pitchFamily="34" charset="-120"/>
+              <a:ea typeface="微軟正黑體" pitchFamily="34" charset="-120"/>
+            </a:endParaRPr>
           </a:p>
           <a:p>
             <a:pPr algn="ctr">
               <a:buNone/>
             </a:pPr>
             <a:r>
-              <a:rPr lang="zh-TW" altLang="en-US" sz="5400" dirty="0" smtClean="0"/>
+              <a:rPr lang="zh-TW" altLang="en-US" sz="5400" b="1" dirty="0" smtClean="0">
+                <a:solidFill>
+                  <a:srgbClr val="000066"/>
+                </a:solidFill>
+                <a:latin typeface="微軟正黑體" pitchFamily="34" charset="-120"/>
+                <a:ea typeface="微軟正黑體" pitchFamily="34" charset="-120"/>
+              </a:rPr>
               <a:t>在每天清晨  主愛已彰顯</a:t>
             </a:r>
           </a:p>
@@ -3336,7 +3176,13 @@
               <a:buNone/>
             </a:pPr>
             <a:r>
-              <a:rPr lang="zh-TW" altLang="en-US" sz="5400" dirty="0" smtClean="0"/>
+              <a:rPr lang="zh-TW" altLang="en-US" sz="5400" b="1" dirty="0" smtClean="0">
+                <a:solidFill>
+                  <a:srgbClr val="000066"/>
+                </a:solidFill>
+                <a:latin typeface="微軟正黑體" pitchFamily="34" charset="-120"/>
+                <a:ea typeface="微軟正黑體" pitchFamily="34" charset="-120"/>
+              </a:rPr>
               <a:t>慈愛主信實無變</a:t>
             </a:r>
           </a:p>
@@ -3345,10 +3191,22 @@
               <a:buNone/>
             </a:pPr>
             <a:r>
-              <a:rPr lang="zh-TW" altLang="en-US" sz="5400" dirty="0" smtClean="0"/>
+              <a:rPr lang="zh-TW" altLang="en-US" sz="5400" b="1" dirty="0" smtClean="0">
+                <a:solidFill>
+                  <a:srgbClr val="000066"/>
+                </a:solidFill>
+                <a:latin typeface="微軟正黑體" pitchFamily="34" charset="-120"/>
+                <a:ea typeface="微軟正黑體" pitchFamily="34" charset="-120"/>
+              </a:rPr>
               <a:t>沒有分陰晴  主愛勵勉</a:t>
             </a:r>
-            <a:endParaRPr lang="zh-TW" altLang="en-US" sz="5400" dirty="0"/>
+            <a:endParaRPr lang="zh-TW" altLang="en-US" sz="5400" b="1" dirty="0">
+              <a:solidFill>
+                <a:srgbClr val="000066"/>
+              </a:solidFill>
+              <a:latin typeface="微軟正黑體" pitchFamily="34" charset="-120"/>
+              <a:ea typeface="微軟正黑體" pitchFamily="34" charset="-120"/>
+            </a:endParaRPr>
           </a:p>
         </p:txBody>
       </p:sp>
@@ -3395,14 +3253,32 @@
           <a:lstStyle/>
           <a:p>
             <a:r>
-              <a:rPr lang="zh-TW" altLang="en-US" dirty="0"/>
+              <a:rPr lang="zh-TW" altLang="en-US" b="1" dirty="0">
+                <a:solidFill>
+                  <a:srgbClr val="000066"/>
+                </a:solidFill>
+                <a:latin typeface="微軟正黑體" pitchFamily="34" charset="-120"/>
+                <a:ea typeface="微軟正黑體" pitchFamily="34" charset="-120"/>
+              </a:rPr>
               <a:t>主信實無</a:t>
             </a:r>
             <a:r>
-              <a:rPr lang="zh-TW" altLang="en-US" dirty="0" smtClean="0"/>
+              <a:rPr lang="zh-TW" altLang="en-US" b="1" dirty="0" smtClean="0">
+                <a:solidFill>
+                  <a:srgbClr val="000066"/>
+                </a:solidFill>
+                <a:latin typeface="微軟正黑體" pitchFamily="34" charset="-120"/>
+                <a:ea typeface="微軟正黑體" pitchFamily="34" charset="-120"/>
+              </a:rPr>
               <a:t>變</a:t>
             </a:r>
-            <a:endParaRPr lang="zh-TW" altLang="en-US" dirty="0"/>
+            <a:endParaRPr lang="zh-TW" altLang="en-US" b="1" dirty="0">
+              <a:solidFill>
+                <a:srgbClr val="000066"/>
+              </a:solidFill>
+              <a:latin typeface="微軟正黑體" pitchFamily="34" charset="-120"/>
+              <a:ea typeface="微軟正黑體" pitchFamily="34" charset="-120"/>
+            </a:endParaRPr>
           </a:p>
         </p:txBody>
       </p:sp>
@@ -3427,7 +3303,13 @@
               <a:buNone/>
             </a:pPr>
             <a:r>
-              <a:rPr lang="zh-TW" altLang="en-US" sz="5400" dirty="0"/>
+              <a:rPr lang="zh-TW" altLang="en-US" sz="5400" b="1" dirty="0">
+                <a:solidFill>
+                  <a:srgbClr val="000066"/>
+                </a:solidFill>
+                <a:latin typeface="微軟正黑體" pitchFamily="34" charset="-120"/>
+                <a:ea typeface="微軟正黑體" pitchFamily="34" charset="-120"/>
+              </a:rPr>
               <a:t>愛慕到達主跟前</a:t>
             </a:r>
           </a:p>
@@ -3436,7 +3318,13 @@
               <a:buNone/>
             </a:pPr>
             <a:r>
-              <a:rPr lang="zh-TW" altLang="en-US" sz="5400" dirty="0"/>
+              <a:rPr lang="zh-TW" altLang="en-US" sz="5400" b="1" dirty="0">
+                <a:solidFill>
+                  <a:srgbClr val="000066"/>
+                </a:solidFill>
+                <a:latin typeface="微軟正黑體" pitchFamily="34" charset="-120"/>
+                <a:ea typeface="微軟正黑體" pitchFamily="34" charset="-120"/>
+              </a:rPr>
               <a:t>渴慕救主引牽</a:t>
             </a:r>
           </a:p>
@@ -3445,7 +3333,13 @@
               <a:buNone/>
             </a:pPr>
             <a:r>
-              <a:rPr lang="zh-TW" altLang="en-US" sz="5400" dirty="0"/>
+              <a:rPr lang="zh-TW" altLang="en-US" sz="5400" b="1" dirty="0">
+                <a:solidFill>
+                  <a:srgbClr val="000066"/>
+                </a:solidFill>
+                <a:latin typeface="微軟正黑體" pitchFamily="34" charset="-120"/>
+                <a:ea typeface="微軟正黑體" pitchFamily="34" charset="-120"/>
+              </a:rPr>
               <a:t>困苦 壓迫 憂傷 掛念</a:t>
             </a:r>
           </a:p>
@@ -3454,7 +3348,13 @@
               <a:buNone/>
             </a:pPr>
             <a:r>
-              <a:rPr lang="zh-TW" altLang="en-US" sz="5400" dirty="0"/>
+              <a:rPr lang="zh-TW" altLang="en-US" sz="5400" b="1" dirty="0">
+                <a:solidFill>
+                  <a:srgbClr val="000066"/>
+                </a:solidFill>
+                <a:latin typeface="微軟正黑體" pitchFamily="34" charset="-120"/>
+                <a:ea typeface="微軟正黑體" pitchFamily="34" charset="-120"/>
+              </a:rPr>
               <a:t>神愛眷必不停斷</a:t>
             </a:r>
           </a:p>
@@ -3463,7 +3363,13 @@
               <a:buNone/>
             </a:pPr>
             <a:r>
-              <a:rPr lang="zh-TW" altLang="en-US" sz="5400" dirty="0"/>
+              <a:rPr lang="zh-TW" altLang="en-US" sz="5400" b="1" dirty="0">
+                <a:solidFill>
+                  <a:srgbClr val="000066"/>
+                </a:solidFill>
+                <a:latin typeface="微軟正黑體" pitchFamily="34" charset="-120"/>
+                <a:ea typeface="微軟正黑體" pitchFamily="34" charset="-120"/>
+              </a:rPr>
               <a:t>神愛眷終不改變</a:t>
             </a:r>
           </a:p>
@@ -3512,14 +3418,32 @@
           <a:lstStyle/>
           <a:p>
             <a:r>
-              <a:rPr lang="zh-TW" altLang="en-US" dirty="0"/>
+              <a:rPr lang="zh-TW" altLang="en-US" b="1" dirty="0">
+                <a:solidFill>
+                  <a:srgbClr val="000066"/>
+                </a:solidFill>
+                <a:latin typeface="微軟正黑體" pitchFamily="34" charset="-120"/>
+                <a:ea typeface="微軟正黑體" pitchFamily="34" charset="-120"/>
+              </a:rPr>
               <a:t>主信實無</a:t>
             </a:r>
             <a:r>
-              <a:rPr lang="zh-TW" altLang="en-US" dirty="0" smtClean="0"/>
+              <a:rPr lang="zh-TW" altLang="en-US" b="1" dirty="0" smtClean="0">
+                <a:solidFill>
+                  <a:srgbClr val="000066"/>
+                </a:solidFill>
+                <a:latin typeface="微軟正黑體" pitchFamily="34" charset="-120"/>
+                <a:ea typeface="微軟正黑體" pitchFamily="34" charset="-120"/>
+              </a:rPr>
               <a:t>變</a:t>
             </a:r>
-            <a:endParaRPr lang="zh-TW" altLang="en-US" dirty="0"/>
+            <a:endParaRPr lang="zh-TW" altLang="en-US" b="1" dirty="0">
+              <a:solidFill>
+                <a:srgbClr val="000066"/>
+              </a:solidFill>
+              <a:latin typeface="微軟正黑體" pitchFamily="34" charset="-120"/>
+              <a:ea typeface="微軟正黑體" pitchFamily="34" charset="-120"/>
+            </a:endParaRPr>
           </a:p>
         </p:txBody>
       </p:sp>
@@ -3544,7 +3468,13 @@
               <a:buNone/>
             </a:pPr>
             <a:r>
-              <a:rPr lang="zh-TW" altLang="en-US" sz="5400" dirty="0"/>
+              <a:rPr lang="zh-TW" altLang="en-US" sz="5400" b="1" dirty="0">
+                <a:solidFill>
+                  <a:srgbClr val="000066"/>
+                </a:solidFill>
+                <a:latin typeface="微軟正黑體" pitchFamily="34" charset="-120"/>
+                <a:ea typeface="微軟正黑體" pitchFamily="34" charset="-120"/>
+              </a:rPr>
               <a:t>慈愛主信實無變</a:t>
             </a:r>
           </a:p>
@@ -3553,15 +3483,33 @@
               <a:buNone/>
             </a:pPr>
             <a:r>
-              <a:rPr lang="zh-TW" altLang="en-US" sz="5400" dirty="0"/>
+              <a:rPr lang="zh-TW" altLang="en-US" sz="5400" b="1" dirty="0">
+                <a:solidFill>
+                  <a:srgbClr val="000066"/>
+                </a:solidFill>
+                <a:latin typeface="微軟正黑體" pitchFamily="34" charset="-120"/>
+                <a:ea typeface="微軟正黑體" pitchFamily="34" charset="-120"/>
+              </a:rPr>
               <a:t>日影西</a:t>
             </a:r>
             <a:r>
-              <a:rPr lang="zh-TW" altLang="en-US" sz="5400" dirty="0" smtClean="0"/>
+              <a:rPr lang="zh-TW" altLang="en-US" sz="5400" b="1" dirty="0" smtClean="0">
+                <a:solidFill>
+                  <a:srgbClr val="000066"/>
+                </a:solidFill>
+                <a:latin typeface="微軟正黑體" pitchFamily="34" charset="-120"/>
+                <a:ea typeface="微軟正黑體" pitchFamily="34" charset="-120"/>
+              </a:rPr>
               <a:t>斜  主</a:t>
             </a:r>
             <a:r>
-              <a:rPr lang="zh-TW" altLang="en-US" sz="5400" dirty="0"/>
+              <a:rPr lang="zh-TW" altLang="en-US" sz="5400" b="1" dirty="0">
+                <a:solidFill>
+                  <a:srgbClr val="000066"/>
+                </a:solidFill>
+                <a:latin typeface="微軟正黑體" pitchFamily="34" charset="-120"/>
+                <a:ea typeface="微軟正黑體" pitchFamily="34" charset="-120"/>
+              </a:rPr>
               <a:t>愛更溫暖</a:t>
             </a:r>
           </a:p>
@@ -3570,7 +3518,13 @@
               <a:buNone/>
             </a:pPr>
             <a:r>
-              <a:rPr lang="zh-TW" altLang="en-US" sz="5400" dirty="0"/>
+              <a:rPr lang="zh-TW" altLang="en-US" sz="5400" b="1" dirty="0">
+                <a:solidFill>
+                  <a:srgbClr val="000066"/>
+                </a:solidFill>
+                <a:latin typeface="微軟正黑體" pitchFamily="34" charset="-120"/>
+                <a:ea typeface="微軟正黑體" pitchFamily="34" charset="-120"/>
+              </a:rPr>
               <a:t>慈愛主信實無變</a:t>
             </a:r>
           </a:p>
@@ -3579,15 +3533,33 @@
               <a:buNone/>
             </a:pPr>
             <a:r>
-              <a:rPr lang="zh-TW" altLang="en-US" sz="5400" dirty="0"/>
+              <a:rPr lang="zh-TW" altLang="en-US" sz="5400" b="1" dirty="0">
+                <a:solidFill>
+                  <a:srgbClr val="000066"/>
+                </a:solidFill>
+                <a:latin typeface="微軟正黑體" pitchFamily="34" charset="-120"/>
+                <a:ea typeface="微軟正黑體" pitchFamily="34" charset="-120"/>
+              </a:rPr>
               <a:t>沒有分冬</a:t>
             </a:r>
             <a:r>
-              <a:rPr lang="zh-TW" altLang="en-US" sz="5400" dirty="0" smtClean="0"/>
+              <a:rPr lang="zh-TW" altLang="en-US" sz="5400" b="1" dirty="0" smtClean="0">
+                <a:solidFill>
+                  <a:srgbClr val="000066"/>
+                </a:solidFill>
+                <a:latin typeface="微軟正黑體" pitchFamily="34" charset="-120"/>
+                <a:ea typeface="微軟正黑體" pitchFamily="34" charset="-120"/>
+              </a:rPr>
               <a:t>暖  主</a:t>
             </a:r>
             <a:r>
-              <a:rPr lang="zh-TW" altLang="en-US" sz="5400" dirty="0"/>
+              <a:rPr lang="zh-TW" altLang="en-US" sz="5400" b="1" dirty="0">
+                <a:solidFill>
+                  <a:srgbClr val="000066"/>
+                </a:solidFill>
+                <a:latin typeface="微軟正黑體" pitchFamily="34" charset="-120"/>
+                <a:ea typeface="微軟正黑體" pitchFamily="34" charset="-120"/>
+              </a:rPr>
               <a:t>愛復眷</a:t>
             </a:r>
           </a:p>
@@ -3636,14 +3608,32 @@
           <a:lstStyle/>
           <a:p>
             <a:r>
-              <a:rPr lang="zh-TW" altLang="en-US" dirty="0"/>
+              <a:rPr lang="zh-TW" altLang="en-US" b="1" dirty="0">
+                <a:solidFill>
+                  <a:srgbClr val="000066"/>
+                </a:solidFill>
+                <a:latin typeface="微軟正黑體" pitchFamily="34" charset="-120"/>
+                <a:ea typeface="微軟正黑體" pitchFamily="34" charset="-120"/>
+              </a:rPr>
               <a:t>主信實無</a:t>
             </a:r>
             <a:r>
-              <a:rPr lang="zh-TW" altLang="en-US" dirty="0" smtClean="0"/>
+              <a:rPr lang="zh-TW" altLang="en-US" b="1" dirty="0" smtClean="0">
+                <a:solidFill>
+                  <a:srgbClr val="000066"/>
+                </a:solidFill>
+                <a:latin typeface="微軟正黑體" pitchFamily="34" charset="-120"/>
+                <a:ea typeface="微軟正黑體" pitchFamily="34" charset="-120"/>
+              </a:rPr>
               <a:t>變</a:t>
             </a:r>
-            <a:endParaRPr lang="zh-TW" altLang="en-US" dirty="0"/>
+            <a:endParaRPr lang="zh-TW" altLang="en-US" b="1" dirty="0">
+              <a:solidFill>
+                <a:srgbClr val="000066"/>
+              </a:solidFill>
+              <a:latin typeface="微軟正黑體" pitchFamily="34" charset="-120"/>
+              <a:ea typeface="微軟正黑體" pitchFamily="34" charset="-120"/>
+            </a:endParaRPr>
           </a:p>
         </p:txBody>
       </p:sp>
@@ -3668,7 +3658,13 @@
               <a:buNone/>
             </a:pPr>
             <a:r>
-              <a:rPr lang="zh-TW" altLang="en-US" sz="5400" dirty="0"/>
+              <a:rPr lang="zh-TW" altLang="en-US" sz="5400" b="1" dirty="0">
+                <a:solidFill>
+                  <a:srgbClr val="000066"/>
+                </a:solidFill>
+                <a:latin typeface="微軟正黑體" pitchFamily="34" charset="-120"/>
+                <a:ea typeface="微軟正黑體" pitchFamily="34" charset="-120"/>
+              </a:rPr>
               <a:t>愛慕到達主跟前</a:t>
             </a:r>
           </a:p>
@@ -3677,7 +3673,13 @@
               <a:buNone/>
             </a:pPr>
             <a:r>
-              <a:rPr lang="zh-TW" altLang="en-US" sz="5400" dirty="0"/>
+              <a:rPr lang="zh-TW" altLang="en-US" sz="5400" b="1" dirty="0">
+                <a:solidFill>
+                  <a:srgbClr val="000066"/>
+                </a:solidFill>
+                <a:latin typeface="微軟正黑體" pitchFamily="34" charset="-120"/>
+                <a:ea typeface="微軟正黑體" pitchFamily="34" charset="-120"/>
+              </a:rPr>
               <a:t>渴慕救主引牽</a:t>
             </a:r>
           </a:p>
@@ -3686,7 +3688,13 @@
               <a:buNone/>
             </a:pPr>
             <a:r>
-              <a:rPr lang="zh-TW" altLang="en-US" sz="5400" dirty="0"/>
+              <a:rPr lang="zh-TW" altLang="en-US" sz="5400" b="1" dirty="0">
+                <a:solidFill>
+                  <a:srgbClr val="000066"/>
+                </a:solidFill>
+                <a:latin typeface="微軟正黑體" pitchFamily="34" charset="-120"/>
+                <a:ea typeface="微軟正黑體" pitchFamily="34" charset="-120"/>
+              </a:rPr>
               <a:t>困苦 壓迫 憂傷 掛念</a:t>
             </a:r>
           </a:p>
@@ -3695,7 +3703,13 @@
               <a:buNone/>
             </a:pPr>
             <a:r>
-              <a:rPr lang="zh-TW" altLang="en-US" sz="5400" dirty="0"/>
+              <a:rPr lang="zh-TW" altLang="en-US" sz="5400" b="1" dirty="0">
+                <a:solidFill>
+                  <a:srgbClr val="000066"/>
+                </a:solidFill>
+                <a:latin typeface="微軟正黑體" pitchFamily="34" charset="-120"/>
+                <a:ea typeface="微軟正黑體" pitchFamily="34" charset="-120"/>
+              </a:rPr>
               <a:t>神愛眷必不停斷</a:t>
             </a:r>
           </a:p>
@@ -3704,7 +3718,13 @@
               <a:buNone/>
             </a:pPr>
             <a:r>
-              <a:rPr lang="zh-TW" altLang="en-US" sz="5400" dirty="0"/>
+              <a:rPr lang="zh-TW" altLang="en-US" sz="5400" b="1" dirty="0">
+                <a:solidFill>
+                  <a:srgbClr val="000066"/>
+                </a:solidFill>
+                <a:latin typeface="微軟正黑體" pitchFamily="34" charset="-120"/>
+                <a:ea typeface="微軟正黑體" pitchFamily="34" charset="-120"/>
+              </a:rPr>
               <a:t>神愛眷終不改變</a:t>
             </a:r>
           </a:p>
@@ -3719,9 +3739,9 @@
 </file>
 
 <file path=ppt/theme/theme1.xml><?xml version="1.0" encoding="utf-8"?>
-<a:theme xmlns:a="http://schemas.openxmlformats.org/drawingml/2006/main" name="旅程">
+<a:theme xmlns:a="http://schemas.openxmlformats.org/drawingml/2006/main" name="佈景主題1">
   <a:themeElements>
-    <a:clrScheme name="旅程">
+    <a:clrScheme name="Office">
       <a:dk1>
         <a:sysClr val="windowText" lastClr="000000"/>
       </a:dk1>
@@ -3729,48 +3749,82 @@
         <a:sysClr val="window" lastClr="FFFFFF"/>
       </a:lt1>
       <a:dk2>
-        <a:srgbClr val="4E3B30"/>
+        <a:srgbClr val="1F497D"/>
       </a:dk2>
       <a:lt2>
-        <a:srgbClr val="FBEEC9"/>
+        <a:srgbClr val="EEECE1"/>
       </a:lt2>
       <a:accent1>
-        <a:srgbClr val="F0A22E"/>
+        <a:srgbClr val="4F81BD"/>
       </a:accent1>
       <a:accent2>
-        <a:srgbClr val="A5644E"/>
+        <a:srgbClr val="C0504D"/>
       </a:accent2>
       <a:accent3>
-        <a:srgbClr val="B58B80"/>
+        <a:srgbClr val="9BBB59"/>
       </a:accent3>
       <a:accent4>
-        <a:srgbClr val="C3986D"/>
+        <a:srgbClr val="8064A2"/>
       </a:accent4>
       <a:accent5>
-        <a:srgbClr val="A19574"/>
+        <a:srgbClr val="4BACC6"/>
       </a:accent5>
       <a:accent6>
-        <a:srgbClr val="C17529"/>
+        <a:srgbClr val="F79646"/>
       </a:accent6>
       <a:hlink>
-        <a:srgbClr val="AD1F1F"/>
+        <a:srgbClr val="0000FF"/>
       </a:hlink>
       <a:folHlink>
-        <a:srgbClr val="FFC42F"/>
+        <a:srgbClr val="800080"/>
       </a:folHlink>
     </a:clrScheme>
-    <a:fontScheme name="旅程">
+    <a:fontScheme name="Office">
       <a:majorFont>
-        <a:latin typeface="Franklin Gothic Medium"/>
+        <a:latin typeface="Calibri"/>
         <a:ea typeface=""/>
         <a:cs typeface=""/>
-        <a:font script="Jpan" typeface="HG創英角ｺﾞｼｯｸUB"/>
-        <a:font script="Hang" typeface="돋움"/>
-        <a:font script="Hans" typeface="隶书"/>
-        <a:font script="Hant" typeface="微軟正黑體"/>
-        <a:font script="Arab" typeface="Tahoma"/>
-        <a:font script="Hebr" typeface="Aharoni"/>
-        <a:font script="Thai" typeface="LilyUPC"/>
+        <a:font script="Jpan" typeface="ＭＳ Ｐゴシック"/>
+        <a:font script="Hang" typeface="맑은 고딕"/>
+        <a:font script="Hans" typeface="宋体"/>
+        <a:font script="Hant" typeface="新細明體"/>
+        <a:font script="Arab" typeface="Times New Roman"/>
+        <a:font script="Hebr" typeface="Times New Roman"/>
+        <a:font script="Thai" typeface="Angsana New"/>
+        <a:font script="Ethi" typeface="Nyala"/>
+        <a:font script="Beng" typeface="Vrinda"/>
+        <a:font script="Gujr" typeface="Shruti"/>
+        <a:font script="Khmr" typeface="MoolBoran"/>
+        <a:font script="Knda" typeface="Tunga"/>
+        <a:font script="Guru" typeface="Raavi"/>
+        <a:font script="Cans" typeface="Euphemia"/>
+        <a:font script="Cher" typeface="Plantagenet Cherokee"/>
+        <a:font script="Yiii" typeface="Microsoft Yi Baiti"/>
+        <a:font script="Tibt" typeface="Microsoft Himalaya"/>
+        <a:font script="Thaa" typeface="MV Boli"/>
+        <a:font script="Deva" typeface="Mangal"/>
+        <a:font script="Telu" typeface="Gautami"/>
+        <a:font script="Taml" typeface="Latha"/>
+        <a:font script="Syrc" typeface="Estrangelo Edessa"/>
+        <a:font script="Orya" typeface="Kalinga"/>
+        <a:font script="Mlym" typeface="Kartika"/>
+        <a:font script="Laoo" typeface="DokChampa"/>
+        <a:font script="Sinh" typeface="Iskoola Pota"/>
+        <a:font script="Mong" typeface="Mongolian Baiti"/>
+        <a:font script="Viet" typeface="Times New Roman"/>
+        <a:font script="Uigh" typeface="Microsoft Uighur"/>
+      </a:majorFont>
+      <a:minorFont>
+        <a:latin typeface="Calibri"/>
+        <a:ea typeface=""/>
+        <a:cs typeface=""/>
+        <a:font script="Jpan" typeface="ＭＳ Ｐゴシック"/>
+        <a:font script="Hang" typeface="맑은 고딕"/>
+        <a:font script="Hans" typeface="宋体"/>
+        <a:font script="Hant" typeface="新細明體"/>
+        <a:font script="Arab" typeface="Arial"/>
+        <a:font script="Hebr" typeface="Arial"/>
+        <a:font script="Thai" typeface="Cordia New"/>
         <a:font script="Ethi" typeface="Nyala"/>
         <a:font script="Beng" typeface="Vrinda"/>
         <a:font script="Gujr" typeface="Shruti"/>
@@ -3793,43 +3847,9 @@
         <a:font script="Mong" typeface="Mongolian Baiti"/>
         <a:font script="Viet" typeface="Arial"/>
         <a:font script="Uigh" typeface="Microsoft Uighur"/>
-      </a:majorFont>
-      <a:minorFont>
-        <a:latin typeface="Franklin Gothic Book"/>
-        <a:ea typeface=""/>
-        <a:cs typeface=""/>
-        <a:font script="Jpan" typeface="HGｺﾞｼｯｸE"/>
-        <a:font script="Hang" typeface="돋움"/>
-        <a:font script="Hans" typeface="华文楷体"/>
-        <a:font script="Hant" typeface="微軟正黑體"/>
-        <a:font script="Arab" typeface="Tahoma"/>
-        <a:font script="Hebr" typeface="Aharoni"/>
-        <a:font script="Thai" typeface="LilyUPC"/>
-        <a:font script="Ethi" typeface="Nyala"/>
-        <a:font script="Beng" typeface="Vrinda"/>
-        <a:font script="Gujr" typeface="Shruti"/>
-        <a:font script="Khmr" typeface="DaunPenh"/>
-        <a:font script="Knda" typeface="Tunga"/>
-        <a:font script="Guru" typeface="Raavi"/>
-        <a:font script="Cans" typeface="Euphemia"/>
-        <a:font script="Cher" typeface="Plantagenet Cherokee"/>
-        <a:font script="Yiii" typeface="Microsoft Yi Baiti"/>
-        <a:font script="Tibt" typeface="Microsoft Himalaya"/>
-        <a:font script="Thaa" typeface="MV Boli"/>
-        <a:font script="Deva" typeface="Mangal"/>
-        <a:font script="Telu" typeface="Gautami"/>
-        <a:font script="Taml" typeface="Latha"/>
-        <a:font script="Syrc" typeface="Estrangelo Edessa"/>
-        <a:font script="Orya" typeface="Kalinga"/>
-        <a:font script="Mlym" typeface="Kartika"/>
-        <a:font script="Laoo" typeface="DokChampa"/>
-        <a:font script="Sinh" typeface="Iskoola Pota"/>
-        <a:font script="Mong" typeface="Mongolian Baiti"/>
-        <a:font script="Viet" typeface="Tahoma"/>
-        <a:font script="Uigh" typeface="Microsoft Uighur"/>
       </a:minorFont>
     </a:fontScheme>
-    <a:fmtScheme name="旅程">
+    <a:fmtScheme name="Office">
       <a:fillStyleLst>
         <a:solidFill>
           <a:schemeClr val="phClr"/>
@@ -3838,77 +3858,56 @@
           <a:gsLst>
             <a:gs pos="0">
               <a:schemeClr val="phClr">
-                <a:tint val="30000"/>
-                <a:satMod val="250000"/>
+                <a:tint val="50000"/>
+                <a:satMod val="300000"/>
               </a:schemeClr>
             </a:gs>
-            <a:gs pos="72000">
+            <a:gs pos="35000">
               <a:schemeClr val="phClr">
-                <a:tint val="75000"/>
-                <a:satMod val="210000"/>
+                <a:tint val="37000"/>
+                <a:satMod val="300000"/>
               </a:schemeClr>
             </a:gs>
             <a:gs pos="100000">
               <a:schemeClr val="phClr">
-                <a:tint val="85000"/>
-                <a:satMod val="210000"/>
+                <a:tint val="15000"/>
+                <a:satMod val="350000"/>
               </a:schemeClr>
             </a:gs>
           </a:gsLst>
-          <a:lin ang="5400000" scaled="1"/>
+          <a:lin ang="16200000" scaled="1"/>
         </a:gradFill>
         <a:gradFill rotWithShape="1">
           <a:gsLst>
             <a:gs pos="0">
               <a:schemeClr val="phClr">
-                <a:tint val="75000"/>
-                <a:shade val="85000"/>
-                <a:satMod val="230000"/>
-              </a:schemeClr>
-            </a:gs>
-            <a:gs pos="25000">
-              <a:schemeClr val="phClr">
-                <a:tint val="90000"/>
-                <a:shade val="70000"/>
-                <a:satMod val="220000"/>
-              </a:schemeClr>
-            </a:gs>
-            <a:gs pos="50000">
-              <a:schemeClr val="phClr">
-                <a:tint val="90000"/>
-                <a:shade val="58000"/>
-                <a:satMod val="225000"/>
-              </a:schemeClr>
-            </a:gs>
-            <a:gs pos="65000">
-              <a:schemeClr val="phClr">
-                <a:tint val="90000"/>
-                <a:shade val="58000"/>
-                <a:satMod val="225000"/>
+                <a:shade val="51000"/>
+                <a:satMod val="130000"/>
               </a:schemeClr>
             </a:gs>
             <a:gs pos="80000">
               <a:schemeClr val="phClr">
-                <a:tint val="90000"/>
-                <a:shade val="69000"/>
-                <a:satMod val="220000"/>
+                <a:shade val="93000"/>
+                <a:satMod val="130000"/>
               </a:schemeClr>
             </a:gs>
             <a:gs pos="100000">
               <a:schemeClr val="phClr">
-                <a:tint val="77000"/>
-                <a:shade val="80000"/>
-                <a:satMod val="230000"/>
+                <a:shade val="94000"/>
+                <a:satMod val="135000"/>
               </a:schemeClr>
             </a:gs>
           </a:gsLst>
-          <a:lin ang="5400000" scaled="1"/>
+          <a:lin ang="16200000" scaled="0"/>
         </a:gradFill>
       </a:fillStyleLst>
       <a:lnStyleLst>
-        <a:ln w="10000" cap="flat" cmpd="sng" algn="ctr">
+        <a:ln w="9525" cap="flat" cmpd="sng" algn="ctr">
           <a:solidFill>
-            <a:schemeClr val="phClr"/>
+            <a:schemeClr val="phClr">
+              <a:shade val="95000"/>
+              <a:satMod val="105000"/>
+            </a:schemeClr>
           </a:solidFill>
           <a:prstDash val="solid"/>
         </a:ln>
@@ -3928,18 +3927,27 @@
       <a:effectStyleLst>
         <a:effectStyle>
           <a:effectLst>
-            <a:outerShdw blurRad="76200" dist="50800" dir="5400000" rotWithShape="0">
-              <a:srgbClr val="4E3B30">
-                <a:alpha val="60000"/>
+            <a:outerShdw blurRad="40000" dist="20000" dir="5400000" rotWithShape="0">
+              <a:srgbClr val="000000">
+                <a:alpha val="38000"/>
               </a:srgbClr>
             </a:outerShdw>
           </a:effectLst>
         </a:effectStyle>
         <a:effectStyle>
           <a:effectLst>
-            <a:outerShdw blurRad="76200" dist="50800" dir="5400000" rotWithShape="0">
-              <a:srgbClr val="4E3B30">
-                <a:alpha val="60000"/>
+            <a:outerShdw blurRad="40000" dist="23000" dir="5400000" rotWithShape="0">
+              <a:srgbClr val="000000">
+                <a:alpha val="35000"/>
+              </a:srgbClr>
+            </a:outerShdw>
+          </a:effectLst>
+        </a:effectStyle>
+        <a:effectStyle>
+          <a:effectLst>
+            <a:outerShdw blurRad="40000" dist="23000" dir="5400000" rotWithShape="0">
+              <a:srgbClr val="000000">
+                <a:alpha val="35000"/>
               </a:srgbClr>
             </a:outerShdw>
           </a:effectLst>
@@ -3947,38 +3955,12 @@
             <a:camera prst="orthographicFront">
               <a:rot lat="0" lon="0" rev="0"/>
             </a:camera>
-            <a:lightRig rig="threePt" dir="tl">
-              <a:rot lat="0" lon="0" rev="0"/>
+            <a:lightRig rig="threePt" dir="t">
+              <a:rot lat="0" lon="0" rev="1200000"/>
             </a:lightRig>
           </a:scene3d>
-          <a:sp3d prstMaterial="metal">
-            <a:bevelT w="10000" h="10000"/>
-          </a:sp3d>
-        </a:effectStyle>
-        <a:effectStyle>
-          <a:effectLst>
-            <a:outerShdw blurRad="76200" dist="50800" dir="5400000" rotWithShape="0">
-              <a:srgbClr val="4E3B30">
-                <a:alpha val="60000"/>
-              </a:srgbClr>
-            </a:outerShdw>
-          </a:effectLst>
-          <a:scene3d>
-            <a:camera prst="obliqueTopLeft" fov="600000">
-              <a:rot lat="0" lon="0" rev="0"/>
-            </a:camera>
-            <a:lightRig rig="balanced" dir="t">
-              <a:rot lat="0" lon="0" rev="19200000"/>
-            </a:lightRig>
-          </a:scene3d>
-          <a:sp3d contourW="12700" prstMaterial="matte">
-            <a:bevelT w="60000" h="50800"/>
-            <a:contourClr>
-              <a:schemeClr val="phClr">
-                <a:shade val="60000"/>
-                <a:satMod val="110000"/>
-              </a:schemeClr>
-            </a:contourClr>
+          <a:sp3d>
+            <a:bevelT w="63500" h="25400"/>
           </a:sp3d>
         </a:effectStyle>
       </a:effectStyleLst>
@@ -3986,38 +3968,51 @@
         <a:solidFill>
           <a:schemeClr val="phClr"/>
         </a:solidFill>
-        <a:blipFill>
-          <a:blip xmlns:r="http://schemas.openxmlformats.org/officeDocument/2006/relationships" r:embed="rId1">
-            <a:duotone>
+        <a:gradFill rotWithShape="1">
+          <a:gsLst>
+            <a:gs pos="0">
               <a:schemeClr val="phClr">
-                <a:shade val="90000"/>
-                <a:satMod val="150000"/>
+                <a:tint val="40000"/>
+                <a:satMod val="350000"/>
               </a:schemeClr>
+            </a:gs>
+            <a:gs pos="40000">
               <a:schemeClr val="phClr">
-                <a:tint val="88000"/>
-                <a:satMod val="105000"/>
+                <a:tint val="45000"/>
+                <a:shade val="99000"/>
+                <a:satMod val="350000"/>
               </a:schemeClr>
-            </a:duotone>
-          </a:blip>
-          <a:tile tx="0" ty="0" sx="95000" sy="95000" flip="none" algn="t"/>
-        </a:blipFill>
-        <a:blipFill>
-          <a:blip xmlns:r="http://schemas.openxmlformats.org/officeDocument/2006/relationships" r:embed="rId2">
-            <a:duotone>
+            </a:gs>
+            <a:gs pos="100000">
+              <a:schemeClr val="phClr">
+                <a:shade val="20000"/>
+                <a:satMod val="255000"/>
+              </a:schemeClr>
+            </a:gs>
+          </a:gsLst>
+          <a:path path="circle">
+            <a:fillToRect l="50000" t="-80000" r="50000" b="180000"/>
+          </a:path>
+        </a:gradFill>
+        <a:gradFill rotWithShape="1">
+          <a:gsLst>
+            <a:gs pos="0">
+              <a:schemeClr val="phClr">
+                <a:tint val="80000"/>
+                <a:satMod val="300000"/>
+              </a:schemeClr>
+            </a:gs>
+            <a:gs pos="100000">
               <a:schemeClr val="phClr">
                 <a:shade val="30000"/>
-                <a:satMod val="455000"/>
+                <a:satMod val="200000"/>
               </a:schemeClr>
-              <a:schemeClr val="phClr">
-                <a:tint val="95000"/>
-                <a:satMod val="120000"/>
-              </a:schemeClr>
-            </a:duotone>
-          </a:blip>
-          <a:stretch>
-            <a:fillRect/>
-          </a:stretch>
-        </a:blipFill>
+            </a:gs>
+          </a:gsLst>
+          <a:path path="circle">
+            <a:fillToRect l="50000" t="50000" r="50000" b="50000"/>
+          </a:path>
+        </a:gradFill>
       </a:bgFillStyleLst>
     </a:fmtScheme>
   </a:themeElements>

--- a/主信實無變.pptx
+++ b/主信實無變.pptx
@@ -5,12 +5,19 @@
     <p:sldMasterId id="2147483684" r:id="rId1"/>
   </p:sldMasterIdLst>
   <p:sldIdLst>
-    <p:sldId id="256" r:id="rId2"/>
-    <p:sldId id="257" r:id="rId3"/>
-    <p:sldId id="258" r:id="rId4"/>
-    <p:sldId id="259" r:id="rId5"/>
+    <p:sldId id="260" r:id="rId2"/>
+    <p:sldId id="261" r:id="rId3"/>
+    <p:sldId id="262" r:id="rId4"/>
+    <p:sldId id="263" r:id="rId5"/>
+    <p:sldId id="264" r:id="rId6"/>
+    <p:sldId id="265" r:id="rId7"/>
+    <p:sldId id="266" r:id="rId8"/>
+    <p:sldId id="267" r:id="rId9"/>
+    <p:sldId id="268" r:id="rId10"/>
+    <p:sldId id="269" r:id="rId11"/>
+    <p:sldId id="270" r:id="rId12"/>
   </p:sldIdLst>
-  <p:sldSz cx="9144000" cy="6858000" type="screen4x3"/>
+  <p:sldSz cx="12192000" cy="6858000"/>
   <p:notesSz cx="6858000" cy="9144000"/>
   <p:defaultTextStyle>
     <a:defPPr>
@@ -107,6 +114,22 @@
       </a:defRPr>
     </a:lvl9pPr>
   </p:defaultTextStyle>
+  <p:extLst>
+    <p:ext uri="{EFAFB233-063F-42B5-8137-9DF3F51BA10A}">
+      <p15:sldGuideLst xmlns:p15="http://schemas.microsoft.com/office/powerpoint/2012/main">
+        <p15:guide id="1" orient="horz" pos="2160" userDrawn="1">
+          <p15:clr>
+            <a:srgbClr val="A4A3A4"/>
+          </p15:clr>
+        </p15:guide>
+        <p15:guide id="2" pos="3840" userDrawn="1">
+          <p15:clr>
+            <a:srgbClr val="A4A3A4"/>
+          </p15:clr>
+        </p15:guide>
+      </p15:sldGuideLst>
+    </p:ext>
+  </p:extLst>
 </p:presentation>
 </file>
 
@@ -139,8 +162,8 @@
         </p:nvSpPr>
         <p:spPr>
           <a:xfrm>
-            <a:off x="685800" y="2130425"/>
-            <a:ext cx="7772400" cy="1470025"/>
+            <a:off x="914400" y="2130426"/>
+            <a:ext cx="10363200" cy="1470025"/>
           </a:xfrm>
         </p:spPr>
         <p:txBody>
@@ -167,8 +190,8 @@
         </p:nvSpPr>
         <p:spPr>
           <a:xfrm>
-            <a:off x="1371600" y="3886200"/>
-            <a:ext cx="6400800" cy="1752600"/>
+            <a:off x="1828800" y="3886200"/>
+            <a:ext cx="8534400" cy="1752600"/>
           </a:xfrm>
         </p:spPr>
         <p:txBody>
@@ -292,7 +315,7 @@
             <a:fld id="{13DFAA79-2AD9-49FF-9797-94AE20DEA5B5}" type="datetimeFigureOut">
               <a:rPr lang="zh-TW" altLang="en-US" smtClean="0"/>
               <a:pPr/>
-              <a:t>2019/3/16</a:t>
+              <a:t>2021/12/4</a:t>
             </a:fld>
             <a:endParaRPr lang="zh-TW" altLang="en-US"/>
           </a:p>
@@ -459,7 +482,7 @@
             <a:fld id="{13DFAA79-2AD9-49FF-9797-94AE20DEA5B5}" type="datetimeFigureOut">
               <a:rPr lang="zh-TW" altLang="en-US" smtClean="0"/>
               <a:pPr/>
-              <a:t>2019/3/16</a:t>
+              <a:t>2021/12/4</a:t>
             </a:fld>
             <a:endParaRPr lang="zh-TW" altLang="en-US"/>
           </a:p>
@@ -545,8 +568,8 @@
         </p:nvSpPr>
         <p:spPr>
           <a:xfrm>
-            <a:off x="6629400" y="274638"/>
-            <a:ext cx="2057400" cy="5851525"/>
+            <a:off x="8839200" y="274639"/>
+            <a:ext cx="2743200" cy="5851525"/>
           </a:xfrm>
         </p:spPr>
         <p:txBody>
@@ -573,8 +596,8 @@
         </p:nvSpPr>
         <p:spPr>
           <a:xfrm>
-            <a:off x="457200" y="274638"/>
-            <a:ext cx="6019800" cy="5851525"/>
+            <a:off x="609600" y="274639"/>
+            <a:ext cx="8026400" cy="5851525"/>
           </a:xfrm>
         </p:spPr>
         <p:txBody>
@@ -636,7 +659,7 @@
             <a:fld id="{13DFAA79-2AD9-49FF-9797-94AE20DEA5B5}" type="datetimeFigureOut">
               <a:rPr lang="zh-TW" altLang="en-US" smtClean="0"/>
               <a:pPr/>
-              <a:t>2019/3/16</a:t>
+              <a:t>2021/12/4</a:t>
             </a:fld>
             <a:endParaRPr lang="zh-TW" altLang="en-US"/>
           </a:p>
@@ -803,7 +826,7 @@
             <a:fld id="{13DFAA79-2AD9-49FF-9797-94AE20DEA5B5}" type="datetimeFigureOut">
               <a:rPr lang="zh-TW" altLang="en-US" smtClean="0"/>
               <a:pPr/>
-              <a:t>2019/3/16</a:t>
+              <a:t>2021/12/4</a:t>
             </a:fld>
             <a:endParaRPr lang="zh-TW" altLang="en-US"/>
           </a:p>
@@ -889,8 +912,8 @@
         </p:nvSpPr>
         <p:spPr>
           <a:xfrm>
-            <a:off x="722313" y="4406900"/>
-            <a:ext cx="7772400" cy="1362075"/>
+            <a:off x="963084" y="4406901"/>
+            <a:ext cx="10363200" cy="1362075"/>
           </a:xfrm>
         </p:spPr>
         <p:txBody>
@@ -921,8 +944,8 @@
         </p:nvSpPr>
         <p:spPr>
           <a:xfrm>
-            <a:off x="722313" y="2906713"/>
-            <a:ext cx="7772400" cy="1500187"/>
+            <a:off x="963084" y="2906713"/>
+            <a:ext cx="10363200" cy="1500187"/>
           </a:xfrm>
         </p:spPr>
         <p:txBody>
@@ -1046,7 +1069,7 @@
             <a:fld id="{13DFAA79-2AD9-49FF-9797-94AE20DEA5B5}" type="datetimeFigureOut">
               <a:rPr lang="zh-TW" altLang="en-US" smtClean="0"/>
               <a:pPr/>
-              <a:t>2019/3/16</a:t>
+              <a:t>2021/12/4</a:t>
             </a:fld>
             <a:endParaRPr lang="zh-TW" altLang="en-US"/>
           </a:p>
@@ -1155,8 +1178,8 @@
         </p:nvSpPr>
         <p:spPr>
           <a:xfrm>
-            <a:off x="457200" y="1600200"/>
-            <a:ext cx="4038600" cy="4525963"/>
+            <a:off x="609600" y="1600201"/>
+            <a:ext cx="5384800" cy="4525963"/>
           </a:xfrm>
         </p:spPr>
         <p:txBody>
@@ -1240,8 +1263,8 @@
         </p:nvSpPr>
         <p:spPr>
           <a:xfrm>
-            <a:off x="4648200" y="1600200"/>
-            <a:ext cx="4038600" cy="4525963"/>
+            <a:off x="6197600" y="1600201"/>
+            <a:ext cx="5384800" cy="4525963"/>
           </a:xfrm>
         </p:spPr>
         <p:txBody>
@@ -1331,7 +1354,7 @@
             <a:fld id="{13DFAA79-2AD9-49FF-9797-94AE20DEA5B5}" type="datetimeFigureOut">
               <a:rPr lang="zh-TW" altLang="en-US" smtClean="0"/>
               <a:pPr/>
-              <a:t>2019/3/16</a:t>
+              <a:t>2021/12/4</a:t>
             </a:fld>
             <a:endParaRPr lang="zh-TW" altLang="en-US"/>
           </a:p>
@@ -1444,8 +1467,8 @@
         </p:nvSpPr>
         <p:spPr>
           <a:xfrm>
-            <a:off x="457200" y="1535113"/>
-            <a:ext cx="4040188" cy="639762"/>
+            <a:off x="609600" y="1535113"/>
+            <a:ext cx="5386917" cy="639762"/>
           </a:xfrm>
         </p:spPr>
         <p:txBody>
@@ -1509,8 +1532,8 @@
         </p:nvSpPr>
         <p:spPr>
           <a:xfrm>
-            <a:off x="457200" y="2174875"/>
-            <a:ext cx="4040188" cy="3951288"/>
+            <a:off x="609600" y="2174875"/>
+            <a:ext cx="5386917" cy="3951288"/>
           </a:xfrm>
         </p:spPr>
         <p:txBody>
@@ -1594,8 +1617,8 @@
         </p:nvSpPr>
         <p:spPr>
           <a:xfrm>
-            <a:off x="4645025" y="1535113"/>
-            <a:ext cx="4041775" cy="639762"/>
+            <a:off x="6193368" y="1535113"/>
+            <a:ext cx="5389033" cy="639762"/>
           </a:xfrm>
         </p:spPr>
         <p:txBody>
@@ -1659,8 +1682,8 @@
         </p:nvSpPr>
         <p:spPr>
           <a:xfrm>
-            <a:off x="4645025" y="2174875"/>
-            <a:ext cx="4041775" cy="3951288"/>
+            <a:off x="6193368" y="2174875"/>
+            <a:ext cx="5389033" cy="3951288"/>
           </a:xfrm>
         </p:spPr>
         <p:txBody>
@@ -1750,7 +1773,7 @@
             <a:fld id="{13DFAA79-2AD9-49FF-9797-94AE20DEA5B5}" type="datetimeFigureOut">
               <a:rPr lang="zh-TW" altLang="en-US" smtClean="0"/>
               <a:pPr/>
-              <a:t>2019/3/16</a:t>
+              <a:t>2021/12/4</a:t>
             </a:fld>
             <a:endParaRPr lang="zh-TW" altLang="en-US"/>
           </a:p>
@@ -1865,7 +1888,7 @@
             <a:fld id="{13DFAA79-2AD9-49FF-9797-94AE20DEA5B5}" type="datetimeFigureOut">
               <a:rPr lang="zh-TW" altLang="en-US" smtClean="0"/>
               <a:pPr/>
-              <a:t>2019/3/16</a:t>
+              <a:t>2021/12/4</a:t>
             </a:fld>
             <a:endParaRPr lang="zh-TW" altLang="en-US"/>
           </a:p>
@@ -1957,7 +1980,7 @@
             <a:fld id="{13DFAA79-2AD9-49FF-9797-94AE20DEA5B5}" type="datetimeFigureOut">
               <a:rPr lang="zh-TW" altLang="en-US" smtClean="0"/>
               <a:pPr/>
-              <a:t>2019/3/16</a:t>
+              <a:t>2021/12/4</a:t>
             </a:fld>
             <a:endParaRPr lang="zh-TW" altLang="en-US"/>
           </a:p>
@@ -2043,8 +2066,8 @@
         </p:nvSpPr>
         <p:spPr>
           <a:xfrm>
-            <a:off x="457200" y="273050"/>
-            <a:ext cx="3008313" cy="1162050"/>
+            <a:off x="609601" y="273050"/>
+            <a:ext cx="4011084" cy="1162050"/>
           </a:xfrm>
         </p:spPr>
         <p:txBody>
@@ -2075,8 +2098,8 @@
         </p:nvSpPr>
         <p:spPr>
           <a:xfrm>
-            <a:off x="3575050" y="273050"/>
-            <a:ext cx="5111750" cy="5853113"/>
+            <a:off x="4766733" y="273051"/>
+            <a:ext cx="6815667" cy="5853113"/>
           </a:xfrm>
         </p:spPr>
         <p:txBody>
@@ -2160,8 +2183,8 @@
         </p:nvSpPr>
         <p:spPr>
           <a:xfrm>
-            <a:off x="457200" y="1435100"/>
-            <a:ext cx="3008313" cy="4691063"/>
+            <a:off x="609601" y="1435101"/>
+            <a:ext cx="4011084" cy="4691063"/>
           </a:xfrm>
         </p:spPr>
         <p:txBody>
@@ -2231,7 +2254,7 @@
             <a:fld id="{13DFAA79-2AD9-49FF-9797-94AE20DEA5B5}" type="datetimeFigureOut">
               <a:rPr lang="zh-TW" altLang="en-US" smtClean="0"/>
               <a:pPr/>
-              <a:t>2019/3/16</a:t>
+              <a:t>2021/12/4</a:t>
             </a:fld>
             <a:endParaRPr lang="zh-TW" altLang="en-US"/>
           </a:p>
@@ -2317,8 +2340,8 @@
         </p:nvSpPr>
         <p:spPr>
           <a:xfrm>
-            <a:off x="1792288" y="4800600"/>
-            <a:ext cx="5486400" cy="566738"/>
+            <a:off x="2389717" y="4800600"/>
+            <a:ext cx="7315200" cy="566738"/>
           </a:xfrm>
         </p:spPr>
         <p:txBody>
@@ -2349,8 +2372,8 @@
         </p:nvSpPr>
         <p:spPr>
           <a:xfrm>
-            <a:off x="1792288" y="612775"/>
-            <a:ext cx="5486400" cy="4114800"/>
+            <a:off x="2389717" y="612775"/>
+            <a:ext cx="7315200" cy="4114800"/>
           </a:xfrm>
         </p:spPr>
         <p:txBody>
@@ -2414,8 +2437,8 @@
         </p:nvSpPr>
         <p:spPr>
           <a:xfrm>
-            <a:off x="1792288" y="5367338"/>
-            <a:ext cx="5486400" cy="804862"/>
+            <a:off x="2389717" y="5367338"/>
+            <a:ext cx="7315200" cy="804862"/>
           </a:xfrm>
         </p:spPr>
         <p:txBody>
@@ -2485,7 +2508,7 @@
             <a:fld id="{13DFAA79-2AD9-49FF-9797-94AE20DEA5B5}" type="datetimeFigureOut">
               <a:rPr lang="zh-TW" altLang="en-US" smtClean="0"/>
               <a:pPr/>
-              <a:t>2019/3/16</a:t>
+              <a:t>2021/12/4</a:t>
             </a:fld>
             <a:endParaRPr lang="zh-TW" altLang="en-US"/>
           </a:p>
@@ -2581,8 +2604,8 @@
         </p:nvSpPr>
         <p:spPr>
           <a:xfrm>
-            <a:off x="457200" y="274638"/>
-            <a:ext cx="8229600" cy="1143000"/>
+            <a:off x="609600" y="274638"/>
+            <a:ext cx="10972800" cy="1143000"/>
           </a:xfrm>
           <a:prstGeom prst="rect">
             <a:avLst/>
@@ -2614,8 +2637,8 @@
         </p:nvSpPr>
         <p:spPr>
           <a:xfrm>
-            <a:off x="457200" y="1600200"/>
-            <a:ext cx="8229600" cy="4525963"/>
+            <a:off x="609600" y="1600201"/>
+            <a:ext cx="10972800" cy="4525963"/>
           </a:xfrm>
           <a:prstGeom prst="rect">
             <a:avLst/>
@@ -2676,8 +2699,8 @@
         </p:nvSpPr>
         <p:spPr>
           <a:xfrm>
-            <a:off x="457200" y="6356350"/>
-            <a:ext cx="2133600" cy="365125"/>
+            <a:off x="609600" y="6356351"/>
+            <a:ext cx="2844800" cy="365125"/>
           </a:xfrm>
           <a:prstGeom prst="rect">
             <a:avLst/>
@@ -2700,7 +2723,7 @@
             <a:fld id="{13DFAA79-2AD9-49FF-9797-94AE20DEA5B5}" type="datetimeFigureOut">
               <a:rPr lang="zh-TW" altLang="en-US" smtClean="0"/>
               <a:pPr/>
-              <a:t>2019/3/16</a:t>
+              <a:t>2021/12/4</a:t>
             </a:fld>
             <a:endParaRPr lang="zh-TW" altLang="en-US"/>
           </a:p>
@@ -2718,8 +2741,8 @@
         </p:nvSpPr>
         <p:spPr>
           <a:xfrm>
-            <a:off x="3124200" y="6356350"/>
-            <a:ext cx="2895600" cy="365125"/>
+            <a:off x="4165600" y="6356351"/>
+            <a:ext cx="3860800" cy="365125"/>
           </a:xfrm>
           <a:prstGeom prst="rect">
             <a:avLst/>
@@ -2755,8 +2778,8 @@
         </p:nvSpPr>
         <p:spPr>
           <a:xfrm>
-            <a:off x="6553200" y="6356350"/>
-            <a:ext cx="2133600" cy="365125"/>
+            <a:off x="8737600" y="6356351"/>
+            <a:ext cx="2844800" cy="365125"/>
           </a:xfrm>
           <a:prstGeom prst="rect">
             <a:avLst/>
@@ -3081,36 +3104,145 @@
             <p:ph type="title"/>
           </p:nvPr>
         </p:nvSpPr>
-        <p:spPr/>
+        <p:spPr>
+          <a:xfrm>
+            <a:off x="0" y="2660915"/>
+            <a:ext cx="12192000" cy="1143000"/>
+          </a:xfrm>
+        </p:spPr>
         <p:txBody>
           <a:bodyPr>
+            <a:noAutofit/>
+          </a:bodyPr>
+          <a:lstStyle/>
+          <a:p>
+            <a:r>
+              <a:rPr lang="zh-TW" altLang="en-US" sz="7200" b="1" i="1" dirty="0">
+                <a:solidFill>
+                  <a:srgbClr val="660033"/>
+                </a:solidFill>
+                <a:effectLst>
+                  <a:outerShdw blurRad="38100" dist="38100" dir="2700000" algn="tl">
+                    <a:srgbClr val="000000">
+                      <a:alpha val="43137"/>
+                    </a:srgbClr>
+                  </a:outerShdw>
+                </a:effectLst>
+                <a:latin typeface="微軟正黑體" pitchFamily="34" charset="-120"/>
+                <a:ea typeface="微軟正黑體" pitchFamily="34" charset="-120"/>
+              </a:rPr>
+              <a:t>主</a:t>
+            </a:r>
+            <a:r>
+              <a:rPr lang="zh-TW" altLang="en-US" sz="7200" b="1" i="1" dirty="0">
+                <a:solidFill>
+                  <a:srgbClr val="660033"/>
+                </a:solidFill>
+                <a:effectLst>
+                  <a:outerShdw blurRad="38100" dist="38100" dir="2700000" algn="tl">
+                    <a:srgbClr val="000000">
+                      <a:alpha val="43137"/>
+                    </a:srgbClr>
+                  </a:outerShdw>
+                </a:effectLst>
+                <a:latin typeface="微軟正黑體" pitchFamily="34" charset="-120"/>
+                <a:ea typeface="微軟正黑體" pitchFamily="34" charset="-120"/>
+              </a:rPr>
+              <a:t>信實無變</a:t>
+            </a:r>
+          </a:p>
+        </p:txBody>
+      </p:sp>
+    </p:spTree>
+    <p:extLst>
+      <p:ext uri="{BB962C8B-B14F-4D97-AF65-F5344CB8AC3E}">
+        <p14:creationId xmlns:p14="http://schemas.microsoft.com/office/powerpoint/2010/main" val="3137251406"/>
+      </p:ext>
+    </p:extLst>
+  </p:cSld>
+  <p:clrMapOvr>
+    <a:masterClrMapping/>
+  </p:clrMapOvr>
+  <p:timing>
+    <p:tnLst>
+      <p:par>
+        <p:cTn id="1" dur="indefinite" restart="never" nodeType="tmRoot"/>
+      </p:par>
+    </p:tnLst>
+  </p:timing>
+</p:sld>
+</file>
+
+<file path=ppt/slides/slide10.xml><?xml version="1.0" encoding="utf-8"?>
+<p:sld xmlns:a="http://schemas.openxmlformats.org/drawingml/2006/main" xmlns:r="http://schemas.openxmlformats.org/officeDocument/2006/relationships" xmlns:p="http://schemas.openxmlformats.org/presentationml/2006/main">
+  <p:cSld>
+    <p:spTree>
+      <p:nvGrpSpPr>
+        <p:cNvPr id="1" name=""/>
+        <p:cNvGrpSpPr/>
+        <p:nvPr/>
+      </p:nvGrpSpPr>
+      <p:grpSpPr>
+        <a:xfrm>
+          <a:off x="0" y="0"/>
+          <a:ext cx="0" cy="0"/>
+          <a:chOff x="0" y="0"/>
+          <a:chExt cx="0" cy="0"/>
+        </a:xfrm>
+      </p:grpSpPr>
+      <p:sp>
+        <p:nvSpPr>
+          <p:cNvPr id="5" name="內容版面配置區 4"/>
+          <p:cNvSpPr>
+            <a:spLocks noGrp="1"/>
+          </p:cNvSpPr>
+          <p:nvPr>
+            <p:ph idx="1"/>
+          </p:nvPr>
+        </p:nvSpPr>
+        <p:spPr>
+          <a:xfrm>
+            <a:off x="0" y="2084851"/>
+            <a:ext cx="12192000" cy="2404863"/>
+          </a:xfrm>
+        </p:spPr>
+        <p:txBody>
+          <a:bodyPr anchor="ctr">
             <a:normAutofit/>
           </a:bodyPr>
           <a:lstStyle/>
           <a:p>
-            <a:r>
-              <a:rPr lang="zh-TW" altLang="en-US" b="1" dirty="0">
-                <a:solidFill>
-                  <a:srgbClr val="000066"/>
+            <a:pPr algn="ctr">
+              <a:buNone/>
+            </a:pPr>
+            <a:r>
+              <a:rPr lang="zh-TW" altLang="en-US" sz="6400" b="1" dirty="0">
+                <a:solidFill>
+                  <a:srgbClr val="660033"/>
                 </a:solidFill>
                 <a:latin typeface="微軟正黑體" pitchFamily="34" charset="-120"/>
                 <a:ea typeface="微軟正黑體" pitchFamily="34" charset="-120"/>
               </a:rPr>
-              <a:t>主信實無</a:t>
-            </a:r>
-            <a:r>
-              <a:rPr lang="zh-TW" altLang="en-US" b="1" dirty="0" smtClean="0">
-                <a:solidFill>
-                  <a:srgbClr val="000066"/>
+              <a:t>困苦   壓迫   憂傷   掛念</a:t>
+            </a:r>
+          </a:p>
+          <a:p>
+            <a:pPr algn="ctr">
+              <a:buNone/>
+            </a:pPr>
+            <a:r>
+              <a:rPr lang="zh-TW" altLang="en-US" sz="6400" b="1" dirty="0">
+                <a:solidFill>
+                  <a:srgbClr val="660033"/>
                 </a:solidFill>
                 <a:latin typeface="微軟正黑體" pitchFamily="34" charset="-120"/>
                 <a:ea typeface="微軟正黑體" pitchFamily="34" charset="-120"/>
               </a:rPr>
-              <a:t>變</a:t>
-            </a:r>
-            <a:endParaRPr lang="zh-TW" altLang="en-US" b="1" dirty="0">
+              <a:t>神愛眷必不停斷</a:t>
+            </a:r>
+            <a:endParaRPr lang="zh-TW" altLang="en-US" sz="6400" b="1" dirty="0">
               <a:solidFill>
-                <a:srgbClr val="000066"/>
+                <a:srgbClr val="660033"/>
               </a:solidFill>
               <a:latin typeface="微軟正黑體" pitchFamily="34" charset="-120"/>
               <a:ea typeface="微軟正黑體" pitchFamily="34" charset="-120"/>
@@ -3120,101 +3252,250 @@
       </p:sp>
       <p:sp>
         <p:nvSpPr>
-          <p:cNvPr id="5" name="內容版面配置區 4"/>
-          <p:cNvSpPr>
-            <a:spLocks noGrp="1"/>
-          </p:cNvSpPr>
-          <p:nvPr>
-            <p:ph idx="1"/>
-          </p:nvPr>
-        </p:nvSpPr>
-        <p:spPr/>
-        <p:txBody>
-          <a:bodyPr>
-            <a:noAutofit/>
+          <p:cNvPr id="3" name="TextBox 2"/>
+          <p:cNvSpPr txBox="1"/>
+          <p:nvPr/>
+        </p:nvSpPr>
+        <p:spPr>
+          <a:xfrm>
+            <a:off x="0" y="5061183"/>
+            <a:ext cx="12192000" cy="830997"/>
+          </a:xfrm>
+          <a:prstGeom prst="rect">
+            <a:avLst/>
+          </a:prstGeom>
+          <a:noFill/>
+        </p:spPr>
+        <p:txBody>
+          <a:bodyPr wrap="square" rtlCol="0">
+            <a:spAutoFit/>
           </a:bodyPr>
           <a:lstStyle/>
           <a:p>
-            <a:pPr algn="ctr">
-              <a:buNone/>
-            </a:pPr>
-            <a:r>
-              <a:rPr lang="zh-TW" altLang="en-US" sz="5400" b="1" dirty="0" smtClean="0">
-                <a:solidFill>
-                  <a:srgbClr val="000066"/>
-                </a:solidFill>
-                <a:latin typeface="微軟正黑體" pitchFamily="34" charset="-120"/>
-                <a:ea typeface="微軟正黑體" pitchFamily="34" charset="-120"/>
-              </a:rPr>
-              <a:t>慈愛主信實無變</a:t>
-            </a:r>
-            <a:endParaRPr lang="en-US" altLang="zh-TW" sz="5400" b="1" dirty="0" smtClean="0">
+            <a:pPr algn="ctr"/>
+            <a:r>
+              <a:rPr lang="en-US" sz="4800" b="1" dirty="0">
+                <a:solidFill>
+                  <a:srgbClr val="660033"/>
+                </a:solidFill>
+                <a:effectLst/>
+                <a:latin typeface="Microsoft JhengHei" panose="020B0604030504040204" pitchFamily="34" charset="-120"/>
+                <a:ea typeface="Microsoft JhengHei" panose="020B0604030504040204" pitchFamily="34" charset="-120"/>
+              </a:rPr>
+              <a:t>( </a:t>
+            </a:r>
+            <a:r>
+              <a:rPr lang="zh-CN" altLang="en-US" sz="4800" b="1" dirty="0">
+                <a:solidFill>
+                  <a:srgbClr val="660033"/>
+                </a:solidFill>
+                <a:effectLst/>
+                <a:latin typeface="Microsoft JhengHei" panose="020B0604030504040204" pitchFamily="34" charset="-120"/>
+                <a:ea typeface="Microsoft JhengHei" panose="020B0604030504040204" pitchFamily="34" charset="-120"/>
+              </a:rPr>
+              <a:t>副</a:t>
+            </a:r>
+            <a:r>
+              <a:rPr lang="en-US" sz="4800" b="1" dirty="0">
+                <a:solidFill>
+                  <a:srgbClr val="660033"/>
+                </a:solidFill>
+                <a:effectLst/>
+                <a:latin typeface="Microsoft JhengHei" panose="020B0604030504040204" pitchFamily="34" charset="-120"/>
+                <a:ea typeface="Microsoft JhengHei" panose="020B0604030504040204" pitchFamily="34" charset="-120"/>
+              </a:rPr>
+              <a:t> </a:t>
+            </a:r>
+            <a:r>
+              <a:rPr lang="en-US" sz="4800" b="1" dirty="0">
+                <a:solidFill>
+                  <a:srgbClr val="660033"/>
+                </a:solidFill>
+                <a:effectLst/>
+                <a:latin typeface="Microsoft JhengHei" panose="020B0604030504040204" pitchFamily="34" charset="-120"/>
+                <a:ea typeface="Microsoft JhengHei" panose="020B0604030504040204" pitchFamily="34" charset="-120"/>
+              </a:rPr>
+              <a:t>)</a:t>
+            </a:r>
+            <a:endParaRPr lang="vi-VN" sz="4800" b="1" dirty="0">
               <a:solidFill>
-                <a:srgbClr val="000066"/>
+                <a:srgbClr val="660033"/>
               </a:solidFill>
-              <a:latin typeface="微軟正黑體" pitchFamily="34" charset="-120"/>
-              <a:ea typeface="微軟正黑體" pitchFamily="34" charset="-120"/>
+              <a:effectLst/>
+              <a:ea typeface="Microsoft JhengHei" panose="020B0604030504040204" pitchFamily="34" charset="-120"/>
             </a:endParaRPr>
           </a:p>
-          <a:p>
-            <a:pPr algn="ctr">
-              <a:buNone/>
-            </a:pPr>
-            <a:r>
-              <a:rPr lang="zh-TW" altLang="en-US" sz="5400" b="1" dirty="0" smtClean="0">
-                <a:solidFill>
-                  <a:srgbClr val="000066"/>
-                </a:solidFill>
-                <a:latin typeface="微軟正黑體" pitchFamily="34" charset="-120"/>
-                <a:ea typeface="微軟正黑體" pitchFamily="34" charset="-120"/>
-              </a:rPr>
-              <a:t>在每天清晨  主愛已彰顯</a:t>
-            </a:r>
-          </a:p>
-          <a:p>
-            <a:pPr algn="ctr">
-              <a:buNone/>
-            </a:pPr>
-            <a:r>
-              <a:rPr lang="zh-TW" altLang="en-US" sz="5400" b="1" dirty="0" smtClean="0">
-                <a:solidFill>
-                  <a:srgbClr val="000066"/>
-                </a:solidFill>
-                <a:latin typeface="微軟正黑體" pitchFamily="34" charset="-120"/>
-                <a:ea typeface="微軟正黑體" pitchFamily="34" charset="-120"/>
-              </a:rPr>
-              <a:t>慈愛主信實無變</a:t>
-            </a:r>
-          </a:p>
-          <a:p>
-            <a:pPr algn="ctr">
-              <a:buNone/>
-            </a:pPr>
-            <a:r>
-              <a:rPr lang="zh-TW" altLang="en-US" sz="5400" b="1" dirty="0" smtClean="0">
-                <a:solidFill>
-                  <a:srgbClr val="000066"/>
-                </a:solidFill>
-                <a:latin typeface="微軟正黑體" pitchFamily="34" charset="-120"/>
-                <a:ea typeface="微軟正黑體" pitchFamily="34" charset="-120"/>
-              </a:rPr>
-              <a:t>沒有分陰晴  主愛勵勉</a:t>
-            </a:r>
-            <a:endParaRPr lang="zh-TW" altLang="en-US" sz="5400" b="1" dirty="0">
-              <a:solidFill>
-                <a:srgbClr val="000066"/>
-              </a:solidFill>
-              <a:latin typeface="微軟正黑體" pitchFamily="34" charset="-120"/>
-              <a:ea typeface="微軟正黑體" pitchFamily="34" charset="-120"/>
-            </a:endParaRPr>
-          </a:p>
         </p:txBody>
       </p:sp>
     </p:spTree>
+    <p:extLst>
+      <p:ext uri="{BB962C8B-B14F-4D97-AF65-F5344CB8AC3E}">
+        <p14:creationId xmlns:p14="http://schemas.microsoft.com/office/powerpoint/2010/main" val="3107026966"/>
+      </p:ext>
+    </p:extLst>
   </p:cSld>
   <p:clrMapOvr>
     <a:masterClrMapping/>
   </p:clrMapOvr>
+  <p:timing>
+    <p:tnLst>
+      <p:par>
+        <p:cTn id="1" dur="indefinite" restart="never" nodeType="tmRoot"/>
+      </p:par>
+    </p:tnLst>
+  </p:timing>
+</p:sld>
+</file>
+
+<file path=ppt/slides/slide11.xml><?xml version="1.0" encoding="utf-8"?>
+<p:sld xmlns:a="http://schemas.openxmlformats.org/drawingml/2006/main" xmlns:r="http://schemas.openxmlformats.org/officeDocument/2006/relationships" xmlns:p="http://schemas.openxmlformats.org/presentationml/2006/main">
+  <p:cSld>
+    <p:spTree>
+      <p:nvGrpSpPr>
+        <p:cNvPr id="1" name=""/>
+        <p:cNvGrpSpPr/>
+        <p:nvPr/>
+      </p:nvGrpSpPr>
+      <p:grpSpPr>
+        <a:xfrm>
+          <a:off x="0" y="0"/>
+          <a:ext cx="0" cy="0"/>
+          <a:chOff x="0" y="0"/>
+          <a:chExt cx="0" cy="0"/>
+        </a:xfrm>
+      </p:grpSpPr>
+      <p:sp>
+        <p:nvSpPr>
+          <p:cNvPr id="5" name="內容版面配置區 4"/>
+          <p:cNvSpPr>
+            <a:spLocks noGrp="1"/>
+          </p:cNvSpPr>
+          <p:nvPr>
+            <p:ph idx="1"/>
+          </p:nvPr>
+        </p:nvSpPr>
+        <p:spPr>
+          <a:xfrm>
+            <a:off x="0" y="2084851"/>
+            <a:ext cx="12192000" cy="2404863"/>
+          </a:xfrm>
+        </p:spPr>
+        <p:txBody>
+          <a:bodyPr anchor="ctr">
+            <a:normAutofit/>
+          </a:bodyPr>
+          <a:lstStyle/>
+          <a:p>
+            <a:pPr algn="ctr">
+              <a:buNone/>
+            </a:pPr>
+            <a:r>
+              <a:rPr lang="zh-TW" altLang="en-US" sz="6400" b="1" dirty="0">
+                <a:solidFill>
+                  <a:srgbClr val="660033"/>
+                </a:solidFill>
+                <a:latin typeface="微軟正黑體" pitchFamily="34" charset="-120"/>
+                <a:ea typeface="微軟正黑體" pitchFamily="34" charset="-120"/>
+              </a:rPr>
+              <a:t>神愛眷終不改變</a:t>
+            </a:r>
+          </a:p>
+        </p:txBody>
+      </p:sp>
+      <p:sp>
+        <p:nvSpPr>
+          <p:cNvPr id="3" name="TextBox 2"/>
+          <p:cNvSpPr txBox="1"/>
+          <p:nvPr/>
+        </p:nvSpPr>
+        <p:spPr>
+          <a:xfrm>
+            <a:off x="0" y="5061183"/>
+            <a:ext cx="12192000" cy="830997"/>
+          </a:xfrm>
+          <a:prstGeom prst="rect">
+            <a:avLst/>
+          </a:prstGeom>
+          <a:noFill/>
+        </p:spPr>
+        <p:txBody>
+          <a:bodyPr wrap="square" rtlCol="0">
+            <a:spAutoFit/>
+          </a:bodyPr>
+          <a:lstStyle/>
+          <a:p>
+            <a:pPr algn="ctr"/>
+            <a:r>
+              <a:rPr lang="en-US" sz="4800" b="1" dirty="0">
+                <a:solidFill>
+                  <a:srgbClr val="660033"/>
+                </a:solidFill>
+                <a:effectLst/>
+                <a:latin typeface="Microsoft JhengHei" panose="020B0604030504040204" pitchFamily="34" charset="-120"/>
+                <a:ea typeface="Microsoft JhengHei" panose="020B0604030504040204" pitchFamily="34" charset="-120"/>
+              </a:rPr>
+              <a:t>( </a:t>
+            </a:r>
+            <a:r>
+              <a:rPr lang="zh-CN" altLang="en-US" sz="4800" b="1" dirty="0">
+                <a:solidFill>
+                  <a:srgbClr val="660033"/>
+                </a:solidFill>
+                <a:effectLst/>
+                <a:latin typeface="Microsoft JhengHei" panose="020B0604030504040204" pitchFamily="34" charset="-120"/>
+                <a:ea typeface="Microsoft JhengHei" panose="020B0604030504040204" pitchFamily="34" charset="-120"/>
+              </a:rPr>
+              <a:t>副</a:t>
+            </a:r>
+            <a:r>
+              <a:rPr lang="en-US" sz="4800" b="1" dirty="0">
+                <a:solidFill>
+                  <a:srgbClr val="660033"/>
+                </a:solidFill>
+                <a:effectLst/>
+                <a:latin typeface="Microsoft JhengHei" panose="020B0604030504040204" pitchFamily="34" charset="-120"/>
+                <a:ea typeface="Microsoft JhengHei" panose="020B0604030504040204" pitchFamily="34" charset="-120"/>
+              </a:rPr>
+              <a:t> </a:t>
+            </a:r>
+            <a:r>
+              <a:rPr lang="en-US" sz="4800" b="1" dirty="0">
+                <a:solidFill>
+                  <a:srgbClr val="660033"/>
+                </a:solidFill>
+                <a:effectLst/>
+                <a:latin typeface="Microsoft JhengHei" panose="020B0604030504040204" pitchFamily="34" charset="-120"/>
+                <a:ea typeface="Microsoft JhengHei" panose="020B0604030504040204" pitchFamily="34" charset="-120"/>
+              </a:rPr>
+              <a:t>)</a:t>
+            </a:r>
+            <a:endParaRPr lang="vi-VN" sz="4800" b="1" dirty="0">
+              <a:solidFill>
+                <a:srgbClr val="660033"/>
+              </a:solidFill>
+              <a:effectLst/>
+              <a:ea typeface="Microsoft JhengHei" panose="020B0604030504040204" pitchFamily="34" charset="-120"/>
+            </a:endParaRPr>
+          </a:p>
+        </p:txBody>
+      </p:sp>
+    </p:spTree>
+    <p:extLst>
+      <p:ext uri="{BB962C8B-B14F-4D97-AF65-F5344CB8AC3E}">
+        <p14:creationId xmlns:p14="http://schemas.microsoft.com/office/powerpoint/2010/main" val="2502141408"/>
+      </p:ext>
+    </p:extLst>
+  </p:cSld>
+  <p:clrMapOvr>
+    <a:masterClrMapping/>
+  </p:clrMapOvr>
+  <p:timing>
+    <p:tnLst>
+      <p:par>
+        <p:cTn id="1" dur="indefinite" restart="never" nodeType="tmRoot"/>
+      </p:par>
+    </p:tnLst>
+  </p:timing>
 </p:sld>
 </file>
 
@@ -3237,149 +3518,211 @@
       </p:grpSpPr>
       <p:sp>
         <p:nvSpPr>
-          <p:cNvPr id="4" name="標題 3"/>
-          <p:cNvSpPr>
-            <a:spLocks noGrp="1"/>
-          </p:cNvSpPr>
-          <p:nvPr>
-            <p:ph type="title"/>
-          </p:nvPr>
-        </p:nvSpPr>
-        <p:spPr/>
-        <p:txBody>
-          <a:bodyPr>
+          <p:cNvPr id="5" name="內容版面配置區 4"/>
+          <p:cNvSpPr>
+            <a:spLocks noGrp="1"/>
+          </p:cNvSpPr>
+          <p:nvPr>
+            <p:ph idx="1"/>
+          </p:nvPr>
+        </p:nvSpPr>
+        <p:spPr>
+          <a:xfrm>
+            <a:off x="0" y="2084851"/>
+            <a:ext cx="12192000" cy="2404863"/>
+          </a:xfrm>
+        </p:spPr>
+        <p:txBody>
+          <a:bodyPr anchor="ctr">
             <a:normAutofit/>
           </a:bodyPr>
           <a:lstStyle/>
           <a:p>
-            <a:r>
-              <a:rPr lang="zh-TW" altLang="en-US" b="1" dirty="0">
-                <a:solidFill>
-                  <a:srgbClr val="000066"/>
+            <a:pPr algn="ctr">
+              <a:buNone/>
+            </a:pPr>
+            <a:r>
+              <a:rPr lang="zh-TW" altLang="en-US" sz="6400" b="1" dirty="0">
+                <a:solidFill>
+                  <a:srgbClr val="660033"/>
                 </a:solidFill>
                 <a:latin typeface="微軟正黑體" pitchFamily="34" charset="-120"/>
                 <a:ea typeface="微軟正黑體" pitchFamily="34" charset="-120"/>
               </a:rPr>
-              <a:t>主信實無</a:t>
-            </a:r>
-            <a:r>
-              <a:rPr lang="zh-TW" altLang="en-US" b="1" dirty="0" smtClean="0">
-                <a:solidFill>
-                  <a:srgbClr val="000066"/>
+              <a:t>慈</a:t>
+            </a:r>
+            <a:r>
+              <a:rPr lang="zh-TW" altLang="en-US" sz="6400" b="1" dirty="0">
+                <a:solidFill>
+                  <a:srgbClr val="660033"/>
                 </a:solidFill>
                 <a:latin typeface="微軟正黑體" pitchFamily="34" charset="-120"/>
                 <a:ea typeface="微軟正黑體" pitchFamily="34" charset="-120"/>
               </a:rPr>
-              <a:t>變</a:t>
-            </a:r>
-            <a:endParaRPr lang="zh-TW" altLang="en-US" b="1" dirty="0">
+              <a:t>愛主信實無變</a:t>
+            </a:r>
+            <a:endParaRPr lang="en-US" altLang="zh-TW" sz="6400" b="1" dirty="0">
               <a:solidFill>
-                <a:srgbClr val="000066"/>
+                <a:srgbClr val="660033"/>
               </a:solidFill>
               <a:latin typeface="微軟正黑體" pitchFamily="34" charset="-120"/>
               <a:ea typeface="微軟正黑體" pitchFamily="34" charset="-120"/>
             </a:endParaRPr>
           </a:p>
-        </p:txBody>
-      </p:sp>
-      <p:sp>
-        <p:nvSpPr>
-          <p:cNvPr id="5" name="內容版面配置區 4"/>
-          <p:cNvSpPr>
-            <a:spLocks noGrp="1"/>
-          </p:cNvSpPr>
-          <p:nvPr>
-            <p:ph idx="1"/>
-          </p:nvPr>
-        </p:nvSpPr>
-        <p:spPr/>
-        <p:txBody>
-          <a:bodyPr>
-            <a:noAutofit/>
-          </a:bodyPr>
-          <a:lstStyle/>
           <a:p>
             <a:pPr algn="ctr">
               <a:buNone/>
             </a:pPr>
             <a:r>
-              <a:rPr lang="zh-TW" altLang="en-US" sz="5400" b="1" dirty="0">
-                <a:solidFill>
-                  <a:srgbClr val="000066"/>
+              <a:rPr lang="zh-TW" altLang="en-US" sz="6400" b="1" dirty="0">
+                <a:solidFill>
+                  <a:srgbClr val="660033"/>
                 </a:solidFill>
                 <a:latin typeface="微軟正黑體" pitchFamily="34" charset="-120"/>
                 <a:ea typeface="微軟正黑體" pitchFamily="34" charset="-120"/>
               </a:rPr>
-              <a:t>愛慕到達主跟前</a:t>
-            </a:r>
-          </a:p>
-          <a:p>
-            <a:pPr algn="ctr">
-              <a:buNone/>
-            </a:pPr>
-            <a:r>
-              <a:rPr lang="zh-TW" altLang="en-US" sz="5400" b="1" dirty="0">
-                <a:solidFill>
-                  <a:srgbClr val="000066"/>
+              <a:t>在每天清晨  </a:t>
+            </a:r>
+            <a:r>
+              <a:rPr lang="zh-TW" altLang="en-US" sz="6400" b="1" dirty="0">
+                <a:solidFill>
+                  <a:srgbClr val="660033"/>
                 </a:solidFill>
                 <a:latin typeface="微軟正黑體" pitchFamily="34" charset="-120"/>
                 <a:ea typeface="微軟正黑體" pitchFamily="34" charset="-120"/>
               </a:rPr>
-              <a:t>渴慕救主引牽</a:t>
-            </a:r>
-          </a:p>
-          <a:p>
-            <a:pPr algn="ctr">
-              <a:buNone/>
-            </a:pPr>
-            <a:r>
-              <a:rPr lang="zh-TW" altLang="en-US" sz="5400" b="1" dirty="0">
-                <a:solidFill>
-                  <a:srgbClr val="000066"/>
+              <a:t> 主</a:t>
+            </a:r>
+            <a:r>
+              <a:rPr lang="zh-TW" altLang="en-US" sz="6400" b="1" dirty="0">
+                <a:solidFill>
+                  <a:srgbClr val="660033"/>
                 </a:solidFill>
                 <a:latin typeface="微軟正黑體" pitchFamily="34" charset="-120"/>
                 <a:ea typeface="微軟正黑體" pitchFamily="34" charset="-120"/>
               </a:rPr>
-              <a:t>困苦 壓迫 憂傷 掛念</a:t>
-            </a:r>
-          </a:p>
-          <a:p>
-            <a:pPr algn="ctr">
-              <a:buNone/>
-            </a:pPr>
-            <a:r>
-              <a:rPr lang="zh-TW" altLang="en-US" sz="5400" b="1" dirty="0">
-                <a:solidFill>
-                  <a:srgbClr val="000066"/>
-                </a:solidFill>
-                <a:latin typeface="微軟正黑體" pitchFamily="34" charset="-120"/>
-                <a:ea typeface="微軟正黑體" pitchFamily="34" charset="-120"/>
-              </a:rPr>
-              <a:t>神愛眷必不停斷</a:t>
-            </a:r>
-          </a:p>
-          <a:p>
-            <a:pPr algn="ctr">
-              <a:buNone/>
-            </a:pPr>
-            <a:r>
-              <a:rPr lang="zh-TW" altLang="en-US" sz="5400" b="1" dirty="0">
-                <a:solidFill>
-                  <a:srgbClr val="000066"/>
-                </a:solidFill>
-                <a:latin typeface="微軟正黑體" pitchFamily="34" charset="-120"/>
-                <a:ea typeface="微軟正黑體" pitchFamily="34" charset="-120"/>
-              </a:rPr>
-              <a:t>神愛眷終不改變</a:t>
-            </a:r>
+              <a:t>愛已彰顯</a:t>
+            </a:r>
+          </a:p>
+        </p:txBody>
+      </p:sp>
+      <p:sp>
+        <p:nvSpPr>
+          <p:cNvPr id="3" name="TextBox 2"/>
+          <p:cNvSpPr txBox="1"/>
+          <p:nvPr/>
+        </p:nvSpPr>
+        <p:spPr>
+          <a:xfrm>
+            <a:off x="0" y="5061183"/>
+            <a:ext cx="12192000" cy="830997"/>
+          </a:xfrm>
+          <a:prstGeom prst="rect">
+            <a:avLst/>
+          </a:prstGeom>
+          <a:noFill/>
+        </p:spPr>
+        <p:txBody>
+          <a:bodyPr wrap="square" rtlCol="0">
+            <a:spAutoFit/>
+          </a:bodyPr>
+          <a:lstStyle/>
+          <a:p>
+            <a:pPr algn="ctr"/>
+            <a:r>
+              <a:rPr lang="en-US" sz="4800" b="1" dirty="0">
+                <a:solidFill>
+                  <a:srgbClr val="660033"/>
+                </a:solidFill>
+                <a:effectLst/>
+                <a:latin typeface="Microsoft JhengHei" panose="020B0604030504040204" pitchFamily="34" charset="-120"/>
+                <a:ea typeface="Microsoft JhengHei" panose="020B0604030504040204" pitchFamily="34" charset="-120"/>
+              </a:rPr>
+              <a:t>( </a:t>
+            </a:r>
+            <a:r>
+              <a:rPr lang="zh-CN" altLang="en-US" sz="4800" b="1" dirty="0">
+                <a:solidFill>
+                  <a:srgbClr val="660033"/>
+                </a:solidFill>
+                <a:effectLst/>
+                <a:latin typeface="Microsoft JhengHei" panose="020B0604030504040204" pitchFamily="34" charset="-120"/>
+                <a:ea typeface="Microsoft JhengHei" panose="020B0604030504040204" pitchFamily="34" charset="-120"/>
+              </a:rPr>
+              <a:t>正</a:t>
+            </a:r>
+            <a:r>
+              <a:rPr lang="en-US" altLang="zh-CN" sz="4800" b="1" dirty="0">
+                <a:solidFill>
+                  <a:srgbClr val="660033"/>
+                </a:solidFill>
+                <a:effectLst/>
+                <a:latin typeface="Microsoft JhengHei" panose="020B0604030504040204" pitchFamily="34" charset="-120"/>
+                <a:ea typeface="Microsoft JhengHei" panose="020B0604030504040204" pitchFamily="34" charset="-120"/>
+              </a:rPr>
+              <a:t> </a:t>
+            </a:r>
+            <a:r>
+              <a:rPr lang="en-US" altLang="zh-CN" sz="4800" b="1" dirty="0">
+                <a:solidFill>
+                  <a:srgbClr val="660033"/>
+                </a:solidFill>
+                <a:effectLst/>
+                <a:latin typeface="Arial" panose="020B0604020202020204" pitchFamily="34" charset="0"/>
+                <a:ea typeface="Microsoft JhengHei" panose="020B0604030504040204" pitchFamily="34" charset="-120"/>
+                <a:cs typeface="Arial" panose="020B0604020202020204" pitchFamily="34" charset="0"/>
+              </a:rPr>
+              <a:t>1</a:t>
+            </a:r>
+            <a:r>
+              <a:rPr lang="en-US" sz="4800" b="1" dirty="0">
+                <a:solidFill>
+                  <a:srgbClr val="660033"/>
+                </a:solidFill>
+                <a:effectLst/>
+                <a:latin typeface="Microsoft JhengHei" panose="020B0604030504040204" pitchFamily="34" charset="-120"/>
+                <a:ea typeface="Microsoft JhengHei" panose="020B0604030504040204" pitchFamily="34" charset="-120"/>
+              </a:rPr>
+              <a:t> </a:t>
+            </a:r>
+            <a:r>
+              <a:rPr lang="en-US" sz="4800" b="1" dirty="0">
+                <a:solidFill>
+                  <a:srgbClr val="660033"/>
+                </a:solidFill>
+                <a:effectLst/>
+                <a:latin typeface="Microsoft JhengHei" panose="020B0604030504040204" pitchFamily="34" charset="-120"/>
+                <a:ea typeface="Microsoft JhengHei" panose="020B0604030504040204" pitchFamily="34" charset="-120"/>
+              </a:rPr>
+              <a:t>)</a:t>
+            </a:r>
+            <a:endParaRPr lang="vi-VN" sz="4800" b="1" dirty="0">
+              <a:solidFill>
+                <a:srgbClr val="660033"/>
+              </a:solidFill>
+              <a:effectLst/>
+              <a:ea typeface="Microsoft JhengHei" panose="020B0604030504040204" pitchFamily="34" charset="-120"/>
+            </a:endParaRPr>
           </a:p>
         </p:txBody>
       </p:sp>
     </p:spTree>
+    <p:extLst>
+      <p:ext uri="{BB962C8B-B14F-4D97-AF65-F5344CB8AC3E}">
+        <p14:creationId xmlns:p14="http://schemas.microsoft.com/office/powerpoint/2010/main" val="2256561903"/>
+      </p:ext>
+    </p:extLst>
   </p:cSld>
   <p:clrMapOvr>
     <a:masterClrMapping/>
   </p:clrMapOvr>
+  <p:timing>
+    <p:tnLst>
+      <p:par>
+        <p:cTn id="1" dur="indefinite" restart="never" nodeType="tmRoot"/>
+      </p:par>
+    </p:tnLst>
+  </p:timing>
 </p:sld>
 </file>
 
@@ -3402,174 +3745,194 @@
       </p:grpSpPr>
       <p:sp>
         <p:nvSpPr>
-          <p:cNvPr id="4" name="標題 3"/>
-          <p:cNvSpPr>
-            <a:spLocks noGrp="1"/>
-          </p:cNvSpPr>
-          <p:nvPr>
-            <p:ph type="title"/>
-          </p:nvPr>
-        </p:nvSpPr>
-        <p:spPr/>
-        <p:txBody>
-          <a:bodyPr>
+          <p:cNvPr id="5" name="內容版面配置區 4"/>
+          <p:cNvSpPr>
+            <a:spLocks noGrp="1"/>
+          </p:cNvSpPr>
+          <p:nvPr>
+            <p:ph idx="1"/>
+          </p:nvPr>
+        </p:nvSpPr>
+        <p:spPr>
+          <a:xfrm>
+            <a:off x="0" y="2084851"/>
+            <a:ext cx="12192000" cy="2404863"/>
+          </a:xfrm>
+        </p:spPr>
+        <p:txBody>
+          <a:bodyPr anchor="ctr">
             <a:normAutofit/>
           </a:bodyPr>
           <a:lstStyle/>
           <a:p>
-            <a:r>
-              <a:rPr lang="zh-TW" altLang="en-US" b="1" dirty="0">
-                <a:solidFill>
-                  <a:srgbClr val="000066"/>
+            <a:pPr algn="ctr">
+              <a:buNone/>
+            </a:pPr>
+            <a:r>
+              <a:rPr lang="zh-TW" altLang="en-US" sz="6400" b="1" dirty="0">
+                <a:solidFill>
+                  <a:srgbClr val="660033"/>
                 </a:solidFill>
                 <a:latin typeface="微軟正黑體" pitchFamily="34" charset="-120"/>
                 <a:ea typeface="微軟正黑體" pitchFamily="34" charset="-120"/>
               </a:rPr>
-              <a:t>主信實無</a:t>
-            </a:r>
-            <a:r>
-              <a:rPr lang="zh-TW" altLang="en-US" b="1" dirty="0" smtClean="0">
-                <a:solidFill>
-                  <a:srgbClr val="000066"/>
+              <a:t>慈愛主信實無變</a:t>
+            </a:r>
+          </a:p>
+          <a:p>
+            <a:pPr algn="ctr">
+              <a:buNone/>
+            </a:pPr>
+            <a:r>
+              <a:rPr lang="zh-TW" altLang="en-US" sz="6400" b="1" dirty="0">
+                <a:solidFill>
+                  <a:srgbClr val="660033"/>
                 </a:solidFill>
                 <a:latin typeface="微軟正黑體" pitchFamily="34" charset="-120"/>
                 <a:ea typeface="微軟正黑體" pitchFamily="34" charset="-120"/>
               </a:rPr>
-              <a:t>變</a:t>
-            </a:r>
-            <a:endParaRPr lang="zh-TW" altLang="en-US" b="1" dirty="0">
-              <a:solidFill>
-                <a:srgbClr val="000066"/>
-              </a:solidFill>
-              <a:latin typeface="微軟正黑體" pitchFamily="34" charset="-120"/>
-              <a:ea typeface="微軟正黑體" pitchFamily="34" charset="-120"/>
-            </a:endParaRPr>
-          </a:p>
-        </p:txBody>
-      </p:sp>
-      <p:sp>
-        <p:nvSpPr>
-          <p:cNvPr id="5" name="內容版面配置區 4"/>
-          <p:cNvSpPr>
-            <a:spLocks noGrp="1"/>
-          </p:cNvSpPr>
-          <p:nvPr>
-            <p:ph idx="1"/>
-          </p:nvPr>
-        </p:nvSpPr>
-        <p:spPr/>
-        <p:txBody>
-          <a:bodyPr>
-            <a:noAutofit/>
-          </a:bodyPr>
-          <a:lstStyle/>
-          <a:p>
-            <a:pPr algn="ctr">
-              <a:buNone/>
-            </a:pPr>
-            <a:r>
-              <a:rPr lang="zh-TW" altLang="en-US" sz="5400" b="1" dirty="0">
-                <a:solidFill>
-                  <a:srgbClr val="000066"/>
+              <a:t>沒有分陰晴  </a:t>
+            </a:r>
+            <a:r>
+              <a:rPr lang="zh-TW" altLang="en-US" sz="6400" b="1" dirty="0">
+                <a:solidFill>
+                  <a:srgbClr val="660033"/>
                 </a:solidFill>
                 <a:latin typeface="微軟正黑體" pitchFamily="34" charset="-120"/>
                 <a:ea typeface="微軟正黑體" pitchFamily="34" charset="-120"/>
               </a:rPr>
-              <a:t>慈愛主信實無變</a:t>
-            </a:r>
-          </a:p>
-          <a:p>
-            <a:pPr algn="ctr">
-              <a:buNone/>
-            </a:pPr>
-            <a:r>
-              <a:rPr lang="zh-TW" altLang="en-US" sz="5400" b="1" dirty="0">
-                <a:solidFill>
-                  <a:srgbClr val="000066"/>
+              <a:t> 主</a:t>
+            </a:r>
+            <a:r>
+              <a:rPr lang="zh-TW" altLang="en-US" sz="6400" b="1" dirty="0">
+                <a:solidFill>
+                  <a:srgbClr val="660033"/>
                 </a:solidFill>
                 <a:latin typeface="微軟正黑體" pitchFamily="34" charset="-120"/>
                 <a:ea typeface="微軟正黑體" pitchFamily="34" charset="-120"/>
               </a:rPr>
-              <a:t>日影西</a:t>
-            </a:r>
-            <a:r>
-              <a:rPr lang="zh-TW" altLang="en-US" sz="5400" b="1" dirty="0" smtClean="0">
-                <a:solidFill>
-                  <a:srgbClr val="000066"/>
-                </a:solidFill>
-                <a:latin typeface="微軟正黑體" pitchFamily="34" charset="-120"/>
-                <a:ea typeface="微軟正黑體" pitchFamily="34" charset="-120"/>
-              </a:rPr>
-              <a:t>斜  主</a:t>
-            </a:r>
-            <a:r>
-              <a:rPr lang="zh-TW" altLang="en-US" sz="5400" b="1" dirty="0">
-                <a:solidFill>
-                  <a:srgbClr val="000066"/>
-                </a:solidFill>
-                <a:latin typeface="微軟正黑體" pitchFamily="34" charset="-120"/>
-                <a:ea typeface="微軟正黑體" pitchFamily="34" charset="-120"/>
-              </a:rPr>
-              <a:t>愛更溫暖</a:t>
-            </a:r>
-          </a:p>
-          <a:p>
-            <a:pPr algn="ctr">
-              <a:buNone/>
-            </a:pPr>
-            <a:r>
-              <a:rPr lang="zh-TW" altLang="en-US" sz="5400" b="1" dirty="0">
-                <a:solidFill>
-                  <a:srgbClr val="000066"/>
-                </a:solidFill>
-                <a:latin typeface="微軟正黑體" pitchFamily="34" charset="-120"/>
-                <a:ea typeface="微軟正黑體" pitchFamily="34" charset="-120"/>
-              </a:rPr>
-              <a:t>慈愛主信實無變</a:t>
-            </a:r>
-          </a:p>
-          <a:p>
-            <a:pPr algn="ctr">
-              <a:buNone/>
-            </a:pPr>
-            <a:r>
-              <a:rPr lang="zh-TW" altLang="en-US" sz="5400" b="1" dirty="0">
-                <a:solidFill>
-                  <a:srgbClr val="000066"/>
-                </a:solidFill>
-                <a:latin typeface="微軟正黑體" pitchFamily="34" charset="-120"/>
-                <a:ea typeface="微軟正黑體" pitchFamily="34" charset="-120"/>
-              </a:rPr>
-              <a:t>沒有分冬</a:t>
-            </a:r>
-            <a:r>
-              <a:rPr lang="zh-TW" altLang="en-US" sz="5400" b="1" dirty="0" smtClean="0">
-                <a:solidFill>
-                  <a:srgbClr val="000066"/>
-                </a:solidFill>
-                <a:latin typeface="微軟正黑體" pitchFamily="34" charset="-120"/>
-                <a:ea typeface="微軟正黑體" pitchFamily="34" charset="-120"/>
-              </a:rPr>
-              <a:t>暖  主</a:t>
-            </a:r>
-            <a:r>
-              <a:rPr lang="zh-TW" altLang="en-US" sz="5400" b="1" dirty="0">
-                <a:solidFill>
-                  <a:srgbClr val="000066"/>
-                </a:solidFill>
-                <a:latin typeface="微軟正黑體" pitchFamily="34" charset="-120"/>
-                <a:ea typeface="微軟正黑體" pitchFamily="34" charset="-120"/>
-              </a:rPr>
-              <a:t>愛復眷</a:t>
-            </a:r>
+              <a:t>愛勵勉</a:t>
+            </a:r>
+          </a:p>
+        </p:txBody>
+      </p:sp>
+      <p:sp>
+        <p:nvSpPr>
+          <p:cNvPr id="3" name="TextBox 2"/>
+          <p:cNvSpPr txBox="1"/>
+          <p:nvPr/>
+        </p:nvSpPr>
+        <p:spPr>
+          <a:xfrm>
+            <a:off x="0" y="5061183"/>
+            <a:ext cx="12192000" cy="830997"/>
+          </a:xfrm>
+          <a:prstGeom prst="rect">
+            <a:avLst/>
+          </a:prstGeom>
+          <a:noFill/>
+        </p:spPr>
+        <p:txBody>
+          <a:bodyPr wrap="square" rtlCol="0">
+            <a:spAutoFit/>
+          </a:bodyPr>
+          <a:lstStyle/>
+          <a:p>
+            <a:pPr algn="ctr"/>
+            <a:r>
+              <a:rPr lang="en-US" sz="4800" b="1" dirty="0">
+                <a:solidFill>
+                  <a:srgbClr val="660033"/>
+                </a:solidFill>
+                <a:effectLst/>
+                <a:latin typeface="Microsoft JhengHei" panose="020B0604030504040204" pitchFamily="34" charset="-120"/>
+                <a:ea typeface="Microsoft JhengHei" panose="020B0604030504040204" pitchFamily="34" charset="-120"/>
+              </a:rPr>
+              <a:t>( </a:t>
+            </a:r>
+            <a:r>
+              <a:rPr lang="zh-CN" altLang="en-US" sz="4800" b="1" dirty="0">
+                <a:solidFill>
+                  <a:srgbClr val="660033"/>
+                </a:solidFill>
+                <a:effectLst/>
+                <a:latin typeface="Microsoft JhengHei" panose="020B0604030504040204" pitchFamily="34" charset="-120"/>
+                <a:ea typeface="Microsoft JhengHei" panose="020B0604030504040204" pitchFamily="34" charset="-120"/>
+              </a:rPr>
+              <a:t>正</a:t>
+            </a:r>
+            <a:r>
+              <a:rPr lang="en-US" altLang="zh-CN" sz="4800" b="1" dirty="0">
+                <a:solidFill>
+                  <a:srgbClr val="660033"/>
+                </a:solidFill>
+                <a:effectLst/>
+                <a:latin typeface="Microsoft JhengHei" panose="020B0604030504040204" pitchFamily="34" charset="-120"/>
+                <a:ea typeface="Microsoft JhengHei" panose="020B0604030504040204" pitchFamily="34" charset="-120"/>
+              </a:rPr>
+              <a:t> </a:t>
+            </a:r>
+            <a:r>
+              <a:rPr lang="en-US" altLang="zh-CN" sz="4800" b="1" dirty="0">
+                <a:solidFill>
+                  <a:srgbClr val="660033"/>
+                </a:solidFill>
+                <a:effectLst/>
+                <a:latin typeface="Arial" panose="020B0604020202020204" pitchFamily="34" charset="0"/>
+                <a:ea typeface="Microsoft JhengHei" panose="020B0604030504040204" pitchFamily="34" charset="-120"/>
+                <a:cs typeface="Arial" panose="020B0604020202020204" pitchFamily="34" charset="0"/>
+              </a:rPr>
+              <a:t>1</a:t>
+            </a:r>
+            <a:r>
+              <a:rPr lang="en-US" sz="4800" b="1" dirty="0">
+                <a:solidFill>
+                  <a:srgbClr val="660033"/>
+                </a:solidFill>
+                <a:effectLst/>
+                <a:latin typeface="Microsoft JhengHei" panose="020B0604030504040204" pitchFamily="34" charset="-120"/>
+                <a:ea typeface="Microsoft JhengHei" panose="020B0604030504040204" pitchFamily="34" charset="-120"/>
+              </a:rPr>
+              <a:t> </a:t>
+            </a:r>
+            <a:r>
+              <a:rPr lang="en-US" sz="4800" b="1" dirty="0">
+                <a:solidFill>
+                  <a:srgbClr val="660033"/>
+                </a:solidFill>
+                <a:effectLst/>
+                <a:latin typeface="Microsoft JhengHei" panose="020B0604030504040204" pitchFamily="34" charset="-120"/>
+                <a:ea typeface="Microsoft JhengHei" panose="020B0604030504040204" pitchFamily="34" charset="-120"/>
+              </a:rPr>
+              <a:t>)</a:t>
+            </a:r>
+            <a:endParaRPr lang="vi-VN" sz="4800" b="1" dirty="0">
+              <a:solidFill>
+                <a:srgbClr val="660033"/>
+              </a:solidFill>
+              <a:effectLst/>
+              <a:ea typeface="Microsoft JhengHei" panose="020B0604030504040204" pitchFamily="34" charset="-120"/>
+            </a:endParaRPr>
           </a:p>
         </p:txBody>
       </p:sp>
     </p:spTree>
+    <p:extLst>
+      <p:ext uri="{BB962C8B-B14F-4D97-AF65-F5344CB8AC3E}">
+        <p14:creationId xmlns:p14="http://schemas.microsoft.com/office/powerpoint/2010/main" val="3805521492"/>
+      </p:ext>
+    </p:extLst>
   </p:cSld>
   <p:clrMapOvr>
     <a:masterClrMapping/>
   </p:clrMapOvr>
+  <p:timing>
+    <p:tnLst>
+      <p:par>
+        <p:cTn id="1" dur="indefinite" restart="never" nodeType="tmRoot"/>
+      </p:par>
+    </p:tnLst>
+  </p:timing>
 </p:sld>
 </file>
 
@@ -3592,44 +3955,57 @@
       </p:grpSpPr>
       <p:sp>
         <p:nvSpPr>
-          <p:cNvPr id="4" name="標題 3"/>
-          <p:cNvSpPr>
-            <a:spLocks noGrp="1"/>
-          </p:cNvSpPr>
-          <p:nvPr>
-            <p:ph type="title"/>
-          </p:nvPr>
-        </p:nvSpPr>
-        <p:spPr/>
-        <p:txBody>
-          <a:bodyPr>
+          <p:cNvPr id="5" name="內容版面配置區 4"/>
+          <p:cNvSpPr>
+            <a:spLocks noGrp="1"/>
+          </p:cNvSpPr>
+          <p:nvPr>
+            <p:ph idx="1"/>
+          </p:nvPr>
+        </p:nvSpPr>
+        <p:spPr>
+          <a:xfrm>
+            <a:off x="0" y="2084851"/>
+            <a:ext cx="12192000" cy="2404863"/>
+          </a:xfrm>
+        </p:spPr>
+        <p:txBody>
+          <a:bodyPr anchor="ctr">
             <a:normAutofit/>
           </a:bodyPr>
           <a:lstStyle/>
           <a:p>
-            <a:r>
-              <a:rPr lang="zh-TW" altLang="en-US" b="1" dirty="0">
-                <a:solidFill>
-                  <a:srgbClr val="000066"/>
+            <a:pPr algn="ctr">
+              <a:buNone/>
+            </a:pPr>
+            <a:r>
+              <a:rPr lang="zh-TW" altLang="en-US" sz="6400" b="1" dirty="0">
+                <a:solidFill>
+                  <a:srgbClr val="660033"/>
                 </a:solidFill>
                 <a:latin typeface="微軟正黑體" pitchFamily="34" charset="-120"/>
                 <a:ea typeface="微軟正黑體" pitchFamily="34" charset="-120"/>
               </a:rPr>
-              <a:t>主信實無</a:t>
-            </a:r>
-            <a:r>
-              <a:rPr lang="zh-TW" altLang="en-US" b="1" dirty="0" smtClean="0">
-                <a:solidFill>
-                  <a:srgbClr val="000066"/>
+              <a:t>愛慕到達主跟前</a:t>
+            </a:r>
+          </a:p>
+          <a:p>
+            <a:pPr algn="ctr">
+              <a:buNone/>
+            </a:pPr>
+            <a:r>
+              <a:rPr lang="zh-TW" altLang="en-US" sz="6400" b="1" dirty="0">
+                <a:solidFill>
+                  <a:srgbClr val="660033"/>
                 </a:solidFill>
                 <a:latin typeface="微軟正黑體" pitchFamily="34" charset="-120"/>
                 <a:ea typeface="微軟正黑體" pitchFamily="34" charset="-120"/>
               </a:rPr>
-              <a:t>變</a:t>
-            </a:r>
-            <a:endParaRPr lang="zh-TW" altLang="en-US" b="1" dirty="0">
+              <a:t>渴慕救主引牽</a:t>
+            </a:r>
+            <a:endParaRPr lang="zh-TW" altLang="en-US" sz="6400" b="1" dirty="0">
               <a:solidFill>
-                <a:srgbClr val="000066"/>
+                <a:srgbClr val="660033"/>
               </a:solidFill>
               <a:latin typeface="微軟正黑體" pitchFamily="34" charset="-120"/>
               <a:ea typeface="微軟正黑體" pitchFamily="34" charset="-120"/>
@@ -3639,102 +4015,998 @@
       </p:sp>
       <p:sp>
         <p:nvSpPr>
-          <p:cNvPr id="5" name="內容版面配置區 4"/>
-          <p:cNvSpPr>
-            <a:spLocks noGrp="1"/>
-          </p:cNvSpPr>
-          <p:nvPr>
-            <p:ph idx="1"/>
-          </p:nvPr>
-        </p:nvSpPr>
-        <p:spPr/>
-        <p:txBody>
-          <a:bodyPr>
-            <a:noAutofit/>
+          <p:cNvPr id="3" name="TextBox 2"/>
+          <p:cNvSpPr txBox="1"/>
+          <p:nvPr/>
+        </p:nvSpPr>
+        <p:spPr>
+          <a:xfrm>
+            <a:off x="0" y="5061183"/>
+            <a:ext cx="12192000" cy="830997"/>
+          </a:xfrm>
+          <a:prstGeom prst="rect">
+            <a:avLst/>
+          </a:prstGeom>
+          <a:noFill/>
+        </p:spPr>
+        <p:txBody>
+          <a:bodyPr wrap="square" rtlCol="0">
+            <a:spAutoFit/>
           </a:bodyPr>
           <a:lstStyle/>
           <a:p>
-            <a:pPr algn="ctr">
-              <a:buNone/>
-            </a:pPr>
-            <a:r>
-              <a:rPr lang="zh-TW" altLang="en-US" sz="5400" b="1" dirty="0">
-                <a:solidFill>
-                  <a:srgbClr val="000066"/>
-                </a:solidFill>
-                <a:latin typeface="微軟正黑體" pitchFamily="34" charset="-120"/>
-                <a:ea typeface="微軟正黑體" pitchFamily="34" charset="-120"/>
-              </a:rPr>
-              <a:t>愛慕到達主跟前</a:t>
-            </a:r>
-          </a:p>
-          <a:p>
-            <a:pPr algn="ctr">
-              <a:buNone/>
-            </a:pPr>
-            <a:r>
-              <a:rPr lang="zh-TW" altLang="en-US" sz="5400" b="1" dirty="0">
-                <a:solidFill>
-                  <a:srgbClr val="000066"/>
-                </a:solidFill>
-                <a:latin typeface="微軟正黑體" pitchFamily="34" charset="-120"/>
-                <a:ea typeface="微軟正黑體" pitchFamily="34" charset="-120"/>
-              </a:rPr>
-              <a:t>渴慕救主引牽</a:t>
-            </a:r>
-          </a:p>
-          <a:p>
-            <a:pPr algn="ctr">
-              <a:buNone/>
-            </a:pPr>
-            <a:r>
-              <a:rPr lang="zh-TW" altLang="en-US" sz="5400" b="1" dirty="0">
-                <a:solidFill>
-                  <a:srgbClr val="000066"/>
-                </a:solidFill>
-                <a:latin typeface="微軟正黑體" pitchFamily="34" charset="-120"/>
-                <a:ea typeface="微軟正黑體" pitchFamily="34" charset="-120"/>
-              </a:rPr>
-              <a:t>困苦 壓迫 憂傷 掛念</a:t>
-            </a:r>
-          </a:p>
-          <a:p>
-            <a:pPr algn="ctr">
-              <a:buNone/>
-            </a:pPr>
-            <a:r>
-              <a:rPr lang="zh-TW" altLang="en-US" sz="5400" b="1" dirty="0">
-                <a:solidFill>
-                  <a:srgbClr val="000066"/>
-                </a:solidFill>
-                <a:latin typeface="微軟正黑體" pitchFamily="34" charset="-120"/>
-                <a:ea typeface="微軟正黑體" pitchFamily="34" charset="-120"/>
-              </a:rPr>
-              <a:t>神愛眷必不停斷</a:t>
-            </a:r>
-          </a:p>
-          <a:p>
-            <a:pPr algn="ctr">
-              <a:buNone/>
-            </a:pPr>
-            <a:r>
-              <a:rPr lang="zh-TW" altLang="en-US" sz="5400" b="1" dirty="0">
-                <a:solidFill>
-                  <a:srgbClr val="000066"/>
-                </a:solidFill>
-                <a:latin typeface="微軟正黑體" pitchFamily="34" charset="-120"/>
-                <a:ea typeface="微軟正黑體" pitchFamily="34" charset="-120"/>
-              </a:rPr>
-              <a:t>神愛眷終不改變</a:t>
-            </a:r>
+            <a:pPr algn="ctr"/>
+            <a:r>
+              <a:rPr lang="en-US" sz="4800" b="1" dirty="0">
+                <a:solidFill>
+                  <a:srgbClr val="660033"/>
+                </a:solidFill>
+                <a:effectLst/>
+                <a:latin typeface="Microsoft JhengHei" panose="020B0604030504040204" pitchFamily="34" charset="-120"/>
+                <a:ea typeface="Microsoft JhengHei" panose="020B0604030504040204" pitchFamily="34" charset="-120"/>
+              </a:rPr>
+              <a:t>( </a:t>
+            </a:r>
+            <a:r>
+              <a:rPr lang="zh-CN" altLang="en-US" sz="4800" b="1" dirty="0">
+                <a:solidFill>
+                  <a:srgbClr val="660033"/>
+                </a:solidFill>
+                <a:effectLst/>
+                <a:latin typeface="Microsoft JhengHei" panose="020B0604030504040204" pitchFamily="34" charset="-120"/>
+                <a:ea typeface="Microsoft JhengHei" panose="020B0604030504040204" pitchFamily="34" charset="-120"/>
+              </a:rPr>
+              <a:t>副</a:t>
+            </a:r>
+            <a:r>
+              <a:rPr lang="en-US" sz="4800" b="1" dirty="0">
+                <a:solidFill>
+                  <a:srgbClr val="660033"/>
+                </a:solidFill>
+                <a:effectLst/>
+                <a:latin typeface="Microsoft JhengHei" panose="020B0604030504040204" pitchFamily="34" charset="-120"/>
+                <a:ea typeface="Microsoft JhengHei" panose="020B0604030504040204" pitchFamily="34" charset="-120"/>
+              </a:rPr>
+              <a:t> </a:t>
+            </a:r>
+            <a:r>
+              <a:rPr lang="en-US" sz="4800" b="1" dirty="0">
+                <a:solidFill>
+                  <a:srgbClr val="660033"/>
+                </a:solidFill>
+                <a:effectLst/>
+                <a:latin typeface="Microsoft JhengHei" panose="020B0604030504040204" pitchFamily="34" charset="-120"/>
+                <a:ea typeface="Microsoft JhengHei" panose="020B0604030504040204" pitchFamily="34" charset="-120"/>
+              </a:rPr>
+              <a:t>)</a:t>
+            </a:r>
+            <a:endParaRPr lang="vi-VN" sz="4800" b="1" dirty="0">
+              <a:solidFill>
+                <a:srgbClr val="660033"/>
+              </a:solidFill>
+              <a:effectLst/>
+              <a:ea typeface="Microsoft JhengHei" panose="020B0604030504040204" pitchFamily="34" charset="-120"/>
+            </a:endParaRPr>
           </a:p>
         </p:txBody>
       </p:sp>
     </p:spTree>
+    <p:extLst>
+      <p:ext uri="{BB962C8B-B14F-4D97-AF65-F5344CB8AC3E}">
+        <p14:creationId xmlns:p14="http://schemas.microsoft.com/office/powerpoint/2010/main" val="3540999931"/>
+      </p:ext>
+    </p:extLst>
   </p:cSld>
   <p:clrMapOvr>
     <a:masterClrMapping/>
   </p:clrMapOvr>
+  <p:timing>
+    <p:tnLst>
+      <p:par>
+        <p:cTn id="1" dur="indefinite" restart="never" nodeType="tmRoot"/>
+      </p:par>
+    </p:tnLst>
+  </p:timing>
+</p:sld>
+</file>
+
+<file path=ppt/slides/slide5.xml><?xml version="1.0" encoding="utf-8"?>
+<p:sld xmlns:a="http://schemas.openxmlformats.org/drawingml/2006/main" xmlns:r="http://schemas.openxmlformats.org/officeDocument/2006/relationships" xmlns:p="http://schemas.openxmlformats.org/presentationml/2006/main">
+  <p:cSld>
+    <p:spTree>
+      <p:nvGrpSpPr>
+        <p:cNvPr id="1" name=""/>
+        <p:cNvGrpSpPr/>
+        <p:nvPr/>
+      </p:nvGrpSpPr>
+      <p:grpSpPr>
+        <a:xfrm>
+          <a:off x="0" y="0"/>
+          <a:ext cx="0" cy="0"/>
+          <a:chOff x="0" y="0"/>
+          <a:chExt cx="0" cy="0"/>
+        </a:xfrm>
+      </p:grpSpPr>
+      <p:sp>
+        <p:nvSpPr>
+          <p:cNvPr id="5" name="內容版面配置區 4"/>
+          <p:cNvSpPr>
+            <a:spLocks noGrp="1"/>
+          </p:cNvSpPr>
+          <p:nvPr>
+            <p:ph idx="1"/>
+          </p:nvPr>
+        </p:nvSpPr>
+        <p:spPr>
+          <a:xfrm>
+            <a:off x="0" y="2084851"/>
+            <a:ext cx="12192000" cy="2404863"/>
+          </a:xfrm>
+        </p:spPr>
+        <p:txBody>
+          <a:bodyPr anchor="ctr">
+            <a:normAutofit/>
+          </a:bodyPr>
+          <a:lstStyle/>
+          <a:p>
+            <a:pPr algn="ctr">
+              <a:buNone/>
+            </a:pPr>
+            <a:r>
+              <a:rPr lang="zh-TW" altLang="en-US" sz="6400" b="1" dirty="0">
+                <a:solidFill>
+                  <a:srgbClr val="660033"/>
+                </a:solidFill>
+                <a:latin typeface="微軟正黑體" pitchFamily="34" charset="-120"/>
+                <a:ea typeface="微軟正黑體" pitchFamily="34" charset="-120"/>
+              </a:rPr>
+              <a:t>困苦   壓迫   憂傷   掛念</a:t>
+            </a:r>
+          </a:p>
+          <a:p>
+            <a:pPr algn="ctr">
+              <a:buNone/>
+            </a:pPr>
+            <a:r>
+              <a:rPr lang="zh-TW" altLang="en-US" sz="6400" b="1" dirty="0">
+                <a:solidFill>
+                  <a:srgbClr val="660033"/>
+                </a:solidFill>
+                <a:latin typeface="微軟正黑體" pitchFamily="34" charset="-120"/>
+                <a:ea typeface="微軟正黑體" pitchFamily="34" charset="-120"/>
+              </a:rPr>
+              <a:t>神愛眷必不停斷</a:t>
+            </a:r>
+            <a:endParaRPr lang="zh-TW" altLang="en-US" sz="6400" b="1" dirty="0">
+              <a:solidFill>
+                <a:srgbClr val="660033"/>
+              </a:solidFill>
+              <a:latin typeface="微軟正黑體" pitchFamily="34" charset="-120"/>
+              <a:ea typeface="微軟正黑體" pitchFamily="34" charset="-120"/>
+            </a:endParaRPr>
+          </a:p>
+        </p:txBody>
+      </p:sp>
+      <p:sp>
+        <p:nvSpPr>
+          <p:cNvPr id="3" name="TextBox 2"/>
+          <p:cNvSpPr txBox="1"/>
+          <p:nvPr/>
+        </p:nvSpPr>
+        <p:spPr>
+          <a:xfrm>
+            <a:off x="0" y="5061183"/>
+            <a:ext cx="12192000" cy="830997"/>
+          </a:xfrm>
+          <a:prstGeom prst="rect">
+            <a:avLst/>
+          </a:prstGeom>
+          <a:noFill/>
+        </p:spPr>
+        <p:txBody>
+          <a:bodyPr wrap="square" rtlCol="0">
+            <a:spAutoFit/>
+          </a:bodyPr>
+          <a:lstStyle/>
+          <a:p>
+            <a:pPr algn="ctr"/>
+            <a:r>
+              <a:rPr lang="en-US" sz="4800" b="1" dirty="0">
+                <a:solidFill>
+                  <a:srgbClr val="660033"/>
+                </a:solidFill>
+                <a:effectLst/>
+                <a:latin typeface="Microsoft JhengHei" panose="020B0604030504040204" pitchFamily="34" charset="-120"/>
+                <a:ea typeface="Microsoft JhengHei" panose="020B0604030504040204" pitchFamily="34" charset="-120"/>
+              </a:rPr>
+              <a:t>( </a:t>
+            </a:r>
+            <a:r>
+              <a:rPr lang="zh-CN" altLang="en-US" sz="4800" b="1" dirty="0">
+                <a:solidFill>
+                  <a:srgbClr val="660033"/>
+                </a:solidFill>
+                <a:effectLst/>
+                <a:latin typeface="Microsoft JhengHei" panose="020B0604030504040204" pitchFamily="34" charset="-120"/>
+                <a:ea typeface="Microsoft JhengHei" panose="020B0604030504040204" pitchFamily="34" charset="-120"/>
+              </a:rPr>
+              <a:t>副</a:t>
+            </a:r>
+            <a:r>
+              <a:rPr lang="en-US" sz="4800" b="1" dirty="0">
+                <a:solidFill>
+                  <a:srgbClr val="660033"/>
+                </a:solidFill>
+                <a:effectLst/>
+                <a:latin typeface="Microsoft JhengHei" panose="020B0604030504040204" pitchFamily="34" charset="-120"/>
+                <a:ea typeface="Microsoft JhengHei" panose="020B0604030504040204" pitchFamily="34" charset="-120"/>
+              </a:rPr>
+              <a:t> </a:t>
+            </a:r>
+            <a:r>
+              <a:rPr lang="en-US" sz="4800" b="1" dirty="0">
+                <a:solidFill>
+                  <a:srgbClr val="660033"/>
+                </a:solidFill>
+                <a:effectLst/>
+                <a:latin typeface="Microsoft JhengHei" panose="020B0604030504040204" pitchFamily="34" charset="-120"/>
+                <a:ea typeface="Microsoft JhengHei" panose="020B0604030504040204" pitchFamily="34" charset="-120"/>
+              </a:rPr>
+              <a:t>)</a:t>
+            </a:r>
+            <a:endParaRPr lang="vi-VN" sz="4800" b="1" dirty="0">
+              <a:solidFill>
+                <a:srgbClr val="660033"/>
+              </a:solidFill>
+              <a:effectLst/>
+              <a:ea typeface="Microsoft JhengHei" panose="020B0604030504040204" pitchFamily="34" charset="-120"/>
+            </a:endParaRPr>
+          </a:p>
+        </p:txBody>
+      </p:sp>
+    </p:spTree>
+    <p:extLst>
+      <p:ext uri="{BB962C8B-B14F-4D97-AF65-F5344CB8AC3E}">
+        <p14:creationId xmlns:p14="http://schemas.microsoft.com/office/powerpoint/2010/main" val="2569958787"/>
+      </p:ext>
+    </p:extLst>
+  </p:cSld>
+  <p:clrMapOvr>
+    <a:masterClrMapping/>
+  </p:clrMapOvr>
+  <p:timing>
+    <p:tnLst>
+      <p:par>
+        <p:cTn id="1" dur="indefinite" restart="never" nodeType="tmRoot"/>
+      </p:par>
+    </p:tnLst>
+  </p:timing>
+</p:sld>
+</file>
+
+<file path=ppt/slides/slide6.xml><?xml version="1.0" encoding="utf-8"?>
+<p:sld xmlns:a="http://schemas.openxmlformats.org/drawingml/2006/main" xmlns:r="http://schemas.openxmlformats.org/officeDocument/2006/relationships" xmlns:p="http://schemas.openxmlformats.org/presentationml/2006/main">
+  <p:cSld>
+    <p:spTree>
+      <p:nvGrpSpPr>
+        <p:cNvPr id="1" name=""/>
+        <p:cNvGrpSpPr/>
+        <p:nvPr/>
+      </p:nvGrpSpPr>
+      <p:grpSpPr>
+        <a:xfrm>
+          <a:off x="0" y="0"/>
+          <a:ext cx="0" cy="0"/>
+          <a:chOff x="0" y="0"/>
+          <a:chExt cx="0" cy="0"/>
+        </a:xfrm>
+      </p:grpSpPr>
+      <p:sp>
+        <p:nvSpPr>
+          <p:cNvPr id="5" name="內容版面配置區 4"/>
+          <p:cNvSpPr>
+            <a:spLocks noGrp="1"/>
+          </p:cNvSpPr>
+          <p:nvPr>
+            <p:ph idx="1"/>
+          </p:nvPr>
+        </p:nvSpPr>
+        <p:spPr>
+          <a:xfrm>
+            <a:off x="0" y="2084851"/>
+            <a:ext cx="12192000" cy="2404863"/>
+          </a:xfrm>
+        </p:spPr>
+        <p:txBody>
+          <a:bodyPr anchor="ctr">
+            <a:normAutofit/>
+          </a:bodyPr>
+          <a:lstStyle/>
+          <a:p>
+            <a:pPr algn="ctr">
+              <a:buNone/>
+            </a:pPr>
+            <a:r>
+              <a:rPr lang="zh-TW" altLang="en-US" sz="6400" b="1" dirty="0">
+                <a:solidFill>
+                  <a:srgbClr val="660033"/>
+                </a:solidFill>
+                <a:latin typeface="微軟正黑體" pitchFamily="34" charset="-120"/>
+                <a:ea typeface="微軟正黑體" pitchFamily="34" charset="-120"/>
+              </a:rPr>
+              <a:t>神愛眷終不改變</a:t>
+            </a:r>
+          </a:p>
+        </p:txBody>
+      </p:sp>
+      <p:sp>
+        <p:nvSpPr>
+          <p:cNvPr id="3" name="TextBox 2"/>
+          <p:cNvSpPr txBox="1"/>
+          <p:nvPr/>
+        </p:nvSpPr>
+        <p:spPr>
+          <a:xfrm>
+            <a:off x="0" y="5061183"/>
+            <a:ext cx="12192000" cy="830997"/>
+          </a:xfrm>
+          <a:prstGeom prst="rect">
+            <a:avLst/>
+          </a:prstGeom>
+          <a:noFill/>
+        </p:spPr>
+        <p:txBody>
+          <a:bodyPr wrap="square" rtlCol="0">
+            <a:spAutoFit/>
+          </a:bodyPr>
+          <a:lstStyle/>
+          <a:p>
+            <a:pPr algn="ctr"/>
+            <a:r>
+              <a:rPr lang="en-US" sz="4800" b="1" dirty="0">
+                <a:solidFill>
+                  <a:srgbClr val="660033"/>
+                </a:solidFill>
+                <a:effectLst/>
+                <a:latin typeface="Microsoft JhengHei" panose="020B0604030504040204" pitchFamily="34" charset="-120"/>
+                <a:ea typeface="Microsoft JhengHei" panose="020B0604030504040204" pitchFamily="34" charset="-120"/>
+              </a:rPr>
+              <a:t>( </a:t>
+            </a:r>
+            <a:r>
+              <a:rPr lang="zh-CN" altLang="en-US" sz="4800" b="1" dirty="0">
+                <a:solidFill>
+                  <a:srgbClr val="660033"/>
+                </a:solidFill>
+                <a:effectLst/>
+                <a:latin typeface="Microsoft JhengHei" panose="020B0604030504040204" pitchFamily="34" charset="-120"/>
+                <a:ea typeface="Microsoft JhengHei" panose="020B0604030504040204" pitchFamily="34" charset="-120"/>
+              </a:rPr>
+              <a:t>副</a:t>
+            </a:r>
+            <a:r>
+              <a:rPr lang="en-US" sz="4800" b="1" dirty="0">
+                <a:solidFill>
+                  <a:srgbClr val="660033"/>
+                </a:solidFill>
+                <a:effectLst/>
+                <a:latin typeface="Microsoft JhengHei" panose="020B0604030504040204" pitchFamily="34" charset="-120"/>
+                <a:ea typeface="Microsoft JhengHei" panose="020B0604030504040204" pitchFamily="34" charset="-120"/>
+              </a:rPr>
+              <a:t> </a:t>
+            </a:r>
+            <a:r>
+              <a:rPr lang="en-US" sz="4800" b="1" dirty="0">
+                <a:solidFill>
+                  <a:srgbClr val="660033"/>
+                </a:solidFill>
+                <a:effectLst/>
+                <a:latin typeface="Microsoft JhengHei" panose="020B0604030504040204" pitchFamily="34" charset="-120"/>
+                <a:ea typeface="Microsoft JhengHei" panose="020B0604030504040204" pitchFamily="34" charset="-120"/>
+              </a:rPr>
+              <a:t>)</a:t>
+            </a:r>
+            <a:endParaRPr lang="vi-VN" sz="4800" b="1" dirty="0">
+              <a:solidFill>
+                <a:srgbClr val="660033"/>
+              </a:solidFill>
+              <a:effectLst/>
+              <a:ea typeface="Microsoft JhengHei" panose="020B0604030504040204" pitchFamily="34" charset="-120"/>
+            </a:endParaRPr>
+          </a:p>
+        </p:txBody>
+      </p:sp>
+    </p:spTree>
+    <p:extLst>
+      <p:ext uri="{BB962C8B-B14F-4D97-AF65-F5344CB8AC3E}">
+        <p14:creationId xmlns:p14="http://schemas.microsoft.com/office/powerpoint/2010/main" val="1616550794"/>
+      </p:ext>
+    </p:extLst>
+  </p:cSld>
+  <p:clrMapOvr>
+    <a:masterClrMapping/>
+  </p:clrMapOvr>
+  <p:timing>
+    <p:tnLst>
+      <p:par>
+        <p:cTn id="1" dur="indefinite" restart="never" nodeType="tmRoot"/>
+      </p:par>
+    </p:tnLst>
+  </p:timing>
+</p:sld>
+</file>
+
+<file path=ppt/slides/slide7.xml><?xml version="1.0" encoding="utf-8"?>
+<p:sld xmlns:a="http://schemas.openxmlformats.org/drawingml/2006/main" xmlns:r="http://schemas.openxmlformats.org/officeDocument/2006/relationships" xmlns:p="http://schemas.openxmlformats.org/presentationml/2006/main">
+  <p:cSld>
+    <p:spTree>
+      <p:nvGrpSpPr>
+        <p:cNvPr id="1" name=""/>
+        <p:cNvGrpSpPr/>
+        <p:nvPr/>
+      </p:nvGrpSpPr>
+      <p:grpSpPr>
+        <a:xfrm>
+          <a:off x="0" y="0"/>
+          <a:ext cx="0" cy="0"/>
+          <a:chOff x="0" y="0"/>
+          <a:chExt cx="0" cy="0"/>
+        </a:xfrm>
+      </p:grpSpPr>
+      <p:sp>
+        <p:nvSpPr>
+          <p:cNvPr id="5" name="內容版面配置區 4"/>
+          <p:cNvSpPr>
+            <a:spLocks noGrp="1"/>
+          </p:cNvSpPr>
+          <p:nvPr>
+            <p:ph idx="1"/>
+          </p:nvPr>
+        </p:nvSpPr>
+        <p:spPr>
+          <a:xfrm>
+            <a:off x="0" y="2084851"/>
+            <a:ext cx="12192000" cy="2404863"/>
+          </a:xfrm>
+        </p:spPr>
+        <p:txBody>
+          <a:bodyPr anchor="ctr">
+            <a:normAutofit/>
+          </a:bodyPr>
+          <a:lstStyle/>
+          <a:p>
+            <a:pPr algn="ctr">
+              <a:buNone/>
+            </a:pPr>
+            <a:r>
+              <a:rPr lang="zh-TW" altLang="en-US" sz="6400" b="1" dirty="0">
+                <a:solidFill>
+                  <a:srgbClr val="660033"/>
+                </a:solidFill>
+                <a:latin typeface="微軟正黑體" pitchFamily="34" charset="-120"/>
+                <a:ea typeface="微軟正黑體" pitchFamily="34" charset="-120"/>
+              </a:rPr>
+              <a:t>慈愛主信實無變</a:t>
+            </a:r>
+          </a:p>
+          <a:p>
+            <a:pPr algn="ctr">
+              <a:buNone/>
+            </a:pPr>
+            <a:r>
+              <a:rPr lang="zh-TW" altLang="en-US" sz="6400" b="1" dirty="0">
+                <a:solidFill>
+                  <a:srgbClr val="660033"/>
+                </a:solidFill>
+                <a:latin typeface="微軟正黑體" pitchFamily="34" charset="-120"/>
+                <a:ea typeface="微軟正黑體" pitchFamily="34" charset="-120"/>
+              </a:rPr>
+              <a:t>日影西斜  </a:t>
+            </a:r>
+            <a:r>
+              <a:rPr lang="zh-TW" altLang="en-US" sz="6400" b="1" dirty="0">
+                <a:solidFill>
+                  <a:srgbClr val="660033"/>
+                </a:solidFill>
+                <a:latin typeface="微軟正黑體" pitchFamily="34" charset="-120"/>
+                <a:ea typeface="微軟正黑體" pitchFamily="34" charset="-120"/>
+              </a:rPr>
+              <a:t> 主</a:t>
+            </a:r>
+            <a:r>
+              <a:rPr lang="zh-TW" altLang="en-US" sz="6400" b="1" dirty="0">
+                <a:solidFill>
+                  <a:srgbClr val="660033"/>
+                </a:solidFill>
+                <a:latin typeface="微軟正黑體" pitchFamily="34" charset="-120"/>
+                <a:ea typeface="微軟正黑體" pitchFamily="34" charset="-120"/>
+              </a:rPr>
+              <a:t>愛更溫暖</a:t>
+            </a:r>
+          </a:p>
+        </p:txBody>
+      </p:sp>
+      <p:sp>
+        <p:nvSpPr>
+          <p:cNvPr id="3" name="TextBox 2"/>
+          <p:cNvSpPr txBox="1"/>
+          <p:nvPr/>
+        </p:nvSpPr>
+        <p:spPr>
+          <a:xfrm>
+            <a:off x="0" y="5061183"/>
+            <a:ext cx="12192000" cy="830997"/>
+          </a:xfrm>
+          <a:prstGeom prst="rect">
+            <a:avLst/>
+          </a:prstGeom>
+          <a:noFill/>
+        </p:spPr>
+        <p:txBody>
+          <a:bodyPr wrap="square" rtlCol="0">
+            <a:spAutoFit/>
+          </a:bodyPr>
+          <a:lstStyle/>
+          <a:p>
+            <a:pPr algn="ctr"/>
+            <a:r>
+              <a:rPr lang="en-US" sz="4800" b="1" dirty="0">
+                <a:solidFill>
+                  <a:srgbClr val="660033"/>
+                </a:solidFill>
+                <a:effectLst/>
+                <a:latin typeface="Microsoft JhengHei" panose="020B0604030504040204" pitchFamily="34" charset="-120"/>
+                <a:ea typeface="Microsoft JhengHei" panose="020B0604030504040204" pitchFamily="34" charset="-120"/>
+              </a:rPr>
+              <a:t>( </a:t>
+            </a:r>
+            <a:r>
+              <a:rPr lang="zh-CN" altLang="en-US" sz="4800" b="1" dirty="0">
+                <a:solidFill>
+                  <a:srgbClr val="660033"/>
+                </a:solidFill>
+                <a:effectLst/>
+                <a:latin typeface="Microsoft JhengHei" panose="020B0604030504040204" pitchFamily="34" charset="-120"/>
+                <a:ea typeface="Microsoft JhengHei" panose="020B0604030504040204" pitchFamily="34" charset="-120"/>
+              </a:rPr>
+              <a:t>正</a:t>
+            </a:r>
+            <a:r>
+              <a:rPr lang="en-US" altLang="zh-CN" sz="4800" b="1" dirty="0">
+                <a:solidFill>
+                  <a:srgbClr val="660033"/>
+                </a:solidFill>
+                <a:effectLst/>
+                <a:latin typeface="Microsoft JhengHei" panose="020B0604030504040204" pitchFamily="34" charset="-120"/>
+                <a:ea typeface="Microsoft JhengHei" panose="020B0604030504040204" pitchFamily="34" charset="-120"/>
+              </a:rPr>
+              <a:t> </a:t>
+            </a:r>
+            <a:r>
+              <a:rPr lang="en-US" altLang="zh-CN" sz="4800" b="1" dirty="0">
+                <a:solidFill>
+                  <a:srgbClr val="660033"/>
+                </a:solidFill>
+                <a:effectLst/>
+                <a:latin typeface="Arial" panose="020B0604020202020204" pitchFamily="34" charset="0"/>
+                <a:ea typeface="Microsoft JhengHei" panose="020B0604030504040204" pitchFamily="34" charset="-120"/>
+                <a:cs typeface="Arial" panose="020B0604020202020204" pitchFamily="34" charset="0"/>
+              </a:rPr>
+              <a:t>2</a:t>
+            </a:r>
+            <a:r>
+              <a:rPr lang="en-US" sz="4800" b="1" dirty="0">
+                <a:solidFill>
+                  <a:srgbClr val="660033"/>
+                </a:solidFill>
+                <a:effectLst/>
+                <a:latin typeface="Microsoft JhengHei" panose="020B0604030504040204" pitchFamily="34" charset="-120"/>
+                <a:ea typeface="Microsoft JhengHei" panose="020B0604030504040204" pitchFamily="34" charset="-120"/>
+              </a:rPr>
+              <a:t> </a:t>
+            </a:r>
+            <a:r>
+              <a:rPr lang="en-US" sz="4800" b="1" dirty="0">
+                <a:solidFill>
+                  <a:srgbClr val="660033"/>
+                </a:solidFill>
+                <a:effectLst/>
+                <a:latin typeface="Microsoft JhengHei" panose="020B0604030504040204" pitchFamily="34" charset="-120"/>
+                <a:ea typeface="Microsoft JhengHei" panose="020B0604030504040204" pitchFamily="34" charset="-120"/>
+              </a:rPr>
+              <a:t>)</a:t>
+            </a:r>
+            <a:endParaRPr lang="vi-VN" sz="4800" b="1" dirty="0">
+              <a:solidFill>
+                <a:srgbClr val="660033"/>
+              </a:solidFill>
+              <a:effectLst/>
+              <a:ea typeface="Microsoft JhengHei" panose="020B0604030504040204" pitchFamily="34" charset="-120"/>
+            </a:endParaRPr>
+          </a:p>
+        </p:txBody>
+      </p:sp>
+    </p:spTree>
+    <p:extLst>
+      <p:ext uri="{BB962C8B-B14F-4D97-AF65-F5344CB8AC3E}">
+        <p14:creationId xmlns:p14="http://schemas.microsoft.com/office/powerpoint/2010/main" val="3360700677"/>
+      </p:ext>
+    </p:extLst>
+  </p:cSld>
+  <p:clrMapOvr>
+    <a:masterClrMapping/>
+  </p:clrMapOvr>
+  <p:timing>
+    <p:tnLst>
+      <p:par>
+        <p:cTn id="1" dur="indefinite" restart="never" nodeType="tmRoot"/>
+      </p:par>
+    </p:tnLst>
+  </p:timing>
+</p:sld>
+</file>
+
+<file path=ppt/slides/slide8.xml><?xml version="1.0" encoding="utf-8"?>
+<p:sld xmlns:a="http://schemas.openxmlformats.org/drawingml/2006/main" xmlns:r="http://schemas.openxmlformats.org/officeDocument/2006/relationships" xmlns:p="http://schemas.openxmlformats.org/presentationml/2006/main">
+  <p:cSld>
+    <p:spTree>
+      <p:nvGrpSpPr>
+        <p:cNvPr id="1" name=""/>
+        <p:cNvGrpSpPr/>
+        <p:nvPr/>
+      </p:nvGrpSpPr>
+      <p:grpSpPr>
+        <a:xfrm>
+          <a:off x="0" y="0"/>
+          <a:ext cx="0" cy="0"/>
+          <a:chOff x="0" y="0"/>
+          <a:chExt cx="0" cy="0"/>
+        </a:xfrm>
+      </p:grpSpPr>
+      <p:sp>
+        <p:nvSpPr>
+          <p:cNvPr id="5" name="內容版面配置區 4"/>
+          <p:cNvSpPr>
+            <a:spLocks noGrp="1"/>
+          </p:cNvSpPr>
+          <p:nvPr>
+            <p:ph idx="1"/>
+          </p:nvPr>
+        </p:nvSpPr>
+        <p:spPr>
+          <a:xfrm>
+            <a:off x="0" y="2084851"/>
+            <a:ext cx="12192000" cy="2404863"/>
+          </a:xfrm>
+        </p:spPr>
+        <p:txBody>
+          <a:bodyPr anchor="ctr">
+            <a:normAutofit/>
+          </a:bodyPr>
+          <a:lstStyle/>
+          <a:p>
+            <a:pPr algn="ctr">
+              <a:buNone/>
+            </a:pPr>
+            <a:r>
+              <a:rPr lang="zh-TW" altLang="en-US" sz="6400" b="1" dirty="0">
+                <a:solidFill>
+                  <a:srgbClr val="660033"/>
+                </a:solidFill>
+                <a:latin typeface="微軟正黑體" pitchFamily="34" charset="-120"/>
+                <a:ea typeface="微軟正黑體" pitchFamily="34" charset="-120"/>
+              </a:rPr>
+              <a:t>慈愛主信實無變</a:t>
+            </a:r>
+          </a:p>
+          <a:p>
+            <a:pPr algn="ctr">
+              <a:buNone/>
+            </a:pPr>
+            <a:r>
+              <a:rPr lang="zh-TW" altLang="en-US" sz="6400" b="1" dirty="0">
+                <a:solidFill>
+                  <a:srgbClr val="660033"/>
+                </a:solidFill>
+                <a:latin typeface="微軟正黑體" pitchFamily="34" charset="-120"/>
+                <a:ea typeface="微軟正黑體" pitchFamily="34" charset="-120"/>
+              </a:rPr>
+              <a:t>沒有分冬暖  主愛復眷</a:t>
+            </a:r>
+          </a:p>
+        </p:txBody>
+      </p:sp>
+      <p:sp>
+        <p:nvSpPr>
+          <p:cNvPr id="3" name="TextBox 2"/>
+          <p:cNvSpPr txBox="1"/>
+          <p:nvPr/>
+        </p:nvSpPr>
+        <p:spPr>
+          <a:xfrm>
+            <a:off x="0" y="5061183"/>
+            <a:ext cx="12192000" cy="830997"/>
+          </a:xfrm>
+          <a:prstGeom prst="rect">
+            <a:avLst/>
+          </a:prstGeom>
+          <a:noFill/>
+        </p:spPr>
+        <p:txBody>
+          <a:bodyPr wrap="square" rtlCol="0">
+            <a:spAutoFit/>
+          </a:bodyPr>
+          <a:lstStyle/>
+          <a:p>
+            <a:pPr algn="ctr"/>
+            <a:r>
+              <a:rPr lang="en-US" sz="4800" b="1" dirty="0">
+                <a:solidFill>
+                  <a:srgbClr val="660033"/>
+                </a:solidFill>
+                <a:effectLst/>
+                <a:latin typeface="Microsoft JhengHei" panose="020B0604030504040204" pitchFamily="34" charset="-120"/>
+                <a:ea typeface="Microsoft JhengHei" panose="020B0604030504040204" pitchFamily="34" charset="-120"/>
+              </a:rPr>
+              <a:t>( </a:t>
+            </a:r>
+            <a:r>
+              <a:rPr lang="zh-CN" altLang="en-US" sz="4800" b="1" dirty="0">
+                <a:solidFill>
+                  <a:srgbClr val="660033"/>
+                </a:solidFill>
+                <a:effectLst/>
+                <a:latin typeface="Microsoft JhengHei" panose="020B0604030504040204" pitchFamily="34" charset="-120"/>
+                <a:ea typeface="Microsoft JhengHei" panose="020B0604030504040204" pitchFamily="34" charset="-120"/>
+              </a:rPr>
+              <a:t>正</a:t>
+            </a:r>
+            <a:r>
+              <a:rPr lang="en-US" altLang="zh-CN" sz="4800" b="1" dirty="0">
+                <a:solidFill>
+                  <a:srgbClr val="660033"/>
+                </a:solidFill>
+                <a:effectLst/>
+                <a:latin typeface="Microsoft JhengHei" panose="020B0604030504040204" pitchFamily="34" charset="-120"/>
+                <a:ea typeface="Microsoft JhengHei" panose="020B0604030504040204" pitchFamily="34" charset="-120"/>
+              </a:rPr>
+              <a:t> </a:t>
+            </a:r>
+            <a:r>
+              <a:rPr lang="en-US" altLang="zh-CN" sz="4800" b="1" dirty="0">
+                <a:solidFill>
+                  <a:srgbClr val="660033"/>
+                </a:solidFill>
+                <a:effectLst/>
+                <a:latin typeface="Arial" panose="020B0604020202020204" pitchFamily="34" charset="0"/>
+                <a:ea typeface="Microsoft JhengHei" panose="020B0604030504040204" pitchFamily="34" charset="-120"/>
+                <a:cs typeface="Arial" panose="020B0604020202020204" pitchFamily="34" charset="0"/>
+              </a:rPr>
+              <a:t>2</a:t>
+            </a:r>
+            <a:r>
+              <a:rPr lang="en-US" sz="4800" b="1" dirty="0">
+                <a:solidFill>
+                  <a:srgbClr val="660033"/>
+                </a:solidFill>
+                <a:effectLst/>
+                <a:latin typeface="Microsoft JhengHei" panose="020B0604030504040204" pitchFamily="34" charset="-120"/>
+                <a:ea typeface="Microsoft JhengHei" panose="020B0604030504040204" pitchFamily="34" charset="-120"/>
+              </a:rPr>
+              <a:t> </a:t>
+            </a:r>
+            <a:r>
+              <a:rPr lang="en-US" sz="4800" b="1" dirty="0">
+                <a:solidFill>
+                  <a:srgbClr val="660033"/>
+                </a:solidFill>
+                <a:effectLst/>
+                <a:latin typeface="Microsoft JhengHei" panose="020B0604030504040204" pitchFamily="34" charset="-120"/>
+                <a:ea typeface="Microsoft JhengHei" panose="020B0604030504040204" pitchFamily="34" charset="-120"/>
+              </a:rPr>
+              <a:t>)</a:t>
+            </a:r>
+            <a:endParaRPr lang="vi-VN" sz="4800" b="1" dirty="0">
+              <a:solidFill>
+                <a:srgbClr val="660033"/>
+              </a:solidFill>
+              <a:effectLst/>
+              <a:ea typeface="Microsoft JhengHei" panose="020B0604030504040204" pitchFamily="34" charset="-120"/>
+            </a:endParaRPr>
+          </a:p>
+        </p:txBody>
+      </p:sp>
+    </p:spTree>
+    <p:extLst>
+      <p:ext uri="{BB962C8B-B14F-4D97-AF65-F5344CB8AC3E}">
+        <p14:creationId xmlns:p14="http://schemas.microsoft.com/office/powerpoint/2010/main" val="1181504896"/>
+      </p:ext>
+    </p:extLst>
+  </p:cSld>
+  <p:clrMapOvr>
+    <a:masterClrMapping/>
+  </p:clrMapOvr>
+  <p:timing>
+    <p:tnLst>
+      <p:par>
+        <p:cTn id="1" dur="indefinite" restart="never" nodeType="tmRoot"/>
+      </p:par>
+    </p:tnLst>
+  </p:timing>
+</p:sld>
+</file>
+
+<file path=ppt/slides/slide9.xml><?xml version="1.0" encoding="utf-8"?>
+<p:sld xmlns:a="http://schemas.openxmlformats.org/drawingml/2006/main" xmlns:r="http://schemas.openxmlformats.org/officeDocument/2006/relationships" xmlns:p="http://schemas.openxmlformats.org/presentationml/2006/main">
+  <p:cSld>
+    <p:spTree>
+      <p:nvGrpSpPr>
+        <p:cNvPr id="1" name=""/>
+        <p:cNvGrpSpPr/>
+        <p:nvPr/>
+      </p:nvGrpSpPr>
+      <p:grpSpPr>
+        <a:xfrm>
+          <a:off x="0" y="0"/>
+          <a:ext cx="0" cy="0"/>
+          <a:chOff x="0" y="0"/>
+          <a:chExt cx="0" cy="0"/>
+        </a:xfrm>
+      </p:grpSpPr>
+      <p:sp>
+        <p:nvSpPr>
+          <p:cNvPr id="5" name="內容版面配置區 4"/>
+          <p:cNvSpPr>
+            <a:spLocks noGrp="1"/>
+          </p:cNvSpPr>
+          <p:nvPr>
+            <p:ph idx="1"/>
+          </p:nvPr>
+        </p:nvSpPr>
+        <p:spPr>
+          <a:xfrm>
+            <a:off x="0" y="2084851"/>
+            <a:ext cx="12192000" cy="2404863"/>
+          </a:xfrm>
+        </p:spPr>
+        <p:txBody>
+          <a:bodyPr anchor="ctr">
+            <a:normAutofit/>
+          </a:bodyPr>
+          <a:lstStyle/>
+          <a:p>
+            <a:pPr algn="ctr">
+              <a:buNone/>
+            </a:pPr>
+            <a:r>
+              <a:rPr lang="zh-TW" altLang="en-US" sz="6400" b="1" dirty="0">
+                <a:solidFill>
+                  <a:srgbClr val="660033"/>
+                </a:solidFill>
+                <a:latin typeface="微軟正黑體" pitchFamily="34" charset="-120"/>
+                <a:ea typeface="微軟正黑體" pitchFamily="34" charset="-120"/>
+              </a:rPr>
+              <a:t>愛慕到達主跟前</a:t>
+            </a:r>
+          </a:p>
+          <a:p>
+            <a:pPr algn="ctr">
+              <a:buNone/>
+            </a:pPr>
+            <a:r>
+              <a:rPr lang="zh-TW" altLang="en-US" sz="6400" b="1" dirty="0">
+                <a:solidFill>
+                  <a:srgbClr val="660033"/>
+                </a:solidFill>
+                <a:latin typeface="微軟正黑體" pitchFamily="34" charset="-120"/>
+                <a:ea typeface="微軟正黑體" pitchFamily="34" charset="-120"/>
+              </a:rPr>
+              <a:t>渴慕救主引牽</a:t>
+            </a:r>
+            <a:endParaRPr lang="zh-TW" altLang="en-US" sz="6400" b="1" dirty="0">
+              <a:solidFill>
+                <a:srgbClr val="660033"/>
+              </a:solidFill>
+              <a:latin typeface="微軟正黑體" pitchFamily="34" charset="-120"/>
+              <a:ea typeface="微軟正黑體" pitchFamily="34" charset="-120"/>
+            </a:endParaRPr>
+          </a:p>
+        </p:txBody>
+      </p:sp>
+      <p:sp>
+        <p:nvSpPr>
+          <p:cNvPr id="3" name="TextBox 2"/>
+          <p:cNvSpPr txBox="1"/>
+          <p:nvPr/>
+        </p:nvSpPr>
+        <p:spPr>
+          <a:xfrm>
+            <a:off x="0" y="5061183"/>
+            <a:ext cx="12192000" cy="830997"/>
+          </a:xfrm>
+          <a:prstGeom prst="rect">
+            <a:avLst/>
+          </a:prstGeom>
+          <a:noFill/>
+        </p:spPr>
+        <p:txBody>
+          <a:bodyPr wrap="square" rtlCol="0">
+            <a:spAutoFit/>
+          </a:bodyPr>
+          <a:lstStyle/>
+          <a:p>
+            <a:pPr algn="ctr"/>
+            <a:r>
+              <a:rPr lang="en-US" sz="4800" b="1" dirty="0">
+                <a:solidFill>
+                  <a:srgbClr val="660033"/>
+                </a:solidFill>
+                <a:effectLst/>
+                <a:latin typeface="Microsoft JhengHei" panose="020B0604030504040204" pitchFamily="34" charset="-120"/>
+                <a:ea typeface="Microsoft JhengHei" panose="020B0604030504040204" pitchFamily="34" charset="-120"/>
+              </a:rPr>
+              <a:t>( </a:t>
+            </a:r>
+            <a:r>
+              <a:rPr lang="zh-CN" altLang="en-US" sz="4800" b="1" dirty="0">
+                <a:solidFill>
+                  <a:srgbClr val="660033"/>
+                </a:solidFill>
+                <a:effectLst/>
+                <a:latin typeface="Microsoft JhengHei" panose="020B0604030504040204" pitchFamily="34" charset="-120"/>
+                <a:ea typeface="Microsoft JhengHei" panose="020B0604030504040204" pitchFamily="34" charset="-120"/>
+              </a:rPr>
+              <a:t>副</a:t>
+            </a:r>
+            <a:r>
+              <a:rPr lang="en-US" sz="4800" b="1" dirty="0">
+                <a:solidFill>
+                  <a:srgbClr val="660033"/>
+                </a:solidFill>
+                <a:effectLst/>
+                <a:latin typeface="Microsoft JhengHei" panose="020B0604030504040204" pitchFamily="34" charset="-120"/>
+                <a:ea typeface="Microsoft JhengHei" panose="020B0604030504040204" pitchFamily="34" charset="-120"/>
+              </a:rPr>
+              <a:t> </a:t>
+            </a:r>
+            <a:r>
+              <a:rPr lang="en-US" sz="4800" b="1" dirty="0">
+                <a:solidFill>
+                  <a:srgbClr val="660033"/>
+                </a:solidFill>
+                <a:effectLst/>
+                <a:latin typeface="Microsoft JhengHei" panose="020B0604030504040204" pitchFamily="34" charset="-120"/>
+                <a:ea typeface="Microsoft JhengHei" panose="020B0604030504040204" pitchFamily="34" charset="-120"/>
+              </a:rPr>
+              <a:t>)</a:t>
+            </a:r>
+            <a:endParaRPr lang="vi-VN" sz="4800" b="1" dirty="0">
+              <a:solidFill>
+                <a:srgbClr val="660033"/>
+              </a:solidFill>
+              <a:effectLst/>
+              <a:ea typeface="Microsoft JhengHei" panose="020B0604030504040204" pitchFamily="34" charset="-120"/>
+            </a:endParaRPr>
+          </a:p>
+        </p:txBody>
+      </p:sp>
+    </p:spTree>
+    <p:extLst>
+      <p:ext uri="{BB962C8B-B14F-4D97-AF65-F5344CB8AC3E}">
+        <p14:creationId xmlns:p14="http://schemas.microsoft.com/office/powerpoint/2010/main" val="1430735975"/>
+      </p:ext>
+    </p:extLst>
+  </p:cSld>
+  <p:clrMapOvr>
+    <a:masterClrMapping/>
+  </p:clrMapOvr>
+  <p:timing>
+    <p:tnLst>
+      <p:par>
+        <p:cTn id="1" dur="indefinite" restart="never" nodeType="tmRoot"/>
+      </p:par>
+    </p:tnLst>
+  </p:timing>
 </p:sld>
 </file>
 
